--- a/Presentation 2.pptx
+++ b/Presentation 2.pptx
@@ -4,15 +4,17 @@
   <p:sldMasterIdLst>
     <p:sldMasterId id="2147483660" r:id="rId1"/>
   </p:sldMasterIdLst>
+  <p:notesMasterIdLst>
+    <p:notesMasterId r:id="rId9"/>
+  </p:notesMasterIdLst>
   <p:sldIdLst>
     <p:sldId id="256" r:id="rId2"/>
     <p:sldId id="263" r:id="rId3"/>
-    <p:sldId id="267" r:id="rId4"/>
+    <p:sldId id="269" r:id="rId4"/>
     <p:sldId id="268" r:id="rId5"/>
-    <p:sldId id="269" r:id="rId6"/>
-    <p:sldId id="270" r:id="rId7"/>
-    <p:sldId id="272" r:id="rId8"/>
-    <p:sldId id="271" r:id="rId9"/>
+    <p:sldId id="270" r:id="rId6"/>
+    <p:sldId id="272" r:id="rId7"/>
+    <p:sldId id="273" r:id="rId8"/>
   </p:sldIdLst>
   <p:sldSz cx="12192000" cy="6858000"/>
   <p:notesSz cx="6858000" cy="9144000"/>
@@ -998,753 +1000,6 @@
 </dgm:colorsDef>
 </file>
 
-<file path=ppt/diagrams/colors2.xml><?xml version="1.0" encoding="utf-8"?>
-<dgm:colorsDef xmlns:dgm="http://schemas.openxmlformats.org/drawingml/2006/diagram" xmlns:a="http://schemas.openxmlformats.org/drawingml/2006/main" uniqueId="urn:microsoft.com/office/officeart/2005/8/colors/accent1_2">
-  <dgm:title val=""/>
-  <dgm:desc val=""/>
-  <dgm:catLst>
-    <dgm:cat type="accent1" pri="11200"/>
-  </dgm:catLst>
-  <dgm:styleLbl name="node0">
-    <dgm:fillClrLst meth="repeat">
-      <a:schemeClr val="accent1"/>
-    </dgm:fillClrLst>
-    <dgm:linClrLst meth="repeat">
-      <a:schemeClr val="lt1"/>
-    </dgm:linClrLst>
-    <dgm:effectClrLst/>
-    <dgm:txLinClrLst/>
-    <dgm:txFillClrLst/>
-    <dgm:txEffectClrLst/>
-  </dgm:styleLbl>
-  <dgm:styleLbl name="alignNode1">
-    <dgm:fillClrLst meth="repeat">
-      <a:schemeClr val="accent1"/>
-    </dgm:fillClrLst>
-    <dgm:linClrLst meth="repeat">
-      <a:schemeClr val="accent1"/>
-    </dgm:linClrLst>
-    <dgm:effectClrLst/>
-    <dgm:txLinClrLst/>
-    <dgm:txFillClrLst/>
-    <dgm:txEffectClrLst/>
-  </dgm:styleLbl>
-  <dgm:styleLbl name="node1">
-    <dgm:fillClrLst meth="repeat">
-      <a:schemeClr val="accent1"/>
-    </dgm:fillClrLst>
-    <dgm:linClrLst meth="repeat">
-      <a:schemeClr val="lt1"/>
-    </dgm:linClrLst>
-    <dgm:effectClrLst/>
-    <dgm:txLinClrLst/>
-    <dgm:txFillClrLst/>
-    <dgm:txEffectClrLst/>
-  </dgm:styleLbl>
-  <dgm:styleLbl name="lnNode1">
-    <dgm:fillClrLst meth="repeat">
-      <a:schemeClr val="accent1"/>
-    </dgm:fillClrLst>
-    <dgm:linClrLst meth="repeat">
-      <a:schemeClr val="lt1"/>
-    </dgm:linClrLst>
-    <dgm:effectClrLst/>
-    <dgm:txLinClrLst/>
-    <dgm:txFillClrLst/>
-    <dgm:txEffectClrLst/>
-  </dgm:styleLbl>
-  <dgm:styleLbl name="vennNode1">
-    <dgm:fillClrLst meth="repeat">
-      <a:schemeClr val="accent1">
-        <a:alpha val="50000"/>
-      </a:schemeClr>
-    </dgm:fillClrLst>
-    <dgm:linClrLst meth="repeat">
-      <a:schemeClr val="lt1"/>
-    </dgm:linClrLst>
-    <dgm:effectClrLst/>
-    <dgm:txLinClrLst/>
-    <dgm:txFillClrLst/>
-    <dgm:txEffectClrLst/>
-  </dgm:styleLbl>
-  <dgm:styleLbl name="node2">
-    <dgm:fillClrLst meth="repeat">
-      <a:schemeClr val="accent1"/>
-    </dgm:fillClrLst>
-    <dgm:linClrLst meth="repeat">
-      <a:schemeClr val="lt1"/>
-    </dgm:linClrLst>
-    <dgm:effectClrLst/>
-    <dgm:txLinClrLst/>
-    <dgm:txFillClrLst/>
-    <dgm:txEffectClrLst/>
-  </dgm:styleLbl>
-  <dgm:styleLbl name="node3">
-    <dgm:fillClrLst meth="repeat">
-      <a:schemeClr val="accent1"/>
-    </dgm:fillClrLst>
-    <dgm:linClrLst meth="repeat">
-      <a:schemeClr val="lt1"/>
-    </dgm:linClrLst>
-    <dgm:effectClrLst/>
-    <dgm:txLinClrLst/>
-    <dgm:txFillClrLst/>
-    <dgm:txEffectClrLst/>
-  </dgm:styleLbl>
-  <dgm:styleLbl name="node4">
-    <dgm:fillClrLst meth="repeat">
-      <a:schemeClr val="accent1"/>
-    </dgm:fillClrLst>
-    <dgm:linClrLst meth="repeat">
-      <a:schemeClr val="lt1"/>
-    </dgm:linClrLst>
-    <dgm:effectClrLst/>
-    <dgm:txLinClrLst/>
-    <dgm:txFillClrLst/>
-    <dgm:txEffectClrLst/>
-  </dgm:styleLbl>
-  <dgm:styleLbl name="fgImgPlace1">
-    <dgm:fillClrLst meth="repeat">
-      <a:schemeClr val="accent1">
-        <a:tint val="50000"/>
-      </a:schemeClr>
-    </dgm:fillClrLst>
-    <dgm:linClrLst meth="repeat">
-      <a:schemeClr val="lt1"/>
-    </dgm:linClrLst>
-    <dgm:effectClrLst/>
-    <dgm:txLinClrLst/>
-    <dgm:txFillClrLst meth="repeat">
-      <a:schemeClr val="lt1"/>
-    </dgm:txFillClrLst>
-    <dgm:txEffectClrLst/>
-  </dgm:styleLbl>
-  <dgm:styleLbl name="alignImgPlace1">
-    <dgm:fillClrLst meth="repeat">
-      <a:schemeClr val="accent1">
-        <a:tint val="50000"/>
-      </a:schemeClr>
-    </dgm:fillClrLst>
-    <dgm:linClrLst meth="repeat">
-      <a:schemeClr val="lt1"/>
-    </dgm:linClrLst>
-    <dgm:effectClrLst/>
-    <dgm:txLinClrLst/>
-    <dgm:txFillClrLst meth="repeat">
-      <a:schemeClr val="lt1"/>
-    </dgm:txFillClrLst>
-    <dgm:txEffectClrLst/>
-  </dgm:styleLbl>
-  <dgm:styleLbl name="bgImgPlace1">
-    <dgm:fillClrLst meth="repeat">
-      <a:schemeClr val="accent1">
-        <a:tint val="50000"/>
-      </a:schemeClr>
-    </dgm:fillClrLst>
-    <dgm:linClrLst meth="repeat">
-      <a:schemeClr val="lt1"/>
-    </dgm:linClrLst>
-    <dgm:effectClrLst/>
-    <dgm:txLinClrLst/>
-    <dgm:txFillClrLst meth="repeat">
-      <a:schemeClr val="lt1"/>
-    </dgm:txFillClrLst>
-    <dgm:txEffectClrLst/>
-  </dgm:styleLbl>
-  <dgm:styleLbl name="sibTrans2D1">
-    <dgm:fillClrLst meth="repeat">
-      <a:schemeClr val="accent1">
-        <a:tint val="60000"/>
-      </a:schemeClr>
-    </dgm:fillClrLst>
-    <dgm:linClrLst meth="repeat">
-      <a:schemeClr val="accent1">
-        <a:tint val="60000"/>
-      </a:schemeClr>
-    </dgm:linClrLst>
-    <dgm:effectClrLst/>
-    <dgm:txLinClrLst/>
-    <dgm:txFillClrLst/>
-    <dgm:txEffectClrLst/>
-  </dgm:styleLbl>
-  <dgm:styleLbl name="fgSibTrans2D1">
-    <dgm:fillClrLst meth="repeat">
-      <a:schemeClr val="accent1">
-        <a:tint val="60000"/>
-      </a:schemeClr>
-    </dgm:fillClrLst>
-    <dgm:linClrLst meth="repeat">
-      <a:schemeClr val="accent1">
-        <a:tint val="60000"/>
-      </a:schemeClr>
-    </dgm:linClrLst>
-    <dgm:effectClrLst/>
-    <dgm:txLinClrLst/>
-    <dgm:txFillClrLst/>
-    <dgm:txEffectClrLst/>
-  </dgm:styleLbl>
-  <dgm:styleLbl name="bgSibTrans2D1">
-    <dgm:fillClrLst meth="repeat">
-      <a:schemeClr val="accent1">
-        <a:tint val="60000"/>
-      </a:schemeClr>
-    </dgm:fillClrLst>
-    <dgm:linClrLst meth="repeat">
-      <a:schemeClr val="accent1">
-        <a:tint val="60000"/>
-      </a:schemeClr>
-    </dgm:linClrLst>
-    <dgm:effectClrLst/>
-    <dgm:txLinClrLst/>
-    <dgm:txFillClrLst/>
-    <dgm:txEffectClrLst/>
-  </dgm:styleLbl>
-  <dgm:styleLbl name="sibTrans1D1">
-    <dgm:fillClrLst meth="repeat">
-      <a:schemeClr val="accent1"/>
-    </dgm:fillClrLst>
-    <dgm:linClrLst meth="repeat">
-      <a:schemeClr val="accent1"/>
-    </dgm:linClrLst>
-    <dgm:effectClrLst/>
-    <dgm:txLinClrLst/>
-    <dgm:txFillClrLst meth="repeat">
-      <a:schemeClr val="tx1"/>
-    </dgm:txFillClrLst>
-    <dgm:txEffectClrLst/>
-  </dgm:styleLbl>
-  <dgm:styleLbl name="callout">
-    <dgm:fillClrLst meth="repeat">
-      <a:schemeClr val="accent1"/>
-    </dgm:fillClrLst>
-    <dgm:linClrLst meth="repeat">
-      <a:schemeClr val="accent1">
-        <a:tint val="50000"/>
-      </a:schemeClr>
-    </dgm:linClrLst>
-    <dgm:effectClrLst/>
-    <dgm:txLinClrLst/>
-    <dgm:txFillClrLst meth="repeat">
-      <a:schemeClr val="tx1"/>
-    </dgm:txFillClrLst>
-    <dgm:txEffectClrLst/>
-  </dgm:styleLbl>
-  <dgm:styleLbl name="asst0">
-    <dgm:fillClrLst meth="repeat">
-      <a:schemeClr val="accent1"/>
-    </dgm:fillClrLst>
-    <dgm:linClrLst meth="repeat">
-      <a:schemeClr val="lt1"/>
-    </dgm:linClrLst>
-    <dgm:effectClrLst/>
-    <dgm:txLinClrLst/>
-    <dgm:txFillClrLst/>
-    <dgm:txEffectClrLst/>
-  </dgm:styleLbl>
-  <dgm:styleLbl name="asst1">
-    <dgm:fillClrLst meth="repeat">
-      <a:schemeClr val="accent1"/>
-    </dgm:fillClrLst>
-    <dgm:linClrLst meth="repeat">
-      <a:schemeClr val="lt1"/>
-    </dgm:linClrLst>
-    <dgm:effectClrLst/>
-    <dgm:txLinClrLst/>
-    <dgm:txFillClrLst/>
-    <dgm:txEffectClrLst/>
-  </dgm:styleLbl>
-  <dgm:styleLbl name="asst2">
-    <dgm:fillClrLst meth="repeat">
-      <a:schemeClr val="accent1"/>
-    </dgm:fillClrLst>
-    <dgm:linClrLst meth="repeat">
-      <a:schemeClr val="lt1"/>
-    </dgm:linClrLst>
-    <dgm:effectClrLst/>
-    <dgm:txLinClrLst/>
-    <dgm:txFillClrLst/>
-    <dgm:txEffectClrLst/>
-  </dgm:styleLbl>
-  <dgm:styleLbl name="asst3">
-    <dgm:fillClrLst meth="repeat">
-      <a:schemeClr val="accent1"/>
-    </dgm:fillClrLst>
-    <dgm:linClrLst meth="repeat">
-      <a:schemeClr val="lt1"/>
-    </dgm:linClrLst>
-    <dgm:effectClrLst/>
-    <dgm:txLinClrLst/>
-    <dgm:txFillClrLst/>
-    <dgm:txEffectClrLst/>
-  </dgm:styleLbl>
-  <dgm:styleLbl name="asst4">
-    <dgm:fillClrLst meth="repeat">
-      <a:schemeClr val="accent1"/>
-    </dgm:fillClrLst>
-    <dgm:linClrLst meth="repeat">
-      <a:schemeClr val="lt1"/>
-    </dgm:linClrLst>
-    <dgm:effectClrLst/>
-    <dgm:txLinClrLst/>
-    <dgm:txFillClrLst/>
-    <dgm:txEffectClrLst/>
-  </dgm:styleLbl>
-  <dgm:styleLbl name="parChTrans2D1">
-    <dgm:fillClrLst meth="repeat">
-      <a:schemeClr val="accent1">
-        <a:tint val="60000"/>
-      </a:schemeClr>
-    </dgm:fillClrLst>
-    <dgm:linClrLst meth="repeat">
-      <a:schemeClr val="accent1">
-        <a:tint val="60000"/>
-      </a:schemeClr>
-    </dgm:linClrLst>
-    <dgm:effectClrLst/>
-    <dgm:txLinClrLst/>
-    <dgm:txFillClrLst meth="repeat">
-      <a:schemeClr val="lt1"/>
-    </dgm:txFillClrLst>
-    <dgm:txEffectClrLst/>
-  </dgm:styleLbl>
-  <dgm:styleLbl name="parChTrans2D2">
-    <dgm:fillClrLst meth="repeat">
-      <a:schemeClr val="accent1"/>
-    </dgm:fillClrLst>
-    <dgm:linClrLst meth="repeat">
-      <a:schemeClr val="accent1"/>
-    </dgm:linClrLst>
-    <dgm:effectClrLst/>
-    <dgm:txLinClrLst/>
-    <dgm:txFillClrLst meth="repeat">
-      <a:schemeClr val="lt1"/>
-    </dgm:txFillClrLst>
-    <dgm:txEffectClrLst/>
-  </dgm:styleLbl>
-  <dgm:styleLbl name="parChTrans2D3">
-    <dgm:fillClrLst meth="repeat">
-      <a:schemeClr val="accent1"/>
-    </dgm:fillClrLst>
-    <dgm:linClrLst meth="repeat">
-      <a:schemeClr val="accent1"/>
-    </dgm:linClrLst>
-    <dgm:effectClrLst/>
-    <dgm:txLinClrLst/>
-    <dgm:txFillClrLst meth="repeat">
-      <a:schemeClr val="lt1"/>
-    </dgm:txFillClrLst>
-    <dgm:txEffectClrLst/>
-  </dgm:styleLbl>
-  <dgm:styleLbl name="parChTrans2D4">
-    <dgm:fillClrLst meth="repeat">
-      <a:schemeClr val="accent1"/>
-    </dgm:fillClrLst>
-    <dgm:linClrLst meth="repeat">
-      <a:schemeClr val="accent1"/>
-    </dgm:linClrLst>
-    <dgm:effectClrLst/>
-    <dgm:txLinClrLst/>
-    <dgm:txFillClrLst meth="repeat">
-      <a:schemeClr val="lt1"/>
-    </dgm:txFillClrLst>
-    <dgm:txEffectClrLst/>
-  </dgm:styleLbl>
-  <dgm:styleLbl name="parChTrans1D1">
-    <dgm:fillClrLst meth="repeat">
-      <a:schemeClr val="accent1"/>
-    </dgm:fillClrLst>
-    <dgm:linClrLst meth="repeat">
-      <a:schemeClr val="accent1">
-        <a:shade val="60000"/>
-      </a:schemeClr>
-    </dgm:linClrLst>
-    <dgm:effectClrLst/>
-    <dgm:txLinClrLst/>
-    <dgm:txFillClrLst meth="repeat">
-      <a:schemeClr val="tx1"/>
-    </dgm:txFillClrLst>
-    <dgm:txEffectClrLst/>
-  </dgm:styleLbl>
-  <dgm:styleLbl name="parChTrans1D2">
-    <dgm:fillClrLst meth="repeat">
-      <a:schemeClr val="accent1"/>
-    </dgm:fillClrLst>
-    <dgm:linClrLst meth="repeat">
-      <a:schemeClr val="accent1">
-        <a:shade val="60000"/>
-      </a:schemeClr>
-    </dgm:linClrLst>
-    <dgm:effectClrLst/>
-    <dgm:txLinClrLst/>
-    <dgm:txFillClrLst meth="repeat">
-      <a:schemeClr val="tx1"/>
-    </dgm:txFillClrLst>
-    <dgm:txEffectClrLst/>
-  </dgm:styleLbl>
-  <dgm:styleLbl name="parChTrans1D3">
-    <dgm:fillClrLst meth="repeat">
-      <a:schemeClr val="accent1"/>
-    </dgm:fillClrLst>
-    <dgm:linClrLst meth="repeat">
-      <a:schemeClr val="accent1">
-        <a:shade val="80000"/>
-      </a:schemeClr>
-    </dgm:linClrLst>
-    <dgm:effectClrLst/>
-    <dgm:txLinClrLst/>
-    <dgm:txFillClrLst meth="repeat">
-      <a:schemeClr val="tx1"/>
-    </dgm:txFillClrLst>
-    <dgm:txEffectClrLst/>
-  </dgm:styleLbl>
-  <dgm:styleLbl name="parChTrans1D4">
-    <dgm:fillClrLst meth="repeat">
-      <a:schemeClr val="accent1"/>
-    </dgm:fillClrLst>
-    <dgm:linClrLst meth="repeat">
-      <a:schemeClr val="accent1">
-        <a:shade val="80000"/>
-      </a:schemeClr>
-    </dgm:linClrLst>
-    <dgm:effectClrLst/>
-    <dgm:txLinClrLst/>
-    <dgm:txFillClrLst meth="repeat">
-      <a:schemeClr val="tx1"/>
-    </dgm:txFillClrLst>
-    <dgm:txEffectClrLst/>
-  </dgm:styleLbl>
-  <dgm:styleLbl name="fgAcc1">
-    <dgm:fillClrLst meth="repeat">
-      <a:schemeClr val="lt1">
-        <a:alpha val="90000"/>
-      </a:schemeClr>
-    </dgm:fillClrLst>
-    <dgm:linClrLst meth="repeat">
-      <a:schemeClr val="accent1"/>
-    </dgm:linClrLst>
-    <dgm:effectClrLst/>
-    <dgm:txLinClrLst/>
-    <dgm:txFillClrLst meth="repeat">
-      <a:schemeClr val="dk1"/>
-    </dgm:txFillClrLst>
-    <dgm:txEffectClrLst/>
-  </dgm:styleLbl>
-  <dgm:styleLbl name="conFgAcc1">
-    <dgm:fillClrLst meth="repeat">
-      <a:schemeClr val="lt1">
-        <a:alpha val="90000"/>
-      </a:schemeClr>
-    </dgm:fillClrLst>
-    <dgm:linClrLst meth="repeat">
-      <a:schemeClr val="accent1"/>
-    </dgm:linClrLst>
-    <dgm:effectClrLst/>
-    <dgm:txLinClrLst/>
-    <dgm:txFillClrLst meth="repeat">
-      <a:schemeClr val="dk1"/>
-    </dgm:txFillClrLst>
-    <dgm:txEffectClrLst/>
-  </dgm:styleLbl>
-  <dgm:styleLbl name="alignAcc1">
-    <dgm:fillClrLst meth="repeat">
-      <a:schemeClr val="lt1">
-        <a:alpha val="90000"/>
-      </a:schemeClr>
-    </dgm:fillClrLst>
-    <dgm:linClrLst meth="repeat">
-      <a:schemeClr val="accent1"/>
-    </dgm:linClrLst>
-    <dgm:effectClrLst/>
-    <dgm:txLinClrLst/>
-    <dgm:txFillClrLst meth="repeat">
-      <a:schemeClr val="dk1"/>
-    </dgm:txFillClrLst>
-    <dgm:txEffectClrLst/>
-  </dgm:styleLbl>
-  <dgm:styleLbl name="trAlignAcc1">
-    <dgm:fillClrLst meth="repeat">
-      <a:schemeClr val="lt1">
-        <a:alpha val="40000"/>
-      </a:schemeClr>
-    </dgm:fillClrLst>
-    <dgm:linClrLst meth="repeat">
-      <a:schemeClr val="accent1"/>
-    </dgm:linClrLst>
-    <dgm:effectClrLst/>
-    <dgm:txLinClrLst/>
-    <dgm:txFillClrLst meth="repeat">
-      <a:schemeClr val="dk1"/>
-    </dgm:txFillClrLst>
-    <dgm:txEffectClrLst/>
-  </dgm:styleLbl>
-  <dgm:styleLbl name="bgAcc1">
-    <dgm:fillClrLst meth="repeat">
-      <a:schemeClr val="lt1">
-        <a:alpha val="90000"/>
-      </a:schemeClr>
-    </dgm:fillClrLst>
-    <dgm:linClrLst meth="repeat">
-      <a:schemeClr val="accent1"/>
-    </dgm:linClrLst>
-    <dgm:effectClrLst/>
-    <dgm:txLinClrLst/>
-    <dgm:txFillClrLst meth="repeat">
-      <a:schemeClr val="dk1"/>
-    </dgm:txFillClrLst>
-    <dgm:txEffectClrLst/>
-  </dgm:styleLbl>
-  <dgm:styleLbl name="solidFgAcc1">
-    <dgm:fillClrLst meth="repeat">
-      <a:schemeClr val="lt1"/>
-    </dgm:fillClrLst>
-    <dgm:linClrLst meth="repeat">
-      <a:schemeClr val="accent1"/>
-    </dgm:linClrLst>
-    <dgm:effectClrLst/>
-    <dgm:txLinClrLst/>
-    <dgm:txFillClrLst meth="repeat">
-      <a:schemeClr val="dk1"/>
-    </dgm:txFillClrLst>
-    <dgm:txEffectClrLst/>
-  </dgm:styleLbl>
-  <dgm:styleLbl name="solidAlignAcc1">
-    <dgm:fillClrLst meth="repeat">
-      <a:schemeClr val="lt1"/>
-    </dgm:fillClrLst>
-    <dgm:linClrLst meth="repeat">
-      <a:schemeClr val="accent1"/>
-    </dgm:linClrLst>
-    <dgm:effectClrLst/>
-    <dgm:txLinClrLst/>
-    <dgm:txFillClrLst meth="repeat">
-      <a:schemeClr val="dk1"/>
-    </dgm:txFillClrLst>
-    <dgm:txEffectClrLst/>
-  </dgm:styleLbl>
-  <dgm:styleLbl name="solidBgAcc1">
-    <dgm:fillClrLst meth="repeat">
-      <a:schemeClr val="lt1"/>
-    </dgm:fillClrLst>
-    <dgm:linClrLst meth="repeat">
-      <a:schemeClr val="accent1"/>
-    </dgm:linClrLst>
-    <dgm:effectClrLst/>
-    <dgm:txLinClrLst/>
-    <dgm:txFillClrLst meth="repeat">
-      <a:schemeClr val="dk1"/>
-    </dgm:txFillClrLst>
-    <dgm:txEffectClrLst/>
-  </dgm:styleLbl>
-  <dgm:styleLbl name="fgAccFollowNode1">
-    <dgm:fillClrLst meth="repeat">
-      <a:schemeClr val="accent1">
-        <a:alpha val="90000"/>
-        <a:tint val="40000"/>
-      </a:schemeClr>
-    </dgm:fillClrLst>
-    <dgm:linClrLst meth="repeat">
-      <a:schemeClr val="accent1">
-        <a:alpha val="90000"/>
-        <a:tint val="40000"/>
-      </a:schemeClr>
-    </dgm:linClrLst>
-    <dgm:effectClrLst/>
-    <dgm:txLinClrLst/>
-    <dgm:txFillClrLst meth="repeat">
-      <a:schemeClr val="dk1"/>
-    </dgm:txFillClrLst>
-    <dgm:txEffectClrLst/>
-  </dgm:styleLbl>
-  <dgm:styleLbl name="alignAccFollowNode1">
-    <dgm:fillClrLst meth="repeat">
-      <a:schemeClr val="accent1">
-        <a:alpha val="90000"/>
-        <a:tint val="40000"/>
-      </a:schemeClr>
-    </dgm:fillClrLst>
-    <dgm:linClrLst meth="repeat">
-      <a:schemeClr val="accent1">
-        <a:alpha val="90000"/>
-        <a:tint val="40000"/>
-      </a:schemeClr>
-    </dgm:linClrLst>
-    <dgm:effectClrLst/>
-    <dgm:txLinClrLst/>
-    <dgm:txFillClrLst meth="repeat">
-      <a:schemeClr val="dk1"/>
-    </dgm:txFillClrLst>
-    <dgm:txEffectClrLst/>
-  </dgm:styleLbl>
-  <dgm:styleLbl name="bgAccFollowNode1">
-    <dgm:fillClrLst meth="repeat">
-      <a:schemeClr val="accent1">
-        <a:alpha val="90000"/>
-        <a:tint val="40000"/>
-      </a:schemeClr>
-    </dgm:fillClrLst>
-    <dgm:linClrLst meth="repeat">
-      <a:schemeClr val="accent1">
-        <a:alpha val="90000"/>
-        <a:tint val="40000"/>
-      </a:schemeClr>
-    </dgm:linClrLst>
-    <dgm:effectClrLst/>
-    <dgm:txLinClrLst/>
-    <dgm:txFillClrLst meth="repeat">
-      <a:schemeClr val="dk1"/>
-    </dgm:txFillClrLst>
-    <dgm:txEffectClrLst/>
-  </dgm:styleLbl>
-  <dgm:styleLbl name="fgAcc0">
-    <dgm:fillClrLst meth="repeat">
-      <a:schemeClr val="lt1">
-        <a:alpha val="90000"/>
-      </a:schemeClr>
-    </dgm:fillClrLst>
-    <dgm:linClrLst meth="repeat">
-      <a:schemeClr val="accent1"/>
-    </dgm:linClrLst>
-    <dgm:effectClrLst/>
-    <dgm:txLinClrLst/>
-    <dgm:txFillClrLst meth="repeat">
-      <a:schemeClr val="dk1"/>
-    </dgm:txFillClrLst>
-    <dgm:txEffectClrLst/>
-  </dgm:styleLbl>
-  <dgm:styleLbl name="fgAcc2">
-    <dgm:fillClrLst meth="repeat">
-      <a:schemeClr val="lt1">
-        <a:alpha val="90000"/>
-      </a:schemeClr>
-    </dgm:fillClrLst>
-    <dgm:linClrLst meth="repeat">
-      <a:schemeClr val="accent1"/>
-    </dgm:linClrLst>
-    <dgm:effectClrLst/>
-    <dgm:txLinClrLst/>
-    <dgm:txFillClrLst meth="repeat">
-      <a:schemeClr val="dk1"/>
-    </dgm:txFillClrLst>
-    <dgm:txEffectClrLst/>
-  </dgm:styleLbl>
-  <dgm:styleLbl name="fgAcc3">
-    <dgm:fillClrLst meth="repeat">
-      <a:schemeClr val="lt1">
-        <a:alpha val="90000"/>
-      </a:schemeClr>
-    </dgm:fillClrLst>
-    <dgm:linClrLst meth="repeat">
-      <a:schemeClr val="accent1"/>
-    </dgm:linClrLst>
-    <dgm:effectClrLst/>
-    <dgm:txLinClrLst/>
-    <dgm:txFillClrLst meth="repeat">
-      <a:schemeClr val="dk1"/>
-    </dgm:txFillClrLst>
-    <dgm:txEffectClrLst/>
-  </dgm:styleLbl>
-  <dgm:styleLbl name="fgAcc4">
-    <dgm:fillClrLst meth="repeat">
-      <a:schemeClr val="lt1">
-        <a:alpha val="90000"/>
-      </a:schemeClr>
-    </dgm:fillClrLst>
-    <dgm:linClrLst meth="repeat">
-      <a:schemeClr val="accent1"/>
-    </dgm:linClrLst>
-    <dgm:effectClrLst/>
-    <dgm:txLinClrLst/>
-    <dgm:txFillClrLst meth="repeat">
-      <a:schemeClr val="dk1"/>
-    </dgm:txFillClrLst>
-    <dgm:txEffectClrLst/>
-  </dgm:styleLbl>
-  <dgm:styleLbl name="bgShp">
-    <dgm:fillClrLst meth="repeat">
-      <a:schemeClr val="accent1">
-        <a:tint val="40000"/>
-      </a:schemeClr>
-    </dgm:fillClrLst>
-    <dgm:linClrLst meth="repeat">
-      <a:schemeClr val="accent1"/>
-    </dgm:linClrLst>
-    <dgm:effectClrLst/>
-    <dgm:txLinClrLst/>
-    <dgm:txFillClrLst meth="repeat">
-      <a:schemeClr val="dk1"/>
-    </dgm:txFillClrLst>
-    <dgm:txEffectClrLst/>
-  </dgm:styleLbl>
-  <dgm:styleLbl name="dkBgShp">
-    <dgm:fillClrLst meth="repeat">
-      <a:schemeClr val="accent1">
-        <a:shade val="80000"/>
-      </a:schemeClr>
-    </dgm:fillClrLst>
-    <dgm:linClrLst meth="repeat">
-      <a:schemeClr val="accent1"/>
-    </dgm:linClrLst>
-    <dgm:effectClrLst/>
-    <dgm:txLinClrLst/>
-    <dgm:txFillClrLst meth="repeat">
-      <a:schemeClr val="lt1"/>
-    </dgm:txFillClrLst>
-    <dgm:txEffectClrLst/>
-  </dgm:styleLbl>
-  <dgm:styleLbl name="trBgShp">
-    <dgm:fillClrLst meth="repeat">
-      <a:schemeClr val="accent1">
-        <a:tint val="50000"/>
-        <a:alpha val="40000"/>
-      </a:schemeClr>
-    </dgm:fillClrLst>
-    <dgm:linClrLst meth="repeat">
-      <a:schemeClr val="accent1"/>
-    </dgm:linClrLst>
-    <dgm:effectClrLst/>
-    <dgm:txLinClrLst/>
-    <dgm:txFillClrLst meth="repeat">
-      <a:schemeClr val="lt1"/>
-    </dgm:txFillClrLst>
-    <dgm:txEffectClrLst/>
-  </dgm:styleLbl>
-  <dgm:styleLbl name="fgShp">
-    <dgm:fillClrLst meth="repeat">
-      <a:schemeClr val="accent1">
-        <a:tint val="60000"/>
-      </a:schemeClr>
-    </dgm:fillClrLst>
-    <dgm:linClrLst meth="repeat">
-      <a:schemeClr val="lt1"/>
-    </dgm:linClrLst>
-    <dgm:effectClrLst/>
-    <dgm:txLinClrLst/>
-    <dgm:txFillClrLst meth="repeat">
-      <a:schemeClr val="dk1"/>
-    </dgm:txFillClrLst>
-    <dgm:txEffectClrLst/>
-  </dgm:styleLbl>
-  <dgm:styleLbl name="revTx">
-    <dgm:fillClrLst meth="repeat">
-      <a:schemeClr val="lt1">
-        <a:alpha val="0"/>
-      </a:schemeClr>
-    </dgm:fillClrLst>
-    <dgm:linClrLst meth="repeat">
-      <a:schemeClr val="dk1">
-        <a:alpha val="0"/>
-      </a:schemeClr>
-    </dgm:linClrLst>
-    <dgm:effectClrLst/>
-    <dgm:txLinClrLst/>
-    <dgm:txFillClrLst meth="repeat">
-      <a:schemeClr val="tx1"/>
-    </dgm:txFillClrLst>
-    <dgm:txEffectClrLst/>
-  </dgm:styleLbl>
-</dgm:colorsDef>
-</file>
-
 <file path=ppt/diagrams/data1.xml><?xml version="1.0" encoding="utf-8"?>
 <dgm:dataModel xmlns:dgm="http://schemas.openxmlformats.org/drawingml/2006/diagram" xmlns:a="http://schemas.openxmlformats.org/drawingml/2006/main">
   <dgm:ptLst>
@@ -1808,22 +1063,30 @@
         <a:p>
           <a:pPr rtl="0"/>
           <a:r>
-            <a:rPr lang="en-US" sz="2400" b="0"/>
-            <a:t>An AI-powered smart traffic system that predicts congestion and dynamically adjusts signal timings to optimize traffic flow in real </a:t>
+            <a:rPr lang="en-US" sz="2400" b="0" dirty="0"/>
+            <a:t>An AI-powered smart traffic system</a:t>
           </a:r>
           <a:r>
-            <a:rPr lang="en-US" sz="2400" b="0">
+            <a:rPr lang="en-US" sz="2400" b="1" dirty="0"/>
+            <a:t> CityPulse</a:t>
+          </a:r>
+          <a:r>
+            <a:rPr lang="en-US" sz="2400" b="0" dirty="0"/>
+            <a:t> that predicts congestion and dynamically adjusts signal timings to optimize traffic flow in real </a:t>
+          </a:r>
+          <a:r>
+            <a:rPr lang="en-US" sz="2400" b="0" dirty="0">
               <a:latin typeface="Aptos"/>
             </a:rPr>
-            <a:t>timeReal-time</a:t>
+            <a:t>time Real-time</a:t>
           </a:r>
           <a:r>
-            <a:rPr lang="en-US" sz="2400">
+            <a:rPr lang="en-US" sz="2400" dirty="0">
               <a:latin typeface="Aptos"/>
             </a:rPr>
             <a:t> blood stock tracking</a:t>
           </a:r>
-          <a:endParaRPr lang="en-US" sz="1800" b="1">
+          <a:endParaRPr lang="en-US" sz="1800" b="1" dirty="0">
             <a:latin typeface="Aptos Display"/>
           </a:endParaRPr>
         </a:p>
@@ -1873,10 +1136,24 @@
     <dgm:pt modelId="{09C9B72C-6CEE-4E28-A0F3-7D4B5A88D414}" type="parTrans" cxnId="{6E1068E7-39DC-4179-BE4D-42607705EF1A}">
       <dgm:prSet/>
       <dgm:spPr/>
+      <dgm:t>
+        <a:bodyPr/>
+        <a:lstStyle/>
+        <a:p>
+          <a:endParaRPr lang="en-IN"/>
+        </a:p>
+      </dgm:t>
     </dgm:pt>
     <dgm:pt modelId="{1678A15C-FD54-43FB-8CA6-AC014E97D58C}" type="sibTrans" cxnId="{6E1068E7-39DC-4179-BE4D-42607705EF1A}">
       <dgm:prSet/>
       <dgm:spPr/>
+      <dgm:t>
+        <a:bodyPr/>
+        <a:lstStyle/>
+        <a:p>
+          <a:endParaRPr lang="en-IN"/>
+        </a:p>
+      </dgm:t>
     </dgm:pt>
     <dgm:pt modelId="{CF4D5012-D6B3-4E0A-B038-F5D1D3E6E081}">
       <dgm:prSet phldr="0"/>
@@ -1899,10 +1176,24 @@
     <dgm:pt modelId="{DFFA0418-11F6-4D66-AD86-60B7303DA877}" type="parTrans" cxnId="{A19F416D-EFEE-418E-A184-71B013C482CD}">
       <dgm:prSet/>
       <dgm:spPr/>
+      <dgm:t>
+        <a:bodyPr/>
+        <a:lstStyle/>
+        <a:p>
+          <a:endParaRPr lang="en-IN"/>
+        </a:p>
+      </dgm:t>
     </dgm:pt>
     <dgm:pt modelId="{199B81AF-AF5D-4F0B-8C60-B74A8FAE74D5}" type="sibTrans" cxnId="{A19F416D-EFEE-418E-A184-71B013C482CD}">
       <dgm:prSet/>
       <dgm:spPr/>
+      <dgm:t>
+        <a:bodyPr/>
+        <a:lstStyle/>
+        <a:p>
+          <a:endParaRPr lang="en-IN"/>
+        </a:p>
+      </dgm:t>
     </dgm:pt>
     <dgm:pt modelId="{36B3B4F1-0D45-4A9A-9FE5-D9272FA6D29B}">
       <dgm:prSet phldr="0"/>
@@ -1921,10 +1212,24 @@
     <dgm:pt modelId="{49349E2A-55C7-4B0B-89FA-859C0306631A}" type="parTrans" cxnId="{784AFA1E-5041-4046-ADA0-20C1A732EB37}">
       <dgm:prSet/>
       <dgm:spPr/>
+      <dgm:t>
+        <a:bodyPr/>
+        <a:lstStyle/>
+        <a:p>
+          <a:endParaRPr lang="en-IN"/>
+        </a:p>
+      </dgm:t>
     </dgm:pt>
     <dgm:pt modelId="{5E0E83E2-85EC-4EC2-8991-72609945E0B1}" type="sibTrans" cxnId="{784AFA1E-5041-4046-ADA0-20C1A732EB37}">
       <dgm:prSet/>
       <dgm:spPr/>
+      <dgm:t>
+        <a:bodyPr/>
+        <a:lstStyle/>
+        <a:p>
+          <a:endParaRPr lang="en-IN"/>
+        </a:p>
+      </dgm:t>
     </dgm:pt>
     <dgm:pt modelId="{66DF6917-3FF9-4025-A821-0C65D21879B0}">
       <dgm:prSet phldr="0"/>
@@ -1949,10 +1254,24 @@
     <dgm:pt modelId="{C6690254-EE23-4AA1-84A5-57A68ECF5A3C}" type="parTrans" cxnId="{3F4674CB-CBBC-4A62-A434-7F427C89F0CF}">
       <dgm:prSet/>
       <dgm:spPr/>
+      <dgm:t>
+        <a:bodyPr/>
+        <a:lstStyle/>
+        <a:p>
+          <a:endParaRPr lang="en-IN"/>
+        </a:p>
+      </dgm:t>
     </dgm:pt>
     <dgm:pt modelId="{909CE6F1-3C10-4BA2-8DD0-FBC1F7EAC025}" type="sibTrans" cxnId="{3F4674CB-CBBC-4A62-A434-7F427C89F0CF}">
       <dgm:prSet/>
       <dgm:spPr/>
+      <dgm:t>
+        <a:bodyPr/>
+        <a:lstStyle/>
+        <a:p>
+          <a:endParaRPr lang="en-IN"/>
+        </a:p>
+      </dgm:t>
     </dgm:pt>
     <dgm:pt modelId="{3F980EE2-A932-4268-B7FB-CD8EE859D5D9}" type="pres">
       <dgm:prSet presAssocID="{961DC873-9B5E-4B56-B08C-B9830ED660A1}" presName="linearFlow" presStyleCnt="0">
@@ -2061,496 +1380,6 @@
     <dgm:cxn modelId="{33B762E0-396E-487C-AE4D-8001A1EBB5D7}" type="presParOf" srcId="{3F980EE2-A932-4268-B7FB-CD8EE859D5D9}" destId="{BD9A3158-2F09-4812-88F9-5058D08043D7}" srcOrd="4" destOrd="0" presId="urn:microsoft.com/office/officeart/2005/8/layout/chevron2"/>
     <dgm:cxn modelId="{082E7050-C81B-4E49-8067-7C8A69025FC4}" type="presParOf" srcId="{BD9A3158-2F09-4812-88F9-5058D08043D7}" destId="{4C3979BA-BC8B-42A7-B8D4-FEC3807F6EE3}" srcOrd="0" destOrd="0" presId="urn:microsoft.com/office/officeart/2005/8/layout/chevron2"/>
     <dgm:cxn modelId="{9150E843-E4E4-4E5A-9F59-98020725498F}" type="presParOf" srcId="{BD9A3158-2F09-4812-88F9-5058D08043D7}" destId="{1BFF01B5-6861-4BD2-BA8F-EBD0CC67E78E}" srcOrd="1" destOrd="0" presId="urn:microsoft.com/office/officeart/2005/8/layout/chevron2"/>
-  </dgm:cxnLst>
-  <dgm:bg/>
-  <dgm:whole/>
-  <dgm:extLst>
-    <a:ext uri="http://schemas.microsoft.com/office/drawing/2008/diagram">
-      <dsp:dataModelExt xmlns:dsp="http://schemas.microsoft.com/office/drawing/2008/diagram" relId="rId6" minVer="http://schemas.openxmlformats.org/drawingml/2006/diagram"/>
-    </a:ext>
-  </dgm:extLst>
-</dgm:dataModel>
-</file>
-
-<file path=ppt/diagrams/data2.xml><?xml version="1.0" encoding="utf-8"?>
-<dgm:dataModel xmlns:dgm="http://schemas.openxmlformats.org/drawingml/2006/diagram" xmlns:a="http://schemas.openxmlformats.org/drawingml/2006/main">
-  <dgm:ptLst>
-    <dgm:pt modelId="{BADCBAAF-6582-4B70-8B7B-B535A701A588}" type="doc">
-      <dgm:prSet loTypeId="urn:microsoft.com/office/officeart/2005/8/layout/hList6" loCatId="list" qsTypeId="urn:microsoft.com/office/officeart/2005/8/quickstyle/simple1" qsCatId="simple" csTypeId="urn:microsoft.com/office/officeart/2005/8/colors/accent1_2" csCatId="accent1" phldr="1"/>
-      <dgm:spPr/>
-      <dgm:t>
-        <a:bodyPr/>
-        <a:lstStyle/>
-        <a:p>
-          <a:endParaRPr lang="en-US"/>
-        </a:p>
-      </dgm:t>
-    </dgm:pt>
-    <dgm:pt modelId="{1D6C2355-8B76-4092-A180-71C6ECE20720}">
-      <dgm:prSet phldrT="[Text]" phldr="0" custT="1"/>
-      <dgm:spPr/>
-      <dgm:t>
-        <a:bodyPr/>
-        <a:lstStyle/>
-        <a:p>
-          <a:pPr rtl="0"/>
-          <a:r>
-            <a:rPr lang="en-US" sz="2400" b="0"/>
-            <a:t>Traffic Police Department</a:t>
-          </a:r>
-        </a:p>
-      </dgm:t>
-    </dgm:pt>
-    <dgm:pt modelId="{CA6CD2DF-2AF6-4ABC-9756-6D42905E609C}" type="parTrans" cxnId="{F194446C-7C35-4C4A-AA20-12CFB624D6EF}">
-      <dgm:prSet/>
-      <dgm:spPr/>
-      <dgm:t>
-        <a:bodyPr/>
-        <a:lstStyle/>
-        <a:p>
-          <a:endParaRPr lang="en-US"/>
-        </a:p>
-      </dgm:t>
-    </dgm:pt>
-    <dgm:pt modelId="{42AEEDF2-2780-48F2-819C-3F7B850251CE}" type="sibTrans" cxnId="{F194446C-7C35-4C4A-AA20-12CFB624D6EF}">
-      <dgm:prSet/>
-      <dgm:spPr/>
-      <dgm:t>
-        <a:bodyPr/>
-        <a:lstStyle/>
-        <a:p>
-          <a:endParaRPr lang="en-US"/>
-        </a:p>
-      </dgm:t>
-    </dgm:pt>
-    <dgm:pt modelId="{FBD817BD-D09B-40A8-8D4F-C0C9DB82DAA3}">
-      <dgm:prSet phldrT="[Text]" phldr="0" custT="1"/>
-      <dgm:spPr/>
-      <dgm:t>
-        <a:bodyPr/>
-        <a:lstStyle/>
-        <a:p>
-          <a:pPr rtl="0"/>
-          <a:r>
-            <a:rPr lang="en-US" sz="2000" i="0">
-              <a:latin typeface="Aptos Display" panose="020F0302020204030204"/>
-            </a:rPr>
-            <a:t>Monitor</a:t>
-          </a:r>
-          <a:r>
-            <a:rPr lang="en-US" sz="2000" i="0"/>
-            <a:t> congestion in real time</a:t>
-          </a:r>
-        </a:p>
-      </dgm:t>
-    </dgm:pt>
-    <dgm:pt modelId="{37F08242-CF6E-4302-B495-3407D3045076}" type="parTrans" cxnId="{3A0323DE-ED07-4569-B9B3-1A1E5F61CB89}">
-      <dgm:prSet/>
-      <dgm:spPr/>
-      <dgm:t>
-        <a:bodyPr/>
-        <a:lstStyle/>
-        <a:p>
-          <a:endParaRPr lang="en-US"/>
-        </a:p>
-      </dgm:t>
-    </dgm:pt>
-    <dgm:pt modelId="{A931CA66-AE4A-4012-9A07-836A9A017762}" type="sibTrans" cxnId="{3A0323DE-ED07-4569-B9B3-1A1E5F61CB89}">
-      <dgm:prSet/>
-      <dgm:spPr/>
-      <dgm:t>
-        <a:bodyPr/>
-        <a:lstStyle/>
-        <a:p>
-          <a:endParaRPr lang="en-US"/>
-        </a:p>
-      </dgm:t>
-    </dgm:pt>
-    <dgm:pt modelId="{683EE087-369F-41EE-846C-DC99C7911C42}">
-      <dgm:prSet phldrT="[Text]" phldr="0" custT="1"/>
-      <dgm:spPr/>
-      <dgm:t>
-        <a:bodyPr/>
-        <a:lstStyle/>
-        <a:p>
-          <a:pPr rtl="0"/>
-          <a:r>
-            <a:rPr lang="en-US" sz="2400" i="1">
-              <a:latin typeface="Aptos Display" panose="020F0302020204030204"/>
-            </a:rPr>
-            <a:t> </a:t>
-          </a:r>
-          <a:r>
-            <a:rPr lang="en-US" sz="2400" i="0"/>
-            <a:t>City Traffic Control </a:t>
-          </a:r>
-          <a:r>
-            <a:rPr lang="en-US" sz="2400" i="1">
-              <a:latin typeface="Aptos Display" panose="020F0302020204030204"/>
-            </a:rPr>
-            <a:t>Room</a:t>
-          </a:r>
-          <a:r>
-            <a:rPr lang="en-US" sz="2400"/>
-            <a:t> </a:t>
-          </a:r>
-          <a:r>
-            <a:rPr lang="en-US" sz="2400" i="0">
-              <a:latin typeface="Aptos Display" panose="020F0302020204030204"/>
-            </a:rPr>
-            <a:t>         </a:t>
-          </a:r>
-          <a:r>
-            <a:rPr lang="en-US" sz="1800" i="0">
-              <a:latin typeface="Aptos Display" panose="020F0302020204030204"/>
-            </a:rPr>
-            <a:t>  </a:t>
-          </a:r>
-          <a:endParaRPr lang="en-US" sz="2600" i="0">
-            <a:latin typeface="Aptos Display" panose="020F0302020204030204"/>
-          </a:endParaRPr>
-        </a:p>
-      </dgm:t>
-    </dgm:pt>
-    <dgm:pt modelId="{38F01C7C-4B00-4643-97BB-C7B3C4F4D5BD}" type="parTrans" cxnId="{9F8E0554-C91C-4472-A2C8-81C640E9AF7C}">
-      <dgm:prSet/>
-      <dgm:spPr/>
-      <dgm:t>
-        <a:bodyPr/>
-        <a:lstStyle/>
-        <a:p>
-          <a:endParaRPr lang="en-US"/>
-        </a:p>
-      </dgm:t>
-    </dgm:pt>
-    <dgm:pt modelId="{1E0560C9-849B-4DF3-9846-1C2501614215}" type="sibTrans" cxnId="{9F8E0554-C91C-4472-A2C8-81C640E9AF7C}">
-      <dgm:prSet/>
-      <dgm:spPr/>
-      <dgm:t>
-        <a:bodyPr/>
-        <a:lstStyle/>
-        <a:p>
-          <a:endParaRPr lang="en-US"/>
-        </a:p>
-      </dgm:t>
-    </dgm:pt>
-    <dgm:pt modelId="{7D0890E1-8476-44C9-A2E4-7C2F3CC226B3}">
-      <dgm:prSet custT="1"/>
-      <dgm:spPr/>
-      <dgm:t>
-        <a:bodyPr/>
-        <a:lstStyle/>
-        <a:p>
-          <a:pPr rtl="0"/>
-          <a:r>
-            <a:rPr lang="en-US" sz="2400" i="0"/>
-            <a:t>Municipal Corporation / </a:t>
-          </a:r>
-          <a:r>
-            <a:rPr lang="en-US" sz="2400" i="1">
-              <a:latin typeface="Aptos Display" panose="020F0302020204030204"/>
-            </a:rPr>
-            <a:t>BBMP</a:t>
-          </a:r>
-          <a:endParaRPr lang="en-US" sz="2400" i="1">
-            <a:latin typeface="Aptos Display" panose="02110004020202020204"/>
-          </a:endParaRPr>
-        </a:p>
-      </dgm:t>
-    </dgm:pt>
-    <dgm:pt modelId="{5750641C-8453-4EBA-A2E2-87B3E4B58DEE}" type="parTrans" cxnId="{89BC6D69-F79F-47D7-BCF7-BAB76F14BB01}">
-      <dgm:prSet/>
-      <dgm:spPr/>
-    </dgm:pt>
-    <dgm:pt modelId="{B6B34652-25B1-404B-8CD1-012439AADF66}" type="sibTrans" cxnId="{89BC6D69-F79F-47D7-BCF7-BAB76F14BB01}">
-      <dgm:prSet/>
-      <dgm:spPr/>
-    </dgm:pt>
-    <dgm:pt modelId="{324DD020-F65A-4708-843A-644978992569}">
-      <dgm:prSet phldr="0"/>
-      <dgm:spPr/>
-      <dgm:t>
-        <a:bodyPr/>
-        <a:lstStyle/>
-        <a:p>
-          <a:pPr rtl="0"/>
-          <a:r>
-            <a:rPr lang="en-US" sz="2000"/>
-            <a:t>Deploy police to critical roads</a:t>
-          </a:r>
-          <a:endParaRPr lang="en-US" sz="2000">
-            <a:latin typeface="Aptos Display" panose="020F0302020204030204"/>
-          </a:endParaRPr>
-        </a:p>
-      </dgm:t>
-    </dgm:pt>
-    <dgm:pt modelId="{F034E5BE-D7A1-4610-9A3F-918DBD75A234}" type="parTrans" cxnId="{B5F2BE16-DDB2-4D19-940C-50B9F850A81B}">
-      <dgm:prSet/>
-      <dgm:spPr/>
-    </dgm:pt>
-    <dgm:pt modelId="{6B277482-31F1-4BE5-A819-CA52B7039963}" type="sibTrans" cxnId="{B5F2BE16-DDB2-4D19-940C-50B9F850A81B}">
-      <dgm:prSet/>
-      <dgm:spPr/>
-    </dgm:pt>
-    <dgm:pt modelId="{F4C4FDC2-21F0-4A43-91DF-C715409E320E}">
-      <dgm:prSet phldr="0"/>
-      <dgm:spPr/>
-      <dgm:t>
-        <a:bodyPr/>
-        <a:lstStyle/>
-        <a:p>
-          <a:pPr rtl="0"/>
-          <a:r>
-            <a:rPr lang="en-US" sz="2000"/>
-            <a:t> Make quick decisions</a:t>
-          </a:r>
-          <a:endParaRPr lang="en-US" sz="2000">
-            <a:latin typeface="Aptos Display" panose="020F0302020204030204"/>
-          </a:endParaRPr>
-        </a:p>
-      </dgm:t>
-    </dgm:pt>
-    <dgm:pt modelId="{05185A97-77D8-4154-B03B-2C4FB23A771B}" type="parTrans" cxnId="{EC52C562-5AC7-4A0E-9499-6E374DE06F4E}">
-      <dgm:prSet/>
-      <dgm:spPr/>
-    </dgm:pt>
-    <dgm:pt modelId="{DE6D1C4D-EDF0-47BC-B5D6-100E76812404}" type="sibTrans" cxnId="{EC52C562-5AC7-4A0E-9499-6E374DE06F4E}">
-      <dgm:prSet/>
-      <dgm:spPr/>
-    </dgm:pt>
-    <dgm:pt modelId="{48822B7F-E187-4068-AFC8-B22A79EDF03D}">
-      <dgm:prSet phldr="0" custT="1"/>
-      <dgm:spPr/>
-      <dgm:t>
-        <a:bodyPr/>
-        <a:lstStyle/>
-        <a:p>
-          <a:pPr rtl="0"/>
-          <a:r>
-            <a:rPr lang="en-US" sz="2000" i="0"/>
-            <a:t> See all roads at once</a:t>
-          </a:r>
-          <a:endParaRPr lang="en-US" sz="2000" i="0">
-            <a:latin typeface="Aptos Display" panose="020F0302020204030204"/>
-          </a:endParaRPr>
-        </a:p>
-      </dgm:t>
-    </dgm:pt>
-    <dgm:pt modelId="{64502782-2EA2-4B6E-9982-32627426BE04}" type="parTrans" cxnId="{6F2E52E8-3BEE-4495-9C69-C46B44972299}">
-      <dgm:prSet/>
-      <dgm:spPr/>
-    </dgm:pt>
-    <dgm:pt modelId="{CD4309DE-EB94-4368-A94E-87781682A3AA}" type="sibTrans" cxnId="{6F2E52E8-3BEE-4495-9C69-C46B44972299}">
-      <dgm:prSet/>
-      <dgm:spPr/>
-    </dgm:pt>
-    <dgm:pt modelId="{A2C5B562-CB47-410A-98E6-061E44378E77}">
-      <dgm:prSet phldr="0"/>
-      <dgm:spPr/>
-      <dgm:t>
-        <a:bodyPr/>
-        <a:lstStyle/>
-        <a:p>
-          <a:pPr rtl="0"/>
-          <a:r>
-            <a:rPr lang="en-US" sz="2000"/>
-            <a:t>Manage city wide traffic</a:t>
-          </a:r>
-          <a:endParaRPr lang="en-US" sz="2000">
-            <a:latin typeface="Aptos Display" panose="020F0302020204030204"/>
-          </a:endParaRPr>
-        </a:p>
-      </dgm:t>
-    </dgm:pt>
-    <dgm:pt modelId="{51645D07-AF43-45D3-83A2-7BB3A4B91F77}" type="parTrans" cxnId="{59149CD8-0D35-49D5-A91F-CC2BF2F2B72A}">
-      <dgm:prSet/>
-      <dgm:spPr/>
-    </dgm:pt>
-    <dgm:pt modelId="{CDC8C3B8-3F0D-4174-90A8-49BFA6874346}" type="sibTrans" cxnId="{59149CD8-0D35-49D5-A91F-CC2BF2F2B72A}">
-      <dgm:prSet/>
-      <dgm:spPr/>
-    </dgm:pt>
-    <dgm:pt modelId="{626B8D1A-0015-4697-8B69-ED942D3C6A57}">
-      <dgm:prSet phldr="0" custT="1"/>
-      <dgm:spPr/>
-      <dgm:t>
-        <a:bodyPr/>
-        <a:lstStyle/>
-        <a:p>
-          <a:pPr rtl="0"/>
-          <a:r>
-            <a:rPr lang="en-US" i="0"/>
-            <a:t> </a:t>
-          </a:r>
-          <a:r>
-            <a:rPr lang="en-US" sz="2000" i="0"/>
-            <a:t>Plan road expansions</a:t>
-          </a:r>
-          <a:endParaRPr lang="en-US" sz="2000" i="0">
-            <a:latin typeface="Aptos Display" panose="02110004020202020204"/>
-          </a:endParaRPr>
-        </a:p>
-      </dgm:t>
-    </dgm:pt>
-    <dgm:pt modelId="{52E7453F-E5B9-404F-8F41-A92E4D43E45E}" type="parTrans" cxnId="{E0AA0C86-D888-400F-BC69-AE67E002787F}">
-      <dgm:prSet/>
-      <dgm:spPr/>
-    </dgm:pt>
-    <dgm:pt modelId="{4FFA8A94-0AAA-4F55-A634-95A53AB98301}" type="sibTrans" cxnId="{E0AA0C86-D888-400F-BC69-AE67E002787F}">
-      <dgm:prSet/>
-      <dgm:spPr/>
-    </dgm:pt>
-    <dgm:pt modelId="{1BC2E607-0F54-4409-B2CB-A3E91F264B2B}">
-      <dgm:prSet phldr="0"/>
-      <dgm:spPr/>
-      <dgm:t>
-        <a:bodyPr/>
-        <a:lstStyle/>
-        <a:p>
-          <a:pPr rtl="0"/>
-          <a:r>
-            <a:rPr lang="en-US" sz="2000" i="0"/>
-            <a:t> Identify problem areas</a:t>
-          </a:r>
-          <a:endParaRPr lang="en-US" sz="2000" i="0">
-            <a:latin typeface="Aptos Display" panose="020F0302020204030204"/>
-          </a:endParaRPr>
-        </a:p>
-      </dgm:t>
-    </dgm:pt>
-    <dgm:pt modelId="{FCCDB2E2-1E62-4F95-9365-4E82FFC836DC}" type="parTrans" cxnId="{3A3D74CC-D83E-494C-9726-A8AC6B07432C}">
-      <dgm:prSet/>
-      <dgm:spPr/>
-    </dgm:pt>
-    <dgm:pt modelId="{04710573-A648-403B-B272-2A23F356276F}" type="sibTrans" cxnId="{3A3D74CC-D83E-494C-9726-A8AC6B07432C}">
-      <dgm:prSet/>
-      <dgm:spPr/>
-    </dgm:pt>
-    <dgm:pt modelId="{492536B8-BF9A-42D2-A38E-83D9A3AEF55D}">
-      <dgm:prSet phldr="0"/>
-      <dgm:spPr/>
-      <dgm:t>
-        <a:bodyPr/>
-        <a:lstStyle/>
-        <a:p>
-          <a:pPr rtl="0"/>
-          <a:r>
-            <a:rPr lang="en-US" sz="2000" i="0"/>
-            <a:t>Make policy decisions</a:t>
-          </a:r>
-          <a:endParaRPr lang="en-US" sz="2000" i="0">
-            <a:latin typeface="Aptos Display" panose="020F0302020204030204"/>
-          </a:endParaRPr>
-        </a:p>
-      </dgm:t>
-    </dgm:pt>
-    <dgm:pt modelId="{77A0FC94-19D8-449E-9299-A67CB182C7D8}" type="parTrans" cxnId="{14CDCAFF-9D17-43EC-AD4C-0BF5E2F21D74}">
-      <dgm:prSet/>
-      <dgm:spPr/>
-    </dgm:pt>
-    <dgm:pt modelId="{2E2545E4-AD72-4D9B-95D8-DFA803ABF50A}" type="sibTrans" cxnId="{14CDCAFF-9D17-43EC-AD4C-0BF5E2F21D74}">
-      <dgm:prSet/>
-      <dgm:spPr/>
-    </dgm:pt>
-    <dgm:pt modelId="{7C7237D6-15B8-4977-9D4F-35FA066BDA94}">
-      <dgm:prSet phldr="0"/>
-      <dgm:spPr/>
-      <dgm:t>
-        <a:bodyPr/>
-        <a:lstStyle/>
-        <a:p>
-          <a:pPr rtl="0"/>
-          <a:r>
-            <a:rPr lang="en-US" sz="2000" i="0"/>
-            <a:t>Admin dashboard always open</a:t>
-          </a:r>
-          <a:endParaRPr lang="en-US" sz="2000" i="0">
-            <a:latin typeface="Aptos Display" panose="020F0302020204030204"/>
-          </a:endParaRPr>
-        </a:p>
-      </dgm:t>
-    </dgm:pt>
-    <dgm:pt modelId="{EB2A7C6C-61AC-408C-965B-01882A37F8B9}" type="parTrans" cxnId="{A20E291E-D63E-4B84-B513-4996DEA65B16}">
-      <dgm:prSet/>
-      <dgm:spPr/>
-    </dgm:pt>
-    <dgm:pt modelId="{8CD8A788-C824-4376-9DB2-A22446DD2471}" type="sibTrans" cxnId="{A20E291E-D63E-4B84-B513-4996DEA65B16}">
-      <dgm:prSet/>
-      <dgm:spPr/>
-    </dgm:pt>
-    <dgm:pt modelId="{FB38F315-9EAD-40D9-A8E1-14AB5710DCD9}" type="pres">
-      <dgm:prSet presAssocID="{BADCBAAF-6582-4B70-8B7B-B535A701A588}" presName="Name0" presStyleCnt="0">
-        <dgm:presLayoutVars>
-          <dgm:dir/>
-          <dgm:resizeHandles val="exact"/>
-        </dgm:presLayoutVars>
-      </dgm:prSet>
-      <dgm:spPr/>
-    </dgm:pt>
-    <dgm:pt modelId="{8FF544D8-9635-461A-9C07-F0A2960E4512}" type="pres">
-      <dgm:prSet presAssocID="{1D6C2355-8B76-4092-A180-71C6ECE20720}" presName="node" presStyleLbl="node1" presStyleIdx="0" presStyleCnt="3">
-        <dgm:presLayoutVars>
-          <dgm:bulletEnabled val="1"/>
-        </dgm:presLayoutVars>
-      </dgm:prSet>
-      <dgm:spPr/>
-    </dgm:pt>
-    <dgm:pt modelId="{B548D1BE-3D96-4376-B26C-F333C788CCF4}" type="pres">
-      <dgm:prSet presAssocID="{42AEEDF2-2780-48F2-819C-3F7B850251CE}" presName="sibTrans" presStyleCnt="0"/>
-      <dgm:spPr/>
-    </dgm:pt>
-    <dgm:pt modelId="{17284102-A318-4774-B7FA-C9520012317E}" type="pres">
-      <dgm:prSet presAssocID="{683EE087-369F-41EE-846C-DC99C7911C42}" presName="node" presStyleLbl="node1" presStyleIdx="1" presStyleCnt="3">
-        <dgm:presLayoutVars>
-          <dgm:bulletEnabled val="1"/>
-        </dgm:presLayoutVars>
-      </dgm:prSet>
-      <dgm:spPr/>
-    </dgm:pt>
-    <dgm:pt modelId="{8B647514-BCDD-4A24-979E-9DBC9528506C}" type="pres">
-      <dgm:prSet presAssocID="{1E0560C9-849B-4DF3-9846-1C2501614215}" presName="sibTrans" presStyleCnt="0"/>
-      <dgm:spPr/>
-    </dgm:pt>
-    <dgm:pt modelId="{A875FA03-51EA-4890-8A9D-402964FF06C0}" type="pres">
-      <dgm:prSet presAssocID="{7D0890E1-8476-44C9-A2E4-7C2F3CC226B3}" presName="node" presStyleLbl="node1" presStyleIdx="2" presStyleCnt="3">
-        <dgm:presLayoutVars>
-          <dgm:bulletEnabled val="1"/>
-        </dgm:presLayoutVars>
-      </dgm:prSet>
-      <dgm:spPr/>
-    </dgm:pt>
-  </dgm:ptLst>
-  <dgm:cxnLst>
-    <dgm:cxn modelId="{38849005-4789-4BD0-8C51-6BD44B91C2D4}" type="presOf" srcId="{324DD020-F65A-4708-843A-644978992569}" destId="{8FF544D8-9635-461A-9C07-F0A2960E4512}" srcOrd="0" destOrd="2" presId="urn:microsoft.com/office/officeart/2005/8/layout/hList6"/>
-    <dgm:cxn modelId="{7CD1980C-E00E-4E3B-A979-7F925BB843BF}" type="presOf" srcId="{A2C5B562-CB47-410A-98E6-061E44378E77}" destId="{17284102-A318-4774-B7FA-C9520012317E}" srcOrd="0" destOrd="2" presId="urn:microsoft.com/office/officeart/2005/8/layout/hList6"/>
-    <dgm:cxn modelId="{0A12B00F-E028-4D49-8BF2-19F495A2C261}" type="presOf" srcId="{7C7237D6-15B8-4977-9D4F-35FA066BDA94}" destId="{17284102-A318-4774-B7FA-C9520012317E}" srcOrd="0" destOrd="3" presId="urn:microsoft.com/office/officeart/2005/8/layout/hList6"/>
-    <dgm:cxn modelId="{B5F2BE16-DDB2-4D19-940C-50B9F850A81B}" srcId="{1D6C2355-8B76-4092-A180-71C6ECE20720}" destId="{324DD020-F65A-4708-843A-644978992569}" srcOrd="1" destOrd="0" parTransId="{F034E5BE-D7A1-4610-9A3F-918DBD75A234}" sibTransId="{6B277482-31F1-4BE5-A819-CA52B7039963}"/>
-    <dgm:cxn modelId="{A20E291E-D63E-4B84-B513-4996DEA65B16}" srcId="{683EE087-369F-41EE-846C-DC99C7911C42}" destId="{7C7237D6-15B8-4977-9D4F-35FA066BDA94}" srcOrd="2" destOrd="0" parTransId="{EB2A7C6C-61AC-408C-965B-01882A37F8B9}" sibTransId="{8CD8A788-C824-4376-9DB2-A22446DD2471}"/>
-    <dgm:cxn modelId="{FA2DDD5B-BE0A-49E1-AF53-F69D437CCF6A}" type="presOf" srcId="{7D0890E1-8476-44C9-A2E4-7C2F3CC226B3}" destId="{A875FA03-51EA-4890-8A9D-402964FF06C0}" srcOrd="0" destOrd="0" presId="urn:microsoft.com/office/officeart/2005/8/layout/hList6"/>
-    <dgm:cxn modelId="{F2BE2441-DF8E-4BA0-A10B-20F164491FC1}" type="presOf" srcId="{48822B7F-E187-4068-AFC8-B22A79EDF03D}" destId="{17284102-A318-4774-B7FA-C9520012317E}" srcOrd="0" destOrd="1" presId="urn:microsoft.com/office/officeart/2005/8/layout/hList6"/>
-    <dgm:cxn modelId="{366F9641-0193-48C1-A162-C4519021130D}" type="presOf" srcId="{FBD817BD-D09B-40A8-8D4F-C0C9DB82DAA3}" destId="{8FF544D8-9635-461A-9C07-F0A2960E4512}" srcOrd="0" destOrd="1" presId="urn:microsoft.com/office/officeart/2005/8/layout/hList6"/>
-    <dgm:cxn modelId="{EC52C562-5AC7-4A0E-9499-6E374DE06F4E}" srcId="{1D6C2355-8B76-4092-A180-71C6ECE20720}" destId="{F4C4FDC2-21F0-4A43-91DF-C715409E320E}" srcOrd="2" destOrd="0" parTransId="{05185A97-77D8-4154-B03B-2C4FB23A771B}" sibTransId="{DE6D1C4D-EDF0-47BC-B5D6-100E76812404}"/>
-    <dgm:cxn modelId="{5D5E2463-8147-4DAD-9F0E-E7B15B70513E}" type="presOf" srcId="{626B8D1A-0015-4697-8B69-ED942D3C6A57}" destId="{A875FA03-51EA-4890-8A9D-402964FF06C0}" srcOrd="0" destOrd="1" presId="urn:microsoft.com/office/officeart/2005/8/layout/hList6"/>
-    <dgm:cxn modelId="{89BC6D69-F79F-47D7-BCF7-BAB76F14BB01}" srcId="{BADCBAAF-6582-4B70-8B7B-B535A701A588}" destId="{7D0890E1-8476-44C9-A2E4-7C2F3CC226B3}" srcOrd="2" destOrd="0" parTransId="{5750641C-8453-4EBA-A2E2-87B3E4B58DEE}" sibTransId="{B6B34652-25B1-404B-8CD1-012439AADF66}"/>
-    <dgm:cxn modelId="{F194446C-7C35-4C4A-AA20-12CFB624D6EF}" srcId="{BADCBAAF-6582-4B70-8B7B-B535A701A588}" destId="{1D6C2355-8B76-4092-A180-71C6ECE20720}" srcOrd="0" destOrd="0" parTransId="{CA6CD2DF-2AF6-4ABC-9756-6D42905E609C}" sibTransId="{42AEEDF2-2780-48F2-819C-3F7B850251CE}"/>
-    <dgm:cxn modelId="{94168C6C-BF58-46AE-A15D-AD87275BBD5B}" type="presOf" srcId="{F4C4FDC2-21F0-4A43-91DF-C715409E320E}" destId="{8FF544D8-9635-461A-9C07-F0A2960E4512}" srcOrd="0" destOrd="3" presId="urn:microsoft.com/office/officeart/2005/8/layout/hList6"/>
-    <dgm:cxn modelId="{21AFE16C-B0CF-46C0-9F4F-E8B6EE363E58}" type="presOf" srcId="{1D6C2355-8B76-4092-A180-71C6ECE20720}" destId="{8FF544D8-9635-461A-9C07-F0A2960E4512}" srcOrd="0" destOrd="0" presId="urn:microsoft.com/office/officeart/2005/8/layout/hList6"/>
-    <dgm:cxn modelId="{9F8E0554-C91C-4472-A2C8-81C640E9AF7C}" srcId="{BADCBAAF-6582-4B70-8B7B-B535A701A588}" destId="{683EE087-369F-41EE-846C-DC99C7911C42}" srcOrd="1" destOrd="0" parTransId="{38F01C7C-4B00-4643-97BB-C7B3C4F4D5BD}" sibTransId="{1E0560C9-849B-4DF3-9846-1C2501614215}"/>
-    <dgm:cxn modelId="{E0AA0C86-D888-400F-BC69-AE67E002787F}" srcId="{7D0890E1-8476-44C9-A2E4-7C2F3CC226B3}" destId="{626B8D1A-0015-4697-8B69-ED942D3C6A57}" srcOrd="0" destOrd="0" parTransId="{52E7453F-E5B9-404F-8F41-A92E4D43E45E}" sibTransId="{4FFA8A94-0AAA-4F55-A634-95A53AB98301}"/>
-    <dgm:cxn modelId="{D8507894-6978-45E7-B8B6-B2922C8143A5}" type="presOf" srcId="{BADCBAAF-6582-4B70-8B7B-B535A701A588}" destId="{FB38F315-9EAD-40D9-A8E1-14AB5710DCD9}" srcOrd="0" destOrd="0" presId="urn:microsoft.com/office/officeart/2005/8/layout/hList6"/>
-    <dgm:cxn modelId="{FFDC8BB8-5E89-498E-8190-64F0402152D8}" type="presOf" srcId="{683EE087-369F-41EE-846C-DC99C7911C42}" destId="{17284102-A318-4774-B7FA-C9520012317E}" srcOrd="0" destOrd="0" presId="urn:microsoft.com/office/officeart/2005/8/layout/hList6"/>
-    <dgm:cxn modelId="{3A3D74CC-D83E-494C-9726-A8AC6B07432C}" srcId="{7D0890E1-8476-44C9-A2E4-7C2F3CC226B3}" destId="{1BC2E607-0F54-4409-B2CB-A3E91F264B2B}" srcOrd="1" destOrd="0" parTransId="{FCCDB2E2-1E62-4F95-9365-4E82FFC836DC}" sibTransId="{04710573-A648-403B-B272-2A23F356276F}"/>
-    <dgm:cxn modelId="{59149CD8-0D35-49D5-A91F-CC2BF2F2B72A}" srcId="{683EE087-369F-41EE-846C-DC99C7911C42}" destId="{A2C5B562-CB47-410A-98E6-061E44378E77}" srcOrd="1" destOrd="0" parTransId="{51645D07-AF43-45D3-83A2-7BB3A4B91F77}" sibTransId="{CDC8C3B8-3F0D-4174-90A8-49BFA6874346}"/>
-    <dgm:cxn modelId="{0FC963DB-A97F-45C2-BB04-C672F9D4C4F9}" type="presOf" srcId="{1BC2E607-0F54-4409-B2CB-A3E91F264B2B}" destId="{A875FA03-51EA-4890-8A9D-402964FF06C0}" srcOrd="0" destOrd="2" presId="urn:microsoft.com/office/officeart/2005/8/layout/hList6"/>
-    <dgm:cxn modelId="{EF9544DC-34CA-4261-8CDE-E49EC154C130}" type="presOf" srcId="{492536B8-BF9A-42D2-A38E-83D9A3AEF55D}" destId="{A875FA03-51EA-4890-8A9D-402964FF06C0}" srcOrd="0" destOrd="3" presId="urn:microsoft.com/office/officeart/2005/8/layout/hList6"/>
-    <dgm:cxn modelId="{3A0323DE-ED07-4569-B9B3-1A1E5F61CB89}" srcId="{1D6C2355-8B76-4092-A180-71C6ECE20720}" destId="{FBD817BD-D09B-40A8-8D4F-C0C9DB82DAA3}" srcOrd="0" destOrd="0" parTransId="{37F08242-CF6E-4302-B495-3407D3045076}" sibTransId="{A931CA66-AE4A-4012-9A07-836A9A017762}"/>
-    <dgm:cxn modelId="{6F2E52E8-3BEE-4495-9C69-C46B44972299}" srcId="{683EE087-369F-41EE-846C-DC99C7911C42}" destId="{48822B7F-E187-4068-AFC8-B22A79EDF03D}" srcOrd="0" destOrd="0" parTransId="{64502782-2EA2-4B6E-9982-32627426BE04}" sibTransId="{CD4309DE-EB94-4368-A94E-87781682A3AA}"/>
-    <dgm:cxn modelId="{14CDCAFF-9D17-43EC-AD4C-0BF5E2F21D74}" srcId="{7D0890E1-8476-44C9-A2E4-7C2F3CC226B3}" destId="{492536B8-BF9A-42D2-A38E-83D9A3AEF55D}" srcOrd="2" destOrd="0" parTransId="{77A0FC94-19D8-449E-9299-A67CB182C7D8}" sibTransId="{2E2545E4-AD72-4D9B-95D8-DFA803ABF50A}"/>
-    <dgm:cxn modelId="{23F0EE4F-EED0-4341-BE9E-2DAC5653920E}" type="presParOf" srcId="{FB38F315-9EAD-40D9-A8E1-14AB5710DCD9}" destId="{8FF544D8-9635-461A-9C07-F0A2960E4512}" srcOrd="0" destOrd="0" presId="urn:microsoft.com/office/officeart/2005/8/layout/hList6"/>
-    <dgm:cxn modelId="{C4C33690-65BB-4A7C-ADBF-E4C6C0EB94D4}" type="presParOf" srcId="{FB38F315-9EAD-40D9-A8E1-14AB5710DCD9}" destId="{B548D1BE-3D96-4376-B26C-F333C788CCF4}" srcOrd="1" destOrd="0" presId="urn:microsoft.com/office/officeart/2005/8/layout/hList6"/>
-    <dgm:cxn modelId="{8BF8A2F2-D14E-4F16-816D-4CE5D77EFB6A}" type="presParOf" srcId="{FB38F315-9EAD-40D9-A8E1-14AB5710DCD9}" destId="{17284102-A318-4774-B7FA-C9520012317E}" srcOrd="2" destOrd="0" presId="urn:microsoft.com/office/officeart/2005/8/layout/hList6"/>
-    <dgm:cxn modelId="{8D163C2E-BC37-4F2B-88E2-8F1F9492479F}" type="presParOf" srcId="{FB38F315-9EAD-40D9-A8E1-14AB5710DCD9}" destId="{8B647514-BCDD-4A24-979E-9DBC9528506C}" srcOrd="3" destOrd="0" presId="urn:microsoft.com/office/officeart/2005/8/layout/hList6"/>
-    <dgm:cxn modelId="{93196DE3-33A4-4664-B2B3-31455C48102B}" type="presParOf" srcId="{FB38F315-9EAD-40D9-A8E1-14AB5710DCD9}" destId="{A875FA03-51EA-4890-8A9D-402964FF06C0}" srcOrd="4" destOrd="0" presId="urn:microsoft.com/office/officeart/2005/8/layout/hList6"/>
   </dgm:cxnLst>
   <dgm:bg/>
   <dgm:whole/>
@@ -2721,22 +1550,30 @@
             <a:buChar char="•"/>
           </a:pPr>
           <a:r>
-            <a:rPr lang="en-US" sz="2200" b="0" kern="1200"/>
-            <a:t>An AI-powered smart traffic system that predicts congestion and dynamically adjusts signal timings to optimize traffic flow in real </a:t>
+            <a:rPr lang="en-US" sz="2200" b="0" kern="1200" dirty="0"/>
+            <a:t>An AI-powered smart traffic system</a:t>
           </a:r>
           <a:r>
-            <a:rPr lang="en-US" sz="2200" b="0" kern="1200">
+            <a:rPr lang="en-US" sz="2200" b="1" kern="1200" dirty="0"/>
+            <a:t> CityPulse</a:t>
+          </a:r>
+          <a:r>
+            <a:rPr lang="en-US" sz="2200" b="0" kern="1200" dirty="0"/>
+            <a:t> that predicts congestion and dynamically adjusts signal timings to optimize traffic flow in real </a:t>
+          </a:r>
+          <a:r>
+            <a:rPr lang="en-US" sz="2200" b="0" kern="1200" dirty="0">
               <a:latin typeface="Aptos"/>
             </a:rPr>
-            <a:t>timeReal-time</a:t>
+            <a:t>time Real-time</a:t>
           </a:r>
           <a:r>
-            <a:rPr lang="en-US" sz="2200" kern="1200">
+            <a:rPr lang="en-US" sz="2200" kern="1200" dirty="0">
               <a:latin typeface="Aptos"/>
             </a:rPr>
             <a:t> blood stock tracking</a:t>
           </a:r>
-          <a:endParaRPr lang="en-US" sz="2200" b="1" kern="1200">
+          <a:endParaRPr lang="en-US" sz="2200" b="1" kern="1200" dirty="0">
             <a:latin typeface="Aptos Display"/>
           </a:endParaRPr>
         </a:p>
@@ -3079,488 +1916,6 @@
 </dsp:drawing>
 </file>
 
-<file path=ppt/diagrams/drawing2.xml><?xml version="1.0" encoding="utf-8"?>
-<dsp:drawing xmlns:dgm="http://schemas.openxmlformats.org/drawingml/2006/diagram" xmlns:dsp="http://schemas.microsoft.com/office/drawing/2008/diagram" xmlns:a="http://schemas.openxmlformats.org/drawingml/2006/main">
-  <dsp:spTree>
-    <dsp:nvGrpSpPr>
-      <dsp:cNvPr id="0" name=""/>
-      <dsp:cNvGrpSpPr/>
-    </dsp:nvGrpSpPr>
-    <dsp:grpSpPr/>
-    <dsp:sp modelId="{8FF544D8-9635-461A-9C07-F0A2960E4512}">
-      <dsp:nvSpPr>
-        <dsp:cNvPr id="0" name=""/>
-        <dsp:cNvSpPr/>
-      </dsp:nvSpPr>
-      <dsp:spPr>
-        <a:xfrm rot="16200000">
-          <a:off x="-702072" y="703456"/>
-          <a:ext cx="5003998" cy="3597085"/>
-        </a:xfrm>
-        <a:prstGeom prst="flowChartManualOperation">
-          <a:avLst/>
-        </a:prstGeom>
-        <a:solidFill>
-          <a:schemeClr val="accent1">
-            <a:hueOff val="0"/>
-            <a:satOff val="0"/>
-            <a:lumOff val="0"/>
-            <a:alphaOff val="0"/>
-          </a:schemeClr>
-        </a:solidFill>
-        <a:ln w="19050" cap="flat" cmpd="sng" algn="ctr">
-          <a:solidFill>
-            <a:schemeClr val="lt1">
-              <a:hueOff val="0"/>
-              <a:satOff val="0"/>
-              <a:lumOff val="0"/>
-              <a:alphaOff val="0"/>
-            </a:schemeClr>
-          </a:solidFill>
-          <a:prstDash val="solid"/>
-          <a:miter lim="800000"/>
-        </a:ln>
-        <a:effectLst/>
-      </dsp:spPr>
-      <dsp:style>
-        <a:lnRef idx="2">
-          <a:scrgbClr r="0" g="0" b="0"/>
-        </a:lnRef>
-        <a:fillRef idx="1">
-          <a:scrgbClr r="0" g="0" b="0"/>
-        </a:fillRef>
-        <a:effectRef idx="0">
-          <a:scrgbClr r="0" g="0" b="0"/>
-        </a:effectRef>
-        <a:fontRef idx="minor">
-          <a:schemeClr val="lt1"/>
-        </a:fontRef>
-      </dsp:style>
-      <dsp:txBody>
-        <a:bodyPr spcFirstLastPara="0" vert="horz" wrap="square" lIns="152400" tIns="0" rIns="152400" bIns="0" numCol="1" spcCol="1270" anchor="t" anchorCtr="0">
-          <a:noAutofit/>
-        </a:bodyPr>
-        <a:lstStyle/>
-        <a:p>
-          <a:pPr marL="0" lvl="0" indent="0" algn="l" defTabSz="1066800" rtl="0">
-            <a:lnSpc>
-              <a:spcPct val="90000"/>
-            </a:lnSpc>
-            <a:spcBef>
-              <a:spcPct val="0"/>
-            </a:spcBef>
-            <a:spcAft>
-              <a:spcPct val="35000"/>
-            </a:spcAft>
-            <a:buNone/>
-          </a:pPr>
-          <a:r>
-            <a:rPr lang="en-US" sz="2400" b="0" kern="1200"/>
-            <a:t>Traffic Police Department</a:t>
-          </a:r>
-        </a:p>
-        <a:p>
-          <a:pPr marL="228600" lvl="1" indent="-228600" algn="l" defTabSz="889000" rtl="0">
-            <a:lnSpc>
-              <a:spcPct val="90000"/>
-            </a:lnSpc>
-            <a:spcBef>
-              <a:spcPct val="0"/>
-            </a:spcBef>
-            <a:spcAft>
-              <a:spcPct val="15000"/>
-            </a:spcAft>
-            <a:buChar char="•"/>
-          </a:pPr>
-          <a:r>
-            <a:rPr lang="en-US" sz="2000" i="0" kern="1200">
-              <a:latin typeface="Aptos Display" panose="020F0302020204030204"/>
-            </a:rPr>
-            <a:t>Monitor</a:t>
-          </a:r>
-          <a:r>
-            <a:rPr lang="en-US" sz="2000" i="0" kern="1200"/>
-            <a:t> congestion in real time</a:t>
-          </a:r>
-        </a:p>
-        <a:p>
-          <a:pPr marL="228600" lvl="1" indent="-228600" algn="l" defTabSz="889000" rtl="0">
-            <a:lnSpc>
-              <a:spcPct val="90000"/>
-            </a:lnSpc>
-            <a:spcBef>
-              <a:spcPct val="0"/>
-            </a:spcBef>
-            <a:spcAft>
-              <a:spcPct val="15000"/>
-            </a:spcAft>
-            <a:buChar char="•"/>
-          </a:pPr>
-          <a:r>
-            <a:rPr lang="en-US" sz="2000" kern="1200"/>
-            <a:t>Deploy police to critical roads</a:t>
-          </a:r>
-          <a:endParaRPr lang="en-US" sz="2000" kern="1200">
-            <a:latin typeface="Aptos Display" panose="020F0302020204030204"/>
-          </a:endParaRPr>
-        </a:p>
-        <a:p>
-          <a:pPr marL="228600" lvl="1" indent="-228600" algn="l" defTabSz="889000" rtl="0">
-            <a:lnSpc>
-              <a:spcPct val="90000"/>
-            </a:lnSpc>
-            <a:spcBef>
-              <a:spcPct val="0"/>
-            </a:spcBef>
-            <a:spcAft>
-              <a:spcPct val="15000"/>
-            </a:spcAft>
-            <a:buChar char="•"/>
-          </a:pPr>
-          <a:r>
-            <a:rPr lang="en-US" sz="2000" kern="1200"/>
-            <a:t> Make quick decisions</a:t>
-          </a:r>
-          <a:endParaRPr lang="en-US" sz="2000" kern="1200">
-            <a:latin typeface="Aptos Display" panose="020F0302020204030204"/>
-          </a:endParaRPr>
-        </a:p>
-      </dsp:txBody>
-      <dsp:txXfrm rot="5400000">
-        <a:off x="1385" y="1000799"/>
-        <a:ext cx="3597085" cy="3002398"/>
-      </dsp:txXfrm>
-    </dsp:sp>
-    <dsp:sp modelId="{17284102-A318-4774-B7FA-C9520012317E}">
-      <dsp:nvSpPr>
-        <dsp:cNvPr id="0" name=""/>
-        <dsp:cNvSpPr/>
-      </dsp:nvSpPr>
-      <dsp:spPr>
-        <a:xfrm rot="16200000">
-          <a:off x="3164793" y="703456"/>
-          <a:ext cx="5003998" cy="3597085"/>
-        </a:xfrm>
-        <a:prstGeom prst="flowChartManualOperation">
-          <a:avLst/>
-        </a:prstGeom>
-        <a:solidFill>
-          <a:schemeClr val="accent1">
-            <a:hueOff val="0"/>
-            <a:satOff val="0"/>
-            <a:lumOff val="0"/>
-            <a:alphaOff val="0"/>
-          </a:schemeClr>
-        </a:solidFill>
-        <a:ln w="19050" cap="flat" cmpd="sng" algn="ctr">
-          <a:solidFill>
-            <a:schemeClr val="lt1">
-              <a:hueOff val="0"/>
-              <a:satOff val="0"/>
-              <a:lumOff val="0"/>
-              <a:alphaOff val="0"/>
-            </a:schemeClr>
-          </a:solidFill>
-          <a:prstDash val="solid"/>
-          <a:miter lim="800000"/>
-        </a:ln>
-        <a:effectLst/>
-      </dsp:spPr>
-      <dsp:style>
-        <a:lnRef idx="2">
-          <a:scrgbClr r="0" g="0" b="0"/>
-        </a:lnRef>
-        <a:fillRef idx="1">
-          <a:scrgbClr r="0" g="0" b="0"/>
-        </a:fillRef>
-        <a:effectRef idx="0">
-          <a:scrgbClr r="0" g="0" b="0"/>
-        </a:effectRef>
-        <a:fontRef idx="minor">
-          <a:schemeClr val="lt1"/>
-        </a:fontRef>
-      </dsp:style>
-      <dsp:txBody>
-        <a:bodyPr spcFirstLastPara="0" vert="horz" wrap="square" lIns="152400" tIns="0" rIns="152400" bIns="0" numCol="1" spcCol="1270" anchor="t" anchorCtr="0">
-          <a:noAutofit/>
-        </a:bodyPr>
-        <a:lstStyle/>
-        <a:p>
-          <a:pPr marL="0" lvl="0" indent="0" algn="l" defTabSz="1066800" rtl="0">
-            <a:lnSpc>
-              <a:spcPct val="90000"/>
-            </a:lnSpc>
-            <a:spcBef>
-              <a:spcPct val="0"/>
-            </a:spcBef>
-            <a:spcAft>
-              <a:spcPct val="35000"/>
-            </a:spcAft>
-            <a:buNone/>
-          </a:pPr>
-          <a:r>
-            <a:rPr lang="en-US" sz="2400" i="1" kern="1200">
-              <a:latin typeface="Aptos Display" panose="020F0302020204030204"/>
-            </a:rPr>
-            <a:t> </a:t>
-          </a:r>
-          <a:r>
-            <a:rPr lang="en-US" sz="2400" i="0" kern="1200"/>
-            <a:t>City Traffic Control </a:t>
-          </a:r>
-          <a:r>
-            <a:rPr lang="en-US" sz="2400" i="1" kern="1200">
-              <a:latin typeface="Aptos Display" panose="020F0302020204030204"/>
-            </a:rPr>
-            <a:t>Room</a:t>
-          </a:r>
-          <a:r>
-            <a:rPr lang="en-US" sz="2400" kern="1200"/>
-            <a:t> </a:t>
-          </a:r>
-          <a:r>
-            <a:rPr lang="en-US" sz="2400" i="0" kern="1200">
-              <a:latin typeface="Aptos Display" panose="020F0302020204030204"/>
-            </a:rPr>
-            <a:t>         </a:t>
-          </a:r>
-          <a:r>
-            <a:rPr lang="en-US" sz="1800" i="0" kern="1200">
-              <a:latin typeface="Aptos Display" panose="020F0302020204030204"/>
-            </a:rPr>
-            <a:t>  </a:t>
-          </a:r>
-          <a:endParaRPr lang="en-US" sz="2600" i="0" kern="1200">
-            <a:latin typeface="Aptos Display" panose="020F0302020204030204"/>
-          </a:endParaRPr>
-        </a:p>
-        <a:p>
-          <a:pPr marL="228600" lvl="1" indent="-228600" algn="l" defTabSz="889000" rtl="0">
-            <a:lnSpc>
-              <a:spcPct val="90000"/>
-            </a:lnSpc>
-            <a:spcBef>
-              <a:spcPct val="0"/>
-            </a:spcBef>
-            <a:spcAft>
-              <a:spcPct val="15000"/>
-            </a:spcAft>
-            <a:buChar char="•"/>
-          </a:pPr>
-          <a:r>
-            <a:rPr lang="en-US" sz="2000" i="0" kern="1200"/>
-            <a:t> See all roads at once</a:t>
-          </a:r>
-          <a:endParaRPr lang="en-US" sz="2000" i="0" kern="1200">
-            <a:latin typeface="Aptos Display" panose="020F0302020204030204"/>
-          </a:endParaRPr>
-        </a:p>
-        <a:p>
-          <a:pPr marL="228600" lvl="1" indent="-228600" algn="l" defTabSz="889000" rtl="0">
-            <a:lnSpc>
-              <a:spcPct val="90000"/>
-            </a:lnSpc>
-            <a:spcBef>
-              <a:spcPct val="0"/>
-            </a:spcBef>
-            <a:spcAft>
-              <a:spcPct val="15000"/>
-            </a:spcAft>
-            <a:buChar char="•"/>
-          </a:pPr>
-          <a:r>
-            <a:rPr lang="en-US" sz="2000" kern="1200"/>
-            <a:t>Manage city wide traffic</a:t>
-          </a:r>
-          <a:endParaRPr lang="en-US" sz="2000" kern="1200">
-            <a:latin typeface="Aptos Display" panose="020F0302020204030204"/>
-          </a:endParaRPr>
-        </a:p>
-        <a:p>
-          <a:pPr marL="228600" lvl="1" indent="-228600" algn="l" defTabSz="889000" rtl="0">
-            <a:lnSpc>
-              <a:spcPct val="90000"/>
-            </a:lnSpc>
-            <a:spcBef>
-              <a:spcPct val="0"/>
-            </a:spcBef>
-            <a:spcAft>
-              <a:spcPct val="15000"/>
-            </a:spcAft>
-            <a:buChar char="•"/>
-          </a:pPr>
-          <a:r>
-            <a:rPr lang="en-US" sz="2000" i="0" kern="1200"/>
-            <a:t>Admin dashboard always open</a:t>
-          </a:r>
-          <a:endParaRPr lang="en-US" sz="2000" i="0" kern="1200">
-            <a:latin typeface="Aptos Display" panose="020F0302020204030204"/>
-          </a:endParaRPr>
-        </a:p>
-      </dsp:txBody>
-      <dsp:txXfrm rot="5400000">
-        <a:off x="3868250" y="1000799"/>
-        <a:ext cx="3597085" cy="3002398"/>
-      </dsp:txXfrm>
-    </dsp:sp>
-    <dsp:sp modelId="{A875FA03-51EA-4890-8A9D-402964FF06C0}">
-      <dsp:nvSpPr>
-        <dsp:cNvPr id="0" name=""/>
-        <dsp:cNvSpPr/>
-      </dsp:nvSpPr>
-      <dsp:spPr>
-        <a:xfrm rot="16200000">
-          <a:off x="7031659" y="703456"/>
-          <a:ext cx="5003998" cy="3597085"/>
-        </a:xfrm>
-        <a:prstGeom prst="flowChartManualOperation">
-          <a:avLst/>
-        </a:prstGeom>
-        <a:solidFill>
-          <a:schemeClr val="accent1">
-            <a:hueOff val="0"/>
-            <a:satOff val="0"/>
-            <a:lumOff val="0"/>
-            <a:alphaOff val="0"/>
-          </a:schemeClr>
-        </a:solidFill>
-        <a:ln w="19050" cap="flat" cmpd="sng" algn="ctr">
-          <a:solidFill>
-            <a:schemeClr val="lt1">
-              <a:hueOff val="0"/>
-              <a:satOff val="0"/>
-              <a:lumOff val="0"/>
-              <a:alphaOff val="0"/>
-            </a:schemeClr>
-          </a:solidFill>
-          <a:prstDash val="solid"/>
-          <a:miter lim="800000"/>
-        </a:ln>
-        <a:effectLst/>
-      </dsp:spPr>
-      <dsp:style>
-        <a:lnRef idx="2">
-          <a:scrgbClr r="0" g="0" b="0"/>
-        </a:lnRef>
-        <a:fillRef idx="1">
-          <a:scrgbClr r="0" g="0" b="0"/>
-        </a:fillRef>
-        <a:effectRef idx="0">
-          <a:scrgbClr r="0" g="0" b="0"/>
-        </a:effectRef>
-        <a:fontRef idx="minor">
-          <a:schemeClr val="lt1"/>
-        </a:fontRef>
-      </dsp:style>
-      <dsp:txBody>
-        <a:bodyPr spcFirstLastPara="0" vert="horz" wrap="square" lIns="152400" tIns="0" rIns="152400" bIns="0" numCol="1" spcCol="1270" anchor="t" anchorCtr="0">
-          <a:noAutofit/>
-        </a:bodyPr>
-        <a:lstStyle/>
-        <a:p>
-          <a:pPr marL="0" lvl="0" indent="0" algn="l" defTabSz="1066800" rtl="0">
-            <a:lnSpc>
-              <a:spcPct val="90000"/>
-            </a:lnSpc>
-            <a:spcBef>
-              <a:spcPct val="0"/>
-            </a:spcBef>
-            <a:spcAft>
-              <a:spcPct val="35000"/>
-            </a:spcAft>
-            <a:buNone/>
-          </a:pPr>
-          <a:r>
-            <a:rPr lang="en-US" sz="2400" i="0" kern="1200"/>
-            <a:t>Municipal Corporation / </a:t>
-          </a:r>
-          <a:r>
-            <a:rPr lang="en-US" sz="2400" i="1" kern="1200">
-              <a:latin typeface="Aptos Display" panose="020F0302020204030204"/>
-            </a:rPr>
-            <a:t>BBMP</a:t>
-          </a:r>
-          <a:endParaRPr lang="en-US" sz="2400" i="1" kern="1200">
-            <a:latin typeface="Aptos Display" panose="02110004020202020204"/>
-          </a:endParaRPr>
-        </a:p>
-        <a:p>
-          <a:pPr marL="171450" lvl="1" indent="-171450" algn="l" defTabSz="844550" rtl="0">
-            <a:lnSpc>
-              <a:spcPct val="90000"/>
-            </a:lnSpc>
-            <a:spcBef>
-              <a:spcPct val="0"/>
-            </a:spcBef>
-            <a:spcAft>
-              <a:spcPct val="15000"/>
-            </a:spcAft>
-            <a:buChar char="•"/>
-          </a:pPr>
-          <a:r>
-            <a:rPr lang="en-US" i="0" kern="1200"/>
-            <a:t> </a:t>
-          </a:r>
-          <a:r>
-            <a:rPr lang="en-US" sz="2000" i="0" kern="1200"/>
-            <a:t>Plan road expansions</a:t>
-          </a:r>
-          <a:endParaRPr lang="en-US" sz="2000" i="0" kern="1200">
-            <a:latin typeface="Aptos Display" panose="02110004020202020204"/>
-          </a:endParaRPr>
-        </a:p>
-        <a:p>
-          <a:pPr marL="228600" lvl="1" indent="-228600" algn="l" defTabSz="889000" rtl="0">
-            <a:lnSpc>
-              <a:spcPct val="90000"/>
-            </a:lnSpc>
-            <a:spcBef>
-              <a:spcPct val="0"/>
-            </a:spcBef>
-            <a:spcAft>
-              <a:spcPct val="15000"/>
-            </a:spcAft>
-            <a:buChar char="•"/>
-          </a:pPr>
-          <a:r>
-            <a:rPr lang="en-US" sz="2000" i="0" kern="1200"/>
-            <a:t> Identify problem areas</a:t>
-          </a:r>
-          <a:endParaRPr lang="en-US" sz="2000" i="0" kern="1200">
-            <a:latin typeface="Aptos Display" panose="020F0302020204030204"/>
-          </a:endParaRPr>
-        </a:p>
-        <a:p>
-          <a:pPr marL="228600" lvl="1" indent="-228600" algn="l" defTabSz="889000" rtl="0">
-            <a:lnSpc>
-              <a:spcPct val="90000"/>
-            </a:lnSpc>
-            <a:spcBef>
-              <a:spcPct val="0"/>
-            </a:spcBef>
-            <a:spcAft>
-              <a:spcPct val="15000"/>
-            </a:spcAft>
-            <a:buChar char="•"/>
-          </a:pPr>
-          <a:r>
-            <a:rPr lang="en-US" sz="2000" i="0" kern="1200"/>
-            <a:t>Make policy decisions</a:t>
-          </a:r>
-          <a:endParaRPr lang="en-US" sz="2000" i="0" kern="1200">
-            <a:latin typeface="Aptos Display" panose="020F0302020204030204"/>
-          </a:endParaRPr>
-        </a:p>
-      </dsp:txBody>
-      <dsp:txXfrm rot="5400000">
-        <a:off x="7735116" y="1000799"/>
-        <a:ext cx="3597085" cy="3002398"/>
-      </dsp:txXfrm>
-    </dsp:sp>
-  </dsp:spTree>
-</dsp:drawing>
-</file>
-
 <file path=ppt/diagrams/layout1.xml><?xml version="1.0" encoding="utf-8"?>
 <dgm:layoutDef xmlns:dgm="http://schemas.openxmlformats.org/drawingml/2006/diagram" xmlns:a="http://schemas.openxmlformats.org/drawingml/2006/main" uniqueId="urn:microsoft.com/office/officeart/2005/8/layout/chevron2">
   <dgm:title val=""/>
@@ -3817,178 +2172,6 @@
 </dgm:layoutDef>
 </file>
 
-<file path=ppt/diagrams/layout2.xml><?xml version="1.0" encoding="utf-8"?>
-<dgm:layoutDef xmlns:dgm="http://schemas.openxmlformats.org/drawingml/2006/diagram" xmlns:a="http://schemas.openxmlformats.org/drawingml/2006/main" uniqueId="urn:microsoft.com/office/officeart/2005/8/layout/hList6">
-  <dgm:title val=""/>
-  <dgm:desc val=""/>
-  <dgm:catLst>
-    <dgm:cat type="list" pri="18000"/>
-  </dgm:catLst>
-  <dgm:sampData>
-    <dgm:dataModel>
-      <dgm:ptLst>
-        <dgm:pt modelId="0" type="doc"/>
-        <dgm:pt modelId="1">
-          <dgm:prSet phldr="1"/>
-        </dgm:pt>
-        <dgm:pt modelId="11">
-          <dgm:prSet phldr="1"/>
-        </dgm:pt>
-        <dgm:pt modelId="12">
-          <dgm:prSet phldr="1"/>
-        </dgm:pt>
-        <dgm:pt modelId="2">
-          <dgm:prSet phldr="1"/>
-        </dgm:pt>
-        <dgm:pt modelId="21">
-          <dgm:prSet phldr="1"/>
-        </dgm:pt>
-        <dgm:pt modelId="22">
-          <dgm:prSet phldr="1"/>
-        </dgm:pt>
-        <dgm:pt modelId="3">
-          <dgm:prSet phldr="1"/>
-        </dgm:pt>
-        <dgm:pt modelId="31">
-          <dgm:prSet phldr="1"/>
-        </dgm:pt>
-        <dgm:pt modelId="32">
-          <dgm:prSet phldr="1"/>
-        </dgm:pt>
-      </dgm:ptLst>
-      <dgm:cxnLst>
-        <dgm:cxn modelId="4" srcId="0" destId="1" srcOrd="0" destOrd="0"/>
-        <dgm:cxn modelId="5" srcId="0" destId="2" srcOrd="1" destOrd="0"/>
-        <dgm:cxn modelId="6" srcId="0" destId="3" srcOrd="2" destOrd="0"/>
-        <dgm:cxn modelId="13" srcId="1" destId="11" srcOrd="0" destOrd="0"/>
-        <dgm:cxn modelId="14" srcId="1" destId="12" srcOrd="1" destOrd="0"/>
-        <dgm:cxn modelId="23" srcId="2" destId="21" srcOrd="0" destOrd="0"/>
-        <dgm:cxn modelId="24" srcId="2" destId="22" srcOrd="1" destOrd="0"/>
-        <dgm:cxn modelId="33" srcId="3" destId="31" srcOrd="0" destOrd="0"/>
-        <dgm:cxn modelId="34" srcId="3" destId="32" srcOrd="1" destOrd="0"/>
-      </dgm:cxnLst>
-      <dgm:bg/>
-      <dgm:whole/>
-    </dgm:dataModel>
-  </dgm:sampData>
-  <dgm:styleData>
-    <dgm:dataModel>
-      <dgm:ptLst>
-        <dgm:pt modelId="0" type="doc"/>
-        <dgm:pt modelId="1"/>
-        <dgm:pt modelId="11"/>
-        <dgm:pt modelId="2"/>
-        <dgm:pt modelId="21"/>
-      </dgm:ptLst>
-      <dgm:cxnLst>
-        <dgm:cxn modelId="4" srcId="0" destId="1" srcOrd="0" destOrd="0"/>
-        <dgm:cxn modelId="5" srcId="0" destId="2" srcOrd="1" destOrd="0"/>
-        <dgm:cxn modelId="13" srcId="1" destId="11" srcOrd="0" destOrd="0"/>
-        <dgm:cxn modelId="23" srcId="2" destId="21" srcOrd="0" destOrd="0"/>
-      </dgm:cxnLst>
-      <dgm:bg/>
-      <dgm:whole/>
-    </dgm:dataModel>
-  </dgm:styleData>
-  <dgm:clrData>
-    <dgm:dataModel>
-      <dgm:ptLst>
-        <dgm:pt modelId="0" type="doc"/>
-        <dgm:pt modelId="1"/>
-        <dgm:pt modelId="11"/>
-        <dgm:pt modelId="2"/>
-        <dgm:pt modelId="21"/>
-        <dgm:pt modelId="3"/>
-        <dgm:pt modelId="31"/>
-        <dgm:pt modelId="4"/>
-        <dgm:pt modelId="41"/>
-      </dgm:ptLst>
-      <dgm:cxnLst>
-        <dgm:cxn modelId="5" srcId="0" destId="1" srcOrd="0" destOrd="0"/>
-        <dgm:cxn modelId="6" srcId="0" destId="2" srcOrd="1" destOrd="0"/>
-        <dgm:cxn modelId="7" srcId="0" destId="3" srcOrd="2" destOrd="0"/>
-        <dgm:cxn modelId="8" srcId="0" destId="4" srcOrd="3" destOrd="0"/>
-        <dgm:cxn modelId="13" srcId="1" destId="11" srcOrd="0" destOrd="0"/>
-        <dgm:cxn modelId="23" srcId="2" destId="21" srcOrd="0" destOrd="0"/>
-        <dgm:cxn modelId="33" srcId="3" destId="31" srcOrd="0" destOrd="0"/>
-        <dgm:cxn modelId="43" srcId="4" destId="41" srcOrd="0" destOrd="0"/>
-      </dgm:cxnLst>
-      <dgm:bg/>
-      <dgm:whole/>
-    </dgm:dataModel>
-  </dgm:clrData>
-  <dgm:layoutNode name="Name0">
-    <dgm:varLst>
-      <dgm:dir/>
-      <dgm:resizeHandles val="exact"/>
-    </dgm:varLst>
-    <dgm:choose name="Name1">
-      <dgm:if name="Name2" func="var" arg="dir" op="equ" val="norm">
-        <dgm:alg type="lin"/>
-      </dgm:if>
-      <dgm:else name="Name3">
-        <dgm:alg type="lin">
-          <dgm:param type="linDir" val="fromR"/>
-        </dgm:alg>
-      </dgm:else>
-    </dgm:choose>
-    <dgm:shape xmlns:r="http://schemas.openxmlformats.org/officeDocument/2006/relationships" r:blip="">
-      <dgm:adjLst/>
-    </dgm:shape>
-    <dgm:presOf/>
-    <dgm:constrLst>
-      <dgm:constr type="h" for="ch" ptType="node" refType="h"/>
-      <dgm:constr type="w" for="ch" ptType="node" refType="w"/>
-      <dgm:constr type="primFontSz" for="ch" ptType="node" op="equ"/>
-      <dgm:constr type="w" for="ch" forName="sibTrans" refType="w" fact="0.075"/>
-    </dgm:constrLst>
-    <dgm:ruleLst/>
-    <dgm:forEach name="nodesForEach" axis="ch" ptType="node">
-      <dgm:layoutNode name="node">
-        <dgm:varLst>
-          <dgm:bulletEnabled val="1"/>
-        </dgm:varLst>
-        <dgm:alg type="tx"/>
-        <dgm:choose name="Name4">
-          <dgm:if name="Name5" func="var" arg="dir" op="equ" val="norm">
-            <dgm:shape xmlns:r="http://schemas.openxmlformats.org/officeDocument/2006/relationships" rot="-90" type="flowChartManualOperation" r:blip="">
-              <dgm:adjLst/>
-            </dgm:shape>
-          </dgm:if>
-          <dgm:else name="Name6">
-            <dgm:shape xmlns:r="http://schemas.openxmlformats.org/officeDocument/2006/relationships" rot="90" type="flowChartManualOperation" r:blip="">
-              <dgm:adjLst/>
-            </dgm:shape>
-          </dgm:else>
-        </dgm:choose>
-        <dgm:presOf axis="desOrSelf" ptType="node"/>
-        <dgm:constrLst>
-          <dgm:constr type="primFontSz" val="65"/>
-          <dgm:constr type="tMarg"/>
-          <dgm:constr type="bMarg"/>
-          <dgm:constr type="lMarg" refType="primFontSz" fact="0.5"/>
-          <dgm:constr type="rMarg" refType="lMarg"/>
-        </dgm:constrLst>
-        <dgm:ruleLst>
-          <dgm:rule type="primFontSz" val="5" fact="NaN" max="NaN"/>
-        </dgm:ruleLst>
-      </dgm:layoutNode>
-      <dgm:forEach name="sibTransForEach" axis="followSib" ptType="sibTrans" cnt="1">
-        <dgm:layoutNode name="sibTrans">
-          <dgm:alg type="sp"/>
-          <dgm:shape xmlns:r="http://schemas.openxmlformats.org/officeDocument/2006/relationships" r:blip="">
-            <dgm:adjLst/>
-          </dgm:shape>
-          <dgm:presOf/>
-          <dgm:constrLst/>
-          <dgm:ruleLst/>
-        </dgm:layoutNode>
-      </dgm:forEach>
-    </dgm:forEach>
-  </dgm:layoutNode>
-</dgm:layoutDef>
-</file>
-
 <file path=ppt/diagrams/quickStyle1.xml><?xml version="1.0" encoding="utf-8"?>
 <dgm:styleDef xmlns:dgm="http://schemas.openxmlformats.org/drawingml/2006/diagram" xmlns:a="http://schemas.openxmlformats.org/drawingml/2006/main" uniqueId="urn:microsoft.com/office/officeart/2005/8/quickstyle/simple1">
   <dgm:title val=""/>
@@ -5023,1038 +3206,445 @@
 </dgm:styleDef>
 </file>
 
-<file path=ppt/diagrams/quickStyle2.xml><?xml version="1.0" encoding="utf-8"?>
-<dgm:styleDef xmlns:dgm="http://schemas.openxmlformats.org/drawingml/2006/diagram" xmlns:a="http://schemas.openxmlformats.org/drawingml/2006/main" uniqueId="urn:microsoft.com/office/officeart/2005/8/quickstyle/simple1">
-  <dgm:title val=""/>
-  <dgm:desc val=""/>
-  <dgm:catLst>
-    <dgm:cat type="simple" pri="10100"/>
-  </dgm:catLst>
-  <dgm:scene3d>
-    <a:camera prst="orthographicFront"/>
-    <a:lightRig rig="threePt" dir="t"/>
-  </dgm:scene3d>
-  <dgm:styleLbl name="node0">
-    <dgm:scene3d>
-      <a:camera prst="orthographicFront"/>
-      <a:lightRig rig="threePt" dir="t"/>
-    </dgm:scene3d>
-    <dgm:sp3d/>
-    <dgm:txPr/>
-    <dgm:style>
-      <a:lnRef idx="2">
-        <a:scrgbClr r="0" g="0" b="0"/>
-      </a:lnRef>
-      <a:fillRef idx="1">
-        <a:scrgbClr r="0" g="0" b="0"/>
-      </a:fillRef>
-      <a:effectRef idx="0">
-        <a:scrgbClr r="0" g="0" b="0"/>
-      </a:effectRef>
-      <a:fontRef idx="minor">
-        <a:schemeClr val="lt1"/>
-      </a:fontRef>
-    </dgm:style>
-  </dgm:styleLbl>
-  <dgm:styleLbl name="lnNode1">
-    <dgm:scene3d>
-      <a:camera prst="orthographicFront"/>
-      <a:lightRig rig="threePt" dir="t"/>
-    </dgm:scene3d>
-    <dgm:sp3d/>
-    <dgm:txPr/>
-    <dgm:style>
-      <a:lnRef idx="2">
-        <a:scrgbClr r="0" g="0" b="0"/>
-      </a:lnRef>
-      <a:fillRef idx="1">
-        <a:scrgbClr r="0" g="0" b="0"/>
-      </a:fillRef>
-      <a:effectRef idx="0">
-        <a:scrgbClr r="0" g="0" b="0"/>
-      </a:effectRef>
-      <a:fontRef idx="minor">
-        <a:schemeClr val="lt1"/>
-      </a:fontRef>
-    </dgm:style>
-  </dgm:styleLbl>
-  <dgm:styleLbl name="vennNode1">
-    <dgm:scene3d>
-      <a:camera prst="orthographicFront"/>
-      <a:lightRig rig="threePt" dir="t"/>
-    </dgm:scene3d>
-    <dgm:sp3d/>
-    <dgm:txPr/>
-    <dgm:style>
-      <a:lnRef idx="2">
-        <a:scrgbClr r="0" g="0" b="0"/>
-      </a:lnRef>
-      <a:fillRef idx="1">
-        <a:scrgbClr r="0" g="0" b="0"/>
-      </a:fillRef>
-      <a:effectRef idx="0">
-        <a:scrgbClr r="0" g="0" b="0"/>
-      </a:effectRef>
-      <a:fontRef idx="minor">
-        <a:schemeClr val="tx1"/>
-      </a:fontRef>
-    </dgm:style>
-  </dgm:styleLbl>
-  <dgm:styleLbl name="alignNode1">
-    <dgm:scene3d>
-      <a:camera prst="orthographicFront"/>
-      <a:lightRig rig="threePt" dir="t"/>
-    </dgm:scene3d>
-    <dgm:sp3d/>
-    <dgm:txPr/>
-    <dgm:style>
-      <a:lnRef idx="2">
-        <a:scrgbClr r="0" g="0" b="0"/>
-      </a:lnRef>
-      <a:fillRef idx="1">
-        <a:scrgbClr r="0" g="0" b="0"/>
-      </a:fillRef>
-      <a:effectRef idx="0">
-        <a:scrgbClr r="0" g="0" b="0"/>
-      </a:effectRef>
-      <a:fontRef idx="minor">
-        <a:schemeClr val="lt1"/>
-      </a:fontRef>
-    </dgm:style>
-  </dgm:styleLbl>
-  <dgm:styleLbl name="node1">
-    <dgm:scene3d>
-      <a:camera prst="orthographicFront"/>
-      <a:lightRig rig="threePt" dir="t"/>
-    </dgm:scene3d>
-    <dgm:sp3d/>
-    <dgm:txPr/>
-    <dgm:style>
-      <a:lnRef idx="2">
-        <a:scrgbClr r="0" g="0" b="0"/>
-      </a:lnRef>
-      <a:fillRef idx="1">
-        <a:scrgbClr r="0" g="0" b="0"/>
-      </a:fillRef>
-      <a:effectRef idx="0">
-        <a:scrgbClr r="0" g="0" b="0"/>
-      </a:effectRef>
-      <a:fontRef idx="minor">
-        <a:schemeClr val="lt1"/>
-      </a:fontRef>
-    </dgm:style>
-  </dgm:styleLbl>
-  <dgm:styleLbl name="node2">
-    <dgm:scene3d>
-      <a:camera prst="orthographicFront"/>
-      <a:lightRig rig="threePt" dir="t"/>
-    </dgm:scene3d>
-    <dgm:sp3d/>
-    <dgm:txPr/>
-    <dgm:style>
-      <a:lnRef idx="2">
-        <a:scrgbClr r="0" g="0" b="0"/>
-      </a:lnRef>
-      <a:fillRef idx="1">
-        <a:scrgbClr r="0" g="0" b="0"/>
-      </a:fillRef>
-      <a:effectRef idx="0">
-        <a:scrgbClr r="0" g="0" b="0"/>
-      </a:effectRef>
-      <a:fontRef idx="minor">
-        <a:schemeClr val="lt1"/>
-      </a:fontRef>
-    </dgm:style>
-  </dgm:styleLbl>
-  <dgm:styleLbl name="node3">
-    <dgm:scene3d>
-      <a:camera prst="orthographicFront"/>
-      <a:lightRig rig="threePt" dir="t"/>
-    </dgm:scene3d>
-    <dgm:sp3d/>
-    <dgm:txPr/>
-    <dgm:style>
-      <a:lnRef idx="2">
-        <a:scrgbClr r="0" g="0" b="0"/>
-      </a:lnRef>
-      <a:fillRef idx="1">
-        <a:scrgbClr r="0" g="0" b="0"/>
-      </a:fillRef>
-      <a:effectRef idx="0">
-        <a:scrgbClr r="0" g="0" b="0"/>
-      </a:effectRef>
-      <a:fontRef idx="minor">
-        <a:schemeClr val="lt1"/>
-      </a:fontRef>
-    </dgm:style>
-  </dgm:styleLbl>
-  <dgm:styleLbl name="node4">
-    <dgm:scene3d>
-      <a:camera prst="orthographicFront"/>
-      <a:lightRig rig="threePt" dir="t"/>
-    </dgm:scene3d>
-    <dgm:sp3d/>
-    <dgm:txPr/>
-    <dgm:style>
-      <a:lnRef idx="2">
-        <a:scrgbClr r="0" g="0" b="0"/>
-      </a:lnRef>
-      <a:fillRef idx="1">
-        <a:scrgbClr r="0" g="0" b="0"/>
-      </a:fillRef>
-      <a:effectRef idx="0">
-        <a:scrgbClr r="0" g="0" b="0"/>
-      </a:effectRef>
-      <a:fontRef idx="minor">
-        <a:schemeClr val="lt1"/>
-      </a:fontRef>
-    </dgm:style>
-  </dgm:styleLbl>
-  <dgm:styleLbl name="fgImgPlace1">
-    <dgm:scene3d>
-      <a:camera prst="orthographicFront"/>
-      <a:lightRig rig="threePt" dir="t"/>
-    </dgm:scene3d>
-    <dgm:sp3d/>
-    <dgm:txPr/>
-    <dgm:style>
-      <a:lnRef idx="2">
-        <a:scrgbClr r="0" g="0" b="0"/>
-      </a:lnRef>
-      <a:fillRef idx="1">
-        <a:scrgbClr r="0" g="0" b="0"/>
-      </a:fillRef>
-      <a:effectRef idx="0">
-        <a:scrgbClr r="0" g="0" b="0"/>
-      </a:effectRef>
-      <a:fontRef idx="minor"/>
-    </dgm:style>
-  </dgm:styleLbl>
-  <dgm:styleLbl name="alignImgPlace1">
-    <dgm:scene3d>
-      <a:camera prst="orthographicFront"/>
-      <a:lightRig rig="threePt" dir="t"/>
-    </dgm:scene3d>
-    <dgm:sp3d/>
-    <dgm:txPr/>
-    <dgm:style>
-      <a:lnRef idx="2">
-        <a:scrgbClr r="0" g="0" b="0"/>
-      </a:lnRef>
-      <a:fillRef idx="1">
-        <a:scrgbClr r="0" g="0" b="0"/>
-      </a:fillRef>
-      <a:effectRef idx="0">
-        <a:scrgbClr r="0" g="0" b="0"/>
-      </a:effectRef>
-      <a:fontRef idx="minor"/>
-    </dgm:style>
-  </dgm:styleLbl>
-  <dgm:styleLbl name="bgImgPlace1">
-    <dgm:scene3d>
-      <a:camera prst="orthographicFront"/>
-      <a:lightRig rig="threePt" dir="t"/>
-    </dgm:scene3d>
-    <dgm:sp3d/>
-    <dgm:txPr/>
-    <dgm:style>
-      <a:lnRef idx="2">
-        <a:scrgbClr r="0" g="0" b="0"/>
-      </a:lnRef>
-      <a:fillRef idx="1">
-        <a:scrgbClr r="0" g="0" b="0"/>
-      </a:fillRef>
-      <a:effectRef idx="0">
-        <a:scrgbClr r="0" g="0" b="0"/>
-      </a:effectRef>
-      <a:fontRef idx="minor"/>
-    </dgm:style>
-  </dgm:styleLbl>
-  <dgm:styleLbl name="sibTrans2D1">
-    <dgm:scene3d>
-      <a:camera prst="orthographicFront"/>
-      <a:lightRig rig="threePt" dir="t"/>
-    </dgm:scene3d>
-    <dgm:sp3d/>
-    <dgm:txPr/>
-    <dgm:style>
-      <a:lnRef idx="0">
-        <a:scrgbClr r="0" g="0" b="0"/>
-      </a:lnRef>
-      <a:fillRef idx="1">
-        <a:scrgbClr r="0" g="0" b="0"/>
-      </a:fillRef>
-      <a:effectRef idx="0">
-        <a:scrgbClr r="0" g="0" b="0"/>
-      </a:effectRef>
-      <a:fontRef idx="minor">
-        <a:schemeClr val="lt1"/>
-      </a:fontRef>
-    </dgm:style>
-  </dgm:styleLbl>
-  <dgm:styleLbl name="fgSibTrans2D1">
-    <dgm:scene3d>
-      <a:camera prst="orthographicFront"/>
-      <a:lightRig rig="threePt" dir="t"/>
-    </dgm:scene3d>
-    <dgm:sp3d/>
-    <dgm:txPr/>
-    <dgm:style>
-      <a:lnRef idx="0">
-        <a:scrgbClr r="0" g="0" b="0"/>
-      </a:lnRef>
-      <a:fillRef idx="1">
-        <a:scrgbClr r="0" g="0" b="0"/>
-      </a:fillRef>
-      <a:effectRef idx="0">
-        <a:scrgbClr r="0" g="0" b="0"/>
-      </a:effectRef>
-      <a:fontRef idx="minor">
-        <a:schemeClr val="lt1"/>
-      </a:fontRef>
-    </dgm:style>
-  </dgm:styleLbl>
-  <dgm:styleLbl name="bgSibTrans2D1">
-    <dgm:scene3d>
-      <a:camera prst="orthographicFront"/>
-      <a:lightRig rig="threePt" dir="t"/>
-    </dgm:scene3d>
-    <dgm:sp3d/>
-    <dgm:txPr/>
-    <dgm:style>
-      <a:lnRef idx="0">
-        <a:scrgbClr r="0" g="0" b="0"/>
-      </a:lnRef>
-      <a:fillRef idx="1">
-        <a:scrgbClr r="0" g="0" b="0"/>
-      </a:fillRef>
-      <a:effectRef idx="0">
-        <a:scrgbClr r="0" g="0" b="0"/>
-      </a:effectRef>
-      <a:fontRef idx="minor">
-        <a:schemeClr val="lt1"/>
-      </a:fontRef>
-    </dgm:style>
-  </dgm:styleLbl>
-  <dgm:styleLbl name="sibTrans1D1">
-    <dgm:scene3d>
-      <a:camera prst="orthographicFront"/>
-      <a:lightRig rig="threePt" dir="t"/>
-    </dgm:scene3d>
-    <dgm:sp3d/>
-    <dgm:txPr/>
-    <dgm:style>
-      <a:lnRef idx="1">
-        <a:scrgbClr r="0" g="0" b="0"/>
-      </a:lnRef>
-      <a:fillRef idx="0">
-        <a:scrgbClr r="0" g="0" b="0"/>
-      </a:fillRef>
-      <a:effectRef idx="0">
-        <a:scrgbClr r="0" g="0" b="0"/>
-      </a:effectRef>
-      <a:fontRef idx="minor"/>
-    </dgm:style>
-  </dgm:styleLbl>
-  <dgm:styleLbl name="callout">
-    <dgm:scene3d>
-      <a:camera prst="orthographicFront"/>
-      <a:lightRig rig="threePt" dir="t"/>
-    </dgm:scene3d>
-    <dgm:sp3d/>
-    <dgm:txPr/>
-    <dgm:style>
-      <a:lnRef idx="2">
-        <a:scrgbClr r="0" g="0" b="0"/>
-      </a:lnRef>
-      <a:fillRef idx="1">
-        <a:scrgbClr r="0" g="0" b="0"/>
-      </a:fillRef>
-      <a:effectRef idx="0">
-        <a:scrgbClr r="0" g="0" b="0"/>
-      </a:effectRef>
-      <a:fontRef idx="minor"/>
-    </dgm:style>
-  </dgm:styleLbl>
-  <dgm:styleLbl name="asst0">
-    <dgm:scene3d>
-      <a:camera prst="orthographicFront"/>
-      <a:lightRig rig="threePt" dir="t"/>
-    </dgm:scene3d>
-    <dgm:sp3d/>
-    <dgm:txPr/>
-    <dgm:style>
-      <a:lnRef idx="2">
-        <a:scrgbClr r="0" g="0" b="0"/>
-      </a:lnRef>
-      <a:fillRef idx="1">
-        <a:scrgbClr r="0" g="0" b="0"/>
-      </a:fillRef>
-      <a:effectRef idx="0">
-        <a:scrgbClr r="0" g="0" b="0"/>
-      </a:effectRef>
-      <a:fontRef idx="minor">
-        <a:schemeClr val="lt1"/>
-      </a:fontRef>
-    </dgm:style>
-  </dgm:styleLbl>
-  <dgm:styleLbl name="asst1">
-    <dgm:scene3d>
-      <a:camera prst="orthographicFront"/>
-      <a:lightRig rig="threePt" dir="t"/>
-    </dgm:scene3d>
-    <dgm:sp3d/>
-    <dgm:txPr/>
-    <dgm:style>
-      <a:lnRef idx="2">
-        <a:scrgbClr r="0" g="0" b="0"/>
-      </a:lnRef>
-      <a:fillRef idx="1">
-        <a:scrgbClr r="0" g="0" b="0"/>
-      </a:fillRef>
-      <a:effectRef idx="0">
-        <a:scrgbClr r="0" g="0" b="0"/>
-      </a:effectRef>
-      <a:fontRef idx="minor">
-        <a:schemeClr val="lt1"/>
-      </a:fontRef>
-    </dgm:style>
-  </dgm:styleLbl>
-  <dgm:styleLbl name="asst2">
-    <dgm:scene3d>
-      <a:camera prst="orthographicFront"/>
-      <a:lightRig rig="threePt" dir="t"/>
-    </dgm:scene3d>
-    <dgm:sp3d/>
-    <dgm:txPr/>
-    <dgm:style>
-      <a:lnRef idx="2">
-        <a:scrgbClr r="0" g="0" b="0"/>
-      </a:lnRef>
-      <a:fillRef idx="1">
-        <a:scrgbClr r="0" g="0" b="0"/>
-      </a:fillRef>
-      <a:effectRef idx="0">
-        <a:scrgbClr r="0" g="0" b="0"/>
-      </a:effectRef>
-      <a:fontRef idx="minor">
-        <a:schemeClr val="lt1"/>
-      </a:fontRef>
-    </dgm:style>
-  </dgm:styleLbl>
-  <dgm:styleLbl name="asst3">
-    <dgm:scene3d>
-      <a:camera prst="orthographicFront"/>
-      <a:lightRig rig="threePt" dir="t"/>
-    </dgm:scene3d>
-    <dgm:sp3d/>
-    <dgm:txPr/>
-    <dgm:style>
-      <a:lnRef idx="2">
-        <a:scrgbClr r="0" g="0" b="0"/>
-      </a:lnRef>
-      <a:fillRef idx="1">
-        <a:scrgbClr r="0" g="0" b="0"/>
-      </a:fillRef>
-      <a:effectRef idx="0">
-        <a:scrgbClr r="0" g="0" b="0"/>
-      </a:effectRef>
-      <a:fontRef idx="minor">
-        <a:schemeClr val="lt1"/>
-      </a:fontRef>
-    </dgm:style>
-  </dgm:styleLbl>
-  <dgm:styleLbl name="asst4">
-    <dgm:scene3d>
-      <a:camera prst="orthographicFront"/>
-      <a:lightRig rig="threePt" dir="t"/>
-    </dgm:scene3d>
-    <dgm:sp3d/>
-    <dgm:txPr/>
-    <dgm:style>
-      <a:lnRef idx="2">
-        <a:scrgbClr r="0" g="0" b="0"/>
-      </a:lnRef>
-      <a:fillRef idx="1">
-        <a:scrgbClr r="0" g="0" b="0"/>
-      </a:fillRef>
-      <a:effectRef idx="0">
-        <a:scrgbClr r="0" g="0" b="0"/>
-      </a:effectRef>
-      <a:fontRef idx="minor">
-        <a:schemeClr val="lt1"/>
-      </a:fontRef>
-    </dgm:style>
-  </dgm:styleLbl>
-  <dgm:styleLbl name="parChTrans2D1">
-    <dgm:scene3d>
-      <a:camera prst="orthographicFront"/>
-      <a:lightRig rig="threePt" dir="t"/>
-    </dgm:scene3d>
-    <dgm:sp3d/>
-    <dgm:txPr/>
-    <dgm:style>
-      <a:lnRef idx="2">
-        <a:scrgbClr r="0" g="0" b="0"/>
-      </a:lnRef>
-      <a:fillRef idx="1">
-        <a:scrgbClr r="0" g="0" b="0"/>
-      </a:fillRef>
-      <a:effectRef idx="0">
-        <a:scrgbClr r="0" g="0" b="0"/>
-      </a:effectRef>
-      <a:fontRef idx="minor">
-        <a:schemeClr val="lt1"/>
-      </a:fontRef>
-    </dgm:style>
-  </dgm:styleLbl>
-  <dgm:styleLbl name="parChTrans2D2">
-    <dgm:scene3d>
-      <a:camera prst="orthographicFront"/>
-      <a:lightRig rig="threePt" dir="t"/>
-    </dgm:scene3d>
-    <dgm:sp3d/>
-    <dgm:txPr/>
-    <dgm:style>
-      <a:lnRef idx="2">
-        <a:scrgbClr r="0" g="0" b="0"/>
-      </a:lnRef>
-      <a:fillRef idx="1">
-        <a:scrgbClr r="0" g="0" b="0"/>
-      </a:fillRef>
-      <a:effectRef idx="0">
-        <a:scrgbClr r="0" g="0" b="0"/>
-      </a:effectRef>
-      <a:fontRef idx="minor">
-        <a:schemeClr val="lt1"/>
-      </a:fontRef>
-    </dgm:style>
-  </dgm:styleLbl>
-  <dgm:styleLbl name="parChTrans2D3">
-    <dgm:scene3d>
-      <a:camera prst="orthographicFront"/>
-      <a:lightRig rig="threePt" dir="t"/>
-    </dgm:scene3d>
-    <dgm:sp3d/>
-    <dgm:txPr/>
-    <dgm:style>
-      <a:lnRef idx="2">
-        <a:scrgbClr r="0" g="0" b="0"/>
-      </a:lnRef>
-      <a:fillRef idx="1">
-        <a:scrgbClr r="0" g="0" b="0"/>
-      </a:fillRef>
-      <a:effectRef idx="0">
-        <a:scrgbClr r="0" g="0" b="0"/>
-      </a:effectRef>
-      <a:fontRef idx="minor">
-        <a:schemeClr val="lt1"/>
-      </a:fontRef>
-    </dgm:style>
-  </dgm:styleLbl>
-  <dgm:styleLbl name="parChTrans2D4">
-    <dgm:scene3d>
-      <a:camera prst="orthographicFront"/>
-      <a:lightRig rig="threePt" dir="t"/>
-    </dgm:scene3d>
-    <dgm:sp3d/>
-    <dgm:txPr/>
-    <dgm:style>
-      <a:lnRef idx="2">
-        <a:scrgbClr r="0" g="0" b="0"/>
-      </a:lnRef>
-      <a:fillRef idx="1">
-        <a:scrgbClr r="0" g="0" b="0"/>
-      </a:fillRef>
-      <a:effectRef idx="0">
-        <a:scrgbClr r="0" g="0" b="0"/>
-      </a:effectRef>
-      <a:fontRef idx="minor">
-        <a:schemeClr val="lt1"/>
-      </a:fontRef>
-    </dgm:style>
-  </dgm:styleLbl>
-  <dgm:styleLbl name="parChTrans1D1">
-    <dgm:scene3d>
-      <a:camera prst="orthographicFront"/>
-      <a:lightRig rig="threePt" dir="t"/>
-    </dgm:scene3d>
-    <dgm:sp3d/>
-    <dgm:txPr/>
-    <dgm:style>
-      <a:lnRef idx="2">
-        <a:scrgbClr r="0" g="0" b="0"/>
-      </a:lnRef>
-      <a:fillRef idx="0">
-        <a:scrgbClr r="0" g="0" b="0"/>
-      </a:fillRef>
-      <a:effectRef idx="0">
-        <a:scrgbClr r="0" g="0" b="0"/>
-      </a:effectRef>
-      <a:fontRef idx="minor"/>
-    </dgm:style>
-  </dgm:styleLbl>
-  <dgm:styleLbl name="parChTrans1D2">
-    <dgm:scene3d>
-      <a:camera prst="orthographicFront"/>
-      <a:lightRig rig="threePt" dir="t"/>
-    </dgm:scene3d>
-    <dgm:sp3d/>
-    <dgm:txPr/>
-    <dgm:style>
-      <a:lnRef idx="2">
-        <a:scrgbClr r="0" g="0" b="0"/>
-      </a:lnRef>
-      <a:fillRef idx="0">
-        <a:scrgbClr r="0" g="0" b="0"/>
-      </a:fillRef>
-      <a:effectRef idx="0">
-        <a:scrgbClr r="0" g="0" b="0"/>
-      </a:effectRef>
-      <a:fontRef idx="minor"/>
-    </dgm:style>
-  </dgm:styleLbl>
-  <dgm:styleLbl name="parChTrans1D3">
-    <dgm:scene3d>
-      <a:camera prst="orthographicFront"/>
-      <a:lightRig rig="threePt" dir="t"/>
-    </dgm:scene3d>
-    <dgm:sp3d/>
-    <dgm:txPr/>
-    <dgm:style>
-      <a:lnRef idx="2">
-        <a:scrgbClr r="0" g="0" b="0"/>
-      </a:lnRef>
-      <a:fillRef idx="0">
-        <a:scrgbClr r="0" g="0" b="0"/>
-      </a:fillRef>
-      <a:effectRef idx="0">
-        <a:scrgbClr r="0" g="0" b="0"/>
-      </a:effectRef>
-      <a:fontRef idx="minor"/>
-    </dgm:style>
-  </dgm:styleLbl>
-  <dgm:styleLbl name="parChTrans1D4">
-    <dgm:scene3d>
-      <a:camera prst="orthographicFront"/>
-      <a:lightRig rig="threePt" dir="t"/>
-    </dgm:scene3d>
-    <dgm:sp3d/>
-    <dgm:txPr/>
-    <dgm:style>
-      <a:lnRef idx="2">
-        <a:scrgbClr r="0" g="0" b="0"/>
-      </a:lnRef>
-      <a:fillRef idx="0">
-        <a:scrgbClr r="0" g="0" b="0"/>
-      </a:fillRef>
-      <a:effectRef idx="0">
-        <a:scrgbClr r="0" g="0" b="0"/>
-      </a:effectRef>
-      <a:fontRef idx="minor"/>
-    </dgm:style>
-  </dgm:styleLbl>
-  <dgm:styleLbl name="fgAcc1">
-    <dgm:scene3d>
-      <a:camera prst="orthographicFront"/>
-      <a:lightRig rig="threePt" dir="t"/>
-    </dgm:scene3d>
-    <dgm:sp3d/>
-    <dgm:txPr/>
-    <dgm:style>
-      <a:lnRef idx="2">
-        <a:scrgbClr r="0" g="0" b="0"/>
-      </a:lnRef>
-      <a:fillRef idx="1">
-        <a:scrgbClr r="0" g="0" b="0"/>
-      </a:fillRef>
-      <a:effectRef idx="0">
-        <a:scrgbClr r="0" g="0" b="0"/>
-      </a:effectRef>
-      <a:fontRef idx="minor"/>
-    </dgm:style>
-  </dgm:styleLbl>
-  <dgm:styleLbl name="conFgAcc1">
-    <dgm:scene3d>
-      <a:camera prst="orthographicFront"/>
-      <a:lightRig rig="threePt" dir="t"/>
-    </dgm:scene3d>
-    <dgm:sp3d/>
-    <dgm:txPr/>
-    <dgm:style>
-      <a:lnRef idx="2">
-        <a:scrgbClr r="0" g="0" b="0"/>
-      </a:lnRef>
-      <a:fillRef idx="1">
-        <a:scrgbClr r="0" g="0" b="0"/>
-      </a:fillRef>
-      <a:effectRef idx="0">
-        <a:scrgbClr r="0" g="0" b="0"/>
-      </a:effectRef>
-      <a:fontRef idx="minor"/>
-    </dgm:style>
-  </dgm:styleLbl>
-  <dgm:styleLbl name="alignAcc1">
-    <dgm:scene3d>
-      <a:camera prst="orthographicFront"/>
-      <a:lightRig rig="threePt" dir="t"/>
-    </dgm:scene3d>
-    <dgm:sp3d/>
-    <dgm:txPr/>
-    <dgm:style>
-      <a:lnRef idx="2">
-        <a:scrgbClr r="0" g="0" b="0"/>
-      </a:lnRef>
-      <a:fillRef idx="1">
-        <a:scrgbClr r="0" g="0" b="0"/>
-      </a:fillRef>
-      <a:effectRef idx="0">
-        <a:scrgbClr r="0" g="0" b="0"/>
-      </a:effectRef>
-      <a:fontRef idx="minor"/>
-    </dgm:style>
-  </dgm:styleLbl>
-  <dgm:styleLbl name="trAlignAcc1">
-    <dgm:scene3d>
-      <a:camera prst="orthographicFront"/>
-      <a:lightRig rig="threePt" dir="t"/>
-    </dgm:scene3d>
-    <dgm:sp3d/>
-    <dgm:txPr/>
-    <dgm:style>
-      <a:lnRef idx="1">
-        <a:scrgbClr r="0" g="0" b="0"/>
-      </a:lnRef>
-      <a:fillRef idx="1">
-        <a:scrgbClr r="0" g="0" b="0"/>
-      </a:fillRef>
-      <a:effectRef idx="0">
-        <a:scrgbClr r="0" g="0" b="0"/>
-      </a:effectRef>
-      <a:fontRef idx="minor"/>
-    </dgm:style>
-  </dgm:styleLbl>
-  <dgm:styleLbl name="bgAcc1">
-    <dgm:scene3d>
-      <a:camera prst="orthographicFront"/>
-      <a:lightRig rig="threePt" dir="t"/>
-    </dgm:scene3d>
-    <dgm:sp3d/>
-    <dgm:txPr/>
-    <dgm:style>
-      <a:lnRef idx="2">
-        <a:scrgbClr r="0" g="0" b="0"/>
-      </a:lnRef>
-      <a:fillRef idx="1">
-        <a:scrgbClr r="0" g="0" b="0"/>
-      </a:fillRef>
-      <a:effectRef idx="0">
-        <a:scrgbClr r="0" g="0" b="0"/>
-      </a:effectRef>
-      <a:fontRef idx="minor"/>
-    </dgm:style>
-  </dgm:styleLbl>
-  <dgm:styleLbl name="solidFgAcc1">
-    <dgm:scene3d>
-      <a:camera prst="orthographicFront"/>
-      <a:lightRig rig="threePt" dir="t"/>
-    </dgm:scene3d>
-    <dgm:sp3d/>
-    <dgm:txPr/>
-    <dgm:style>
-      <a:lnRef idx="2">
-        <a:scrgbClr r="0" g="0" b="0"/>
-      </a:lnRef>
-      <a:fillRef idx="1">
-        <a:scrgbClr r="0" g="0" b="0"/>
-      </a:fillRef>
-      <a:effectRef idx="0">
-        <a:scrgbClr r="0" g="0" b="0"/>
-      </a:effectRef>
-      <a:fontRef idx="minor"/>
-    </dgm:style>
-  </dgm:styleLbl>
-  <dgm:styleLbl name="solidAlignAcc1">
-    <dgm:scene3d>
-      <a:camera prst="orthographicFront"/>
-      <a:lightRig rig="threePt" dir="t"/>
-    </dgm:scene3d>
-    <dgm:sp3d/>
-    <dgm:txPr/>
-    <dgm:style>
-      <a:lnRef idx="2">
-        <a:scrgbClr r="0" g="0" b="0"/>
-      </a:lnRef>
-      <a:fillRef idx="1">
-        <a:scrgbClr r="0" g="0" b="0"/>
-      </a:fillRef>
-      <a:effectRef idx="0">
-        <a:scrgbClr r="0" g="0" b="0"/>
-      </a:effectRef>
-      <a:fontRef idx="minor"/>
-    </dgm:style>
-  </dgm:styleLbl>
-  <dgm:styleLbl name="solidBgAcc1">
-    <dgm:scene3d>
-      <a:camera prst="orthographicFront"/>
-      <a:lightRig rig="threePt" dir="t"/>
-    </dgm:scene3d>
-    <dgm:sp3d/>
-    <dgm:txPr/>
-    <dgm:style>
-      <a:lnRef idx="2">
-        <a:scrgbClr r="0" g="0" b="0"/>
-      </a:lnRef>
-      <a:fillRef idx="1">
-        <a:scrgbClr r="0" g="0" b="0"/>
-      </a:fillRef>
-      <a:effectRef idx="0">
-        <a:scrgbClr r="0" g="0" b="0"/>
-      </a:effectRef>
-      <a:fontRef idx="minor"/>
-    </dgm:style>
-  </dgm:styleLbl>
-  <dgm:styleLbl name="fgAccFollowNode1">
-    <dgm:scene3d>
-      <a:camera prst="orthographicFront"/>
-      <a:lightRig rig="threePt" dir="t"/>
-    </dgm:scene3d>
-    <dgm:sp3d/>
-    <dgm:txPr/>
-    <dgm:style>
-      <a:lnRef idx="2">
-        <a:scrgbClr r="0" g="0" b="0"/>
-      </a:lnRef>
-      <a:fillRef idx="1">
-        <a:scrgbClr r="0" g="0" b="0"/>
-      </a:fillRef>
-      <a:effectRef idx="0">
-        <a:scrgbClr r="0" g="0" b="0"/>
-      </a:effectRef>
-      <a:fontRef idx="minor"/>
-    </dgm:style>
-  </dgm:styleLbl>
-  <dgm:styleLbl name="alignAccFollowNode1">
-    <dgm:scene3d>
-      <a:camera prst="orthographicFront"/>
-      <a:lightRig rig="threePt" dir="t"/>
-    </dgm:scene3d>
-    <dgm:sp3d/>
-    <dgm:txPr/>
-    <dgm:style>
-      <a:lnRef idx="2">
-        <a:scrgbClr r="0" g="0" b="0"/>
-      </a:lnRef>
-      <a:fillRef idx="1">
-        <a:scrgbClr r="0" g="0" b="0"/>
-      </a:fillRef>
-      <a:effectRef idx="0">
-        <a:scrgbClr r="0" g="0" b="0"/>
-      </a:effectRef>
-      <a:fontRef idx="minor"/>
-    </dgm:style>
-  </dgm:styleLbl>
-  <dgm:styleLbl name="bgAccFollowNode1">
-    <dgm:scene3d>
-      <a:camera prst="orthographicFront"/>
-      <a:lightRig rig="threePt" dir="t"/>
-    </dgm:scene3d>
-    <dgm:sp3d/>
-    <dgm:txPr/>
-    <dgm:style>
-      <a:lnRef idx="2">
-        <a:scrgbClr r="0" g="0" b="0"/>
-      </a:lnRef>
-      <a:fillRef idx="1">
-        <a:scrgbClr r="0" g="0" b="0"/>
-      </a:fillRef>
-      <a:effectRef idx="0">
-        <a:scrgbClr r="0" g="0" b="0"/>
-      </a:effectRef>
-      <a:fontRef idx="minor"/>
-    </dgm:style>
-  </dgm:styleLbl>
-  <dgm:styleLbl name="fgAcc0">
-    <dgm:scene3d>
-      <a:camera prst="orthographicFront"/>
-      <a:lightRig rig="threePt" dir="t"/>
-    </dgm:scene3d>
-    <dgm:sp3d/>
-    <dgm:txPr/>
-    <dgm:style>
-      <a:lnRef idx="2">
-        <a:scrgbClr r="0" g="0" b="0"/>
-      </a:lnRef>
-      <a:fillRef idx="1">
-        <a:scrgbClr r="0" g="0" b="0"/>
-      </a:fillRef>
-      <a:effectRef idx="0">
-        <a:scrgbClr r="0" g="0" b="0"/>
-      </a:effectRef>
-      <a:fontRef idx="minor"/>
-    </dgm:style>
-  </dgm:styleLbl>
-  <dgm:styleLbl name="fgAcc2">
-    <dgm:scene3d>
-      <a:camera prst="orthographicFront"/>
-      <a:lightRig rig="threePt" dir="t"/>
-    </dgm:scene3d>
-    <dgm:sp3d/>
-    <dgm:txPr/>
-    <dgm:style>
-      <a:lnRef idx="2">
-        <a:scrgbClr r="0" g="0" b="0"/>
-      </a:lnRef>
-      <a:fillRef idx="1">
-        <a:scrgbClr r="0" g="0" b="0"/>
-      </a:fillRef>
-      <a:effectRef idx="0">
-        <a:scrgbClr r="0" g="0" b="0"/>
-      </a:effectRef>
-      <a:fontRef idx="minor"/>
-    </dgm:style>
-  </dgm:styleLbl>
-  <dgm:styleLbl name="fgAcc3">
-    <dgm:scene3d>
-      <a:camera prst="orthographicFront"/>
-      <a:lightRig rig="threePt" dir="t"/>
-    </dgm:scene3d>
-    <dgm:sp3d/>
-    <dgm:txPr/>
-    <dgm:style>
-      <a:lnRef idx="2">
-        <a:scrgbClr r="0" g="0" b="0"/>
-      </a:lnRef>
-      <a:fillRef idx="1">
-        <a:scrgbClr r="0" g="0" b="0"/>
-      </a:fillRef>
-      <a:effectRef idx="0">
-        <a:scrgbClr r="0" g="0" b="0"/>
-      </a:effectRef>
-      <a:fontRef idx="minor"/>
-    </dgm:style>
-  </dgm:styleLbl>
-  <dgm:styleLbl name="fgAcc4">
-    <dgm:scene3d>
-      <a:camera prst="orthographicFront"/>
-      <a:lightRig rig="threePt" dir="t"/>
-    </dgm:scene3d>
-    <dgm:sp3d/>
-    <dgm:txPr/>
-    <dgm:style>
-      <a:lnRef idx="2">
-        <a:scrgbClr r="0" g="0" b="0"/>
-      </a:lnRef>
-      <a:fillRef idx="1">
-        <a:scrgbClr r="0" g="0" b="0"/>
-      </a:fillRef>
-      <a:effectRef idx="0">
-        <a:scrgbClr r="0" g="0" b="0"/>
-      </a:effectRef>
-      <a:fontRef idx="minor"/>
-    </dgm:style>
-  </dgm:styleLbl>
-  <dgm:styleLbl name="bgShp">
-    <dgm:scene3d>
-      <a:camera prst="orthographicFront"/>
-      <a:lightRig rig="threePt" dir="t"/>
-    </dgm:scene3d>
-    <dgm:sp3d/>
-    <dgm:txPr/>
-    <dgm:style>
-      <a:lnRef idx="0">
-        <a:scrgbClr r="0" g="0" b="0"/>
-      </a:lnRef>
-      <a:fillRef idx="1">
-        <a:scrgbClr r="0" g="0" b="0"/>
-      </a:fillRef>
-      <a:effectRef idx="0">
-        <a:scrgbClr r="0" g="0" b="0"/>
-      </a:effectRef>
-      <a:fontRef idx="minor"/>
-    </dgm:style>
-  </dgm:styleLbl>
-  <dgm:styleLbl name="dkBgShp">
-    <dgm:scene3d>
-      <a:camera prst="orthographicFront"/>
-      <a:lightRig rig="threePt" dir="t"/>
-    </dgm:scene3d>
-    <dgm:sp3d/>
-    <dgm:txPr/>
-    <dgm:style>
-      <a:lnRef idx="0">
-        <a:scrgbClr r="0" g="0" b="0"/>
-      </a:lnRef>
-      <a:fillRef idx="1">
-        <a:scrgbClr r="0" g="0" b="0"/>
-      </a:fillRef>
-      <a:effectRef idx="0">
-        <a:scrgbClr r="0" g="0" b="0"/>
-      </a:effectRef>
-      <a:fontRef idx="minor"/>
-    </dgm:style>
-  </dgm:styleLbl>
-  <dgm:styleLbl name="trBgShp">
-    <dgm:scene3d>
-      <a:camera prst="orthographicFront"/>
-      <a:lightRig rig="threePt" dir="t"/>
-    </dgm:scene3d>
-    <dgm:sp3d/>
-    <dgm:txPr/>
-    <dgm:style>
-      <a:lnRef idx="0">
-        <a:scrgbClr r="0" g="0" b="0"/>
-      </a:lnRef>
-      <a:fillRef idx="1">
-        <a:scrgbClr r="0" g="0" b="0"/>
-      </a:fillRef>
-      <a:effectRef idx="0">
-        <a:scrgbClr r="0" g="0" b="0"/>
-      </a:effectRef>
-      <a:fontRef idx="minor"/>
-    </dgm:style>
-  </dgm:styleLbl>
-  <dgm:styleLbl name="fgShp">
-    <dgm:scene3d>
-      <a:camera prst="orthographicFront"/>
-      <a:lightRig rig="threePt" dir="t"/>
-    </dgm:scene3d>
-    <dgm:sp3d/>
-    <dgm:txPr/>
-    <dgm:style>
-      <a:lnRef idx="2">
-        <a:scrgbClr r="0" g="0" b="0"/>
-      </a:lnRef>
-      <a:fillRef idx="1">
-        <a:scrgbClr r="0" g="0" b="0"/>
-      </a:fillRef>
-      <a:effectRef idx="0">
-        <a:scrgbClr r="0" g="0" b="0"/>
-      </a:effectRef>
-      <a:fontRef idx="minor"/>
-    </dgm:style>
-  </dgm:styleLbl>
-  <dgm:styleLbl name="revTx">
-    <dgm:scene3d>
-      <a:camera prst="orthographicFront"/>
-      <a:lightRig rig="threePt" dir="t"/>
-    </dgm:scene3d>
-    <dgm:sp3d/>
-    <dgm:txPr/>
-    <dgm:style>
-      <a:lnRef idx="0">
-        <a:scrgbClr r="0" g="0" b="0"/>
-      </a:lnRef>
-      <a:fillRef idx="0">
-        <a:scrgbClr r="0" g="0" b="0"/>
-      </a:fillRef>
-      <a:effectRef idx="0">
-        <a:scrgbClr r="0" g="0" b="0"/>
-      </a:effectRef>
-      <a:fontRef idx="minor"/>
-    </dgm:style>
-  </dgm:styleLbl>
-</dgm:styleDef>
+<file path=ppt/notesMasters/notesMaster1.xml><?xml version="1.0" encoding="utf-8"?>
+<p:notesMaster xmlns:a="http://schemas.openxmlformats.org/drawingml/2006/main" xmlns:r="http://schemas.openxmlformats.org/officeDocument/2006/relationships" xmlns:p="http://schemas.openxmlformats.org/presentationml/2006/main">
+  <p:cSld>
+    <p:bg>
+      <p:bgRef idx="1001">
+        <a:schemeClr val="bg1"/>
+      </p:bgRef>
+    </p:bg>
+    <p:spTree>
+      <p:nvGrpSpPr>
+        <p:cNvPr id="1" name=""/>
+        <p:cNvGrpSpPr/>
+        <p:nvPr/>
+      </p:nvGrpSpPr>
+      <p:grpSpPr>
+        <a:xfrm>
+          <a:off x="0" y="0"/>
+          <a:ext cx="0" cy="0"/>
+          <a:chOff x="0" y="0"/>
+          <a:chExt cx="0" cy="0"/>
+        </a:xfrm>
+      </p:grpSpPr>
+      <p:sp>
+        <p:nvSpPr>
+          <p:cNvPr id="2" name="Header Placeholder 1"/>
+          <p:cNvSpPr>
+            <a:spLocks noGrp="1"/>
+          </p:cNvSpPr>
+          <p:nvPr>
+            <p:ph type="hdr" sz="quarter"/>
+          </p:nvPr>
+        </p:nvSpPr>
+        <p:spPr>
+          <a:xfrm>
+            <a:off x="0" y="0"/>
+            <a:ext cx="2971800" cy="458788"/>
+          </a:xfrm>
+          <a:prstGeom prst="rect">
+            <a:avLst/>
+          </a:prstGeom>
+        </p:spPr>
+        <p:txBody>
+          <a:bodyPr vert="horz" lIns="91440" tIns="45720" rIns="91440" bIns="45720" rtlCol="0"/>
+          <a:lstStyle>
+            <a:lvl1pPr algn="l">
+              <a:defRPr sz="1200"/>
+            </a:lvl1pPr>
+          </a:lstStyle>
+          <a:p>
+            <a:endParaRPr lang="en-IN"/>
+          </a:p>
+        </p:txBody>
+      </p:sp>
+      <p:sp>
+        <p:nvSpPr>
+          <p:cNvPr id="3" name="Date Placeholder 2"/>
+          <p:cNvSpPr>
+            <a:spLocks noGrp="1"/>
+          </p:cNvSpPr>
+          <p:nvPr>
+            <p:ph type="dt" idx="1"/>
+          </p:nvPr>
+        </p:nvSpPr>
+        <p:spPr>
+          <a:xfrm>
+            <a:off x="3884613" y="0"/>
+            <a:ext cx="2971800" cy="458788"/>
+          </a:xfrm>
+          <a:prstGeom prst="rect">
+            <a:avLst/>
+          </a:prstGeom>
+        </p:spPr>
+        <p:txBody>
+          <a:bodyPr vert="horz" lIns="91440" tIns="45720" rIns="91440" bIns="45720" rtlCol="0"/>
+          <a:lstStyle>
+            <a:lvl1pPr algn="r">
+              <a:defRPr sz="1200"/>
+            </a:lvl1pPr>
+          </a:lstStyle>
+          <a:p>
+            <a:fld id="{EDB04B4E-5F83-42FE-9702-5877446D7163}" type="datetimeFigureOut">
+              <a:rPr lang="en-IN" smtClean="0"/>
+              <a:t>27-02-2026</a:t>
+            </a:fld>
+            <a:endParaRPr lang="en-IN"/>
+          </a:p>
+        </p:txBody>
+      </p:sp>
+      <p:sp>
+        <p:nvSpPr>
+          <p:cNvPr id="4" name="Slide Image Placeholder 3"/>
+          <p:cNvSpPr>
+            <a:spLocks noGrp="1" noRot="1" noChangeAspect="1"/>
+          </p:cNvSpPr>
+          <p:nvPr>
+            <p:ph type="sldImg" idx="2"/>
+          </p:nvPr>
+        </p:nvSpPr>
+        <p:spPr>
+          <a:xfrm>
+            <a:off x="685800" y="1143000"/>
+            <a:ext cx="5486400" cy="3086100"/>
+          </a:xfrm>
+          <a:prstGeom prst="rect">
+            <a:avLst/>
+          </a:prstGeom>
+          <a:noFill/>
+          <a:ln w="12700">
+            <a:solidFill>
+              <a:prstClr val="black"/>
+            </a:solidFill>
+          </a:ln>
+        </p:spPr>
+        <p:txBody>
+          <a:bodyPr vert="horz" lIns="91440" tIns="45720" rIns="91440" bIns="45720" rtlCol="0" anchor="ctr"/>
+          <a:lstStyle/>
+          <a:p>
+            <a:endParaRPr lang="en-IN"/>
+          </a:p>
+        </p:txBody>
+      </p:sp>
+      <p:sp>
+        <p:nvSpPr>
+          <p:cNvPr id="5" name="Notes Placeholder 4"/>
+          <p:cNvSpPr>
+            <a:spLocks noGrp="1"/>
+          </p:cNvSpPr>
+          <p:nvPr>
+            <p:ph type="body" sz="quarter" idx="3"/>
+          </p:nvPr>
+        </p:nvSpPr>
+        <p:spPr>
+          <a:xfrm>
+            <a:off x="685800" y="4400550"/>
+            <a:ext cx="5486400" cy="3600450"/>
+          </a:xfrm>
+          <a:prstGeom prst="rect">
+            <a:avLst/>
+          </a:prstGeom>
+        </p:spPr>
+        <p:txBody>
+          <a:bodyPr vert="horz" lIns="91440" tIns="45720" rIns="91440" bIns="45720" rtlCol="0"/>
+          <a:lstStyle/>
+          <a:p>
+            <a:pPr lvl="0"/>
+            <a:r>
+              <a:rPr lang="en-US"/>
+              <a:t>Click to edit Master text styles</a:t>
+            </a:r>
+          </a:p>
+          <a:p>
+            <a:pPr lvl="1"/>
+            <a:r>
+              <a:rPr lang="en-US"/>
+              <a:t>Second level</a:t>
+            </a:r>
+          </a:p>
+          <a:p>
+            <a:pPr lvl="2"/>
+            <a:r>
+              <a:rPr lang="en-US"/>
+              <a:t>Third level</a:t>
+            </a:r>
+          </a:p>
+          <a:p>
+            <a:pPr lvl="3"/>
+            <a:r>
+              <a:rPr lang="en-US"/>
+              <a:t>Fourth level</a:t>
+            </a:r>
+          </a:p>
+          <a:p>
+            <a:pPr lvl="4"/>
+            <a:r>
+              <a:rPr lang="en-US"/>
+              <a:t>Fifth level</a:t>
+            </a:r>
+            <a:endParaRPr lang="en-IN"/>
+          </a:p>
+        </p:txBody>
+      </p:sp>
+      <p:sp>
+        <p:nvSpPr>
+          <p:cNvPr id="6" name="Footer Placeholder 5"/>
+          <p:cNvSpPr>
+            <a:spLocks noGrp="1"/>
+          </p:cNvSpPr>
+          <p:nvPr>
+            <p:ph type="ftr" sz="quarter" idx="4"/>
+          </p:nvPr>
+        </p:nvSpPr>
+        <p:spPr>
+          <a:xfrm>
+            <a:off x="0" y="8685213"/>
+            <a:ext cx="2971800" cy="458787"/>
+          </a:xfrm>
+          <a:prstGeom prst="rect">
+            <a:avLst/>
+          </a:prstGeom>
+        </p:spPr>
+        <p:txBody>
+          <a:bodyPr vert="horz" lIns="91440" tIns="45720" rIns="91440" bIns="45720" rtlCol="0" anchor="b"/>
+          <a:lstStyle>
+            <a:lvl1pPr algn="l">
+              <a:defRPr sz="1200"/>
+            </a:lvl1pPr>
+          </a:lstStyle>
+          <a:p>
+            <a:endParaRPr lang="en-IN"/>
+          </a:p>
+        </p:txBody>
+      </p:sp>
+      <p:sp>
+        <p:nvSpPr>
+          <p:cNvPr id="7" name="Slide Number Placeholder 6"/>
+          <p:cNvSpPr>
+            <a:spLocks noGrp="1"/>
+          </p:cNvSpPr>
+          <p:nvPr>
+            <p:ph type="sldNum" sz="quarter" idx="5"/>
+          </p:nvPr>
+        </p:nvSpPr>
+        <p:spPr>
+          <a:xfrm>
+            <a:off x="3884613" y="8685213"/>
+            <a:ext cx="2971800" cy="458787"/>
+          </a:xfrm>
+          <a:prstGeom prst="rect">
+            <a:avLst/>
+          </a:prstGeom>
+        </p:spPr>
+        <p:txBody>
+          <a:bodyPr vert="horz" lIns="91440" tIns="45720" rIns="91440" bIns="45720" rtlCol="0" anchor="b"/>
+          <a:lstStyle>
+            <a:lvl1pPr algn="r">
+              <a:defRPr sz="1200"/>
+            </a:lvl1pPr>
+          </a:lstStyle>
+          <a:p>
+            <a:fld id="{A2F262E5-3DE5-4F74-AE01-FD6D51646C18}" type="slidenum">
+              <a:rPr lang="en-IN" smtClean="0"/>
+              <a:t>‹#›</a:t>
+            </a:fld>
+            <a:endParaRPr lang="en-IN"/>
+          </a:p>
+        </p:txBody>
+      </p:sp>
+    </p:spTree>
+    <p:extLst>
+      <p:ext uri="{BB962C8B-B14F-4D97-AF65-F5344CB8AC3E}">
+        <p14:creationId xmlns:p14="http://schemas.microsoft.com/office/powerpoint/2010/main" val="3215190251"/>
+      </p:ext>
+    </p:extLst>
+  </p:cSld>
+  <p:clrMap bg1="lt1" tx1="dk1" bg2="lt2" tx2="dk2" accent1="accent1" accent2="accent2" accent3="accent3" accent4="accent4" accent5="accent5" accent6="accent6" hlink="hlink" folHlink="folHlink"/>
+  <p:notesStyle>
+    <a:lvl1pPr marL="0" algn="l" defTabSz="914400" rtl="0" eaLnBrk="1" latinLnBrk="0" hangingPunct="1">
+      <a:defRPr sz="1200" kern="1200">
+        <a:solidFill>
+          <a:schemeClr val="tx1"/>
+        </a:solidFill>
+        <a:latin typeface="+mn-lt"/>
+        <a:ea typeface="+mn-ea"/>
+        <a:cs typeface="+mn-cs"/>
+      </a:defRPr>
+    </a:lvl1pPr>
+    <a:lvl2pPr marL="457200" algn="l" defTabSz="914400" rtl="0" eaLnBrk="1" latinLnBrk="0" hangingPunct="1">
+      <a:defRPr sz="1200" kern="1200">
+        <a:solidFill>
+          <a:schemeClr val="tx1"/>
+        </a:solidFill>
+        <a:latin typeface="+mn-lt"/>
+        <a:ea typeface="+mn-ea"/>
+        <a:cs typeface="+mn-cs"/>
+      </a:defRPr>
+    </a:lvl2pPr>
+    <a:lvl3pPr marL="914400" algn="l" defTabSz="914400" rtl="0" eaLnBrk="1" latinLnBrk="0" hangingPunct="1">
+      <a:defRPr sz="1200" kern="1200">
+        <a:solidFill>
+          <a:schemeClr val="tx1"/>
+        </a:solidFill>
+        <a:latin typeface="+mn-lt"/>
+        <a:ea typeface="+mn-ea"/>
+        <a:cs typeface="+mn-cs"/>
+      </a:defRPr>
+    </a:lvl3pPr>
+    <a:lvl4pPr marL="1371600" algn="l" defTabSz="914400" rtl="0" eaLnBrk="1" latinLnBrk="0" hangingPunct="1">
+      <a:defRPr sz="1200" kern="1200">
+        <a:solidFill>
+          <a:schemeClr val="tx1"/>
+        </a:solidFill>
+        <a:latin typeface="+mn-lt"/>
+        <a:ea typeface="+mn-ea"/>
+        <a:cs typeface="+mn-cs"/>
+      </a:defRPr>
+    </a:lvl4pPr>
+    <a:lvl5pPr marL="1828800" algn="l" defTabSz="914400" rtl="0" eaLnBrk="1" latinLnBrk="0" hangingPunct="1">
+      <a:defRPr sz="1200" kern="1200">
+        <a:solidFill>
+          <a:schemeClr val="tx1"/>
+        </a:solidFill>
+        <a:latin typeface="+mn-lt"/>
+        <a:ea typeface="+mn-ea"/>
+        <a:cs typeface="+mn-cs"/>
+      </a:defRPr>
+    </a:lvl5pPr>
+    <a:lvl6pPr marL="2286000" algn="l" defTabSz="914400" rtl="0" eaLnBrk="1" latinLnBrk="0" hangingPunct="1">
+      <a:defRPr sz="1200" kern="1200">
+        <a:solidFill>
+          <a:schemeClr val="tx1"/>
+        </a:solidFill>
+        <a:latin typeface="+mn-lt"/>
+        <a:ea typeface="+mn-ea"/>
+        <a:cs typeface="+mn-cs"/>
+      </a:defRPr>
+    </a:lvl6pPr>
+    <a:lvl7pPr marL="2743200" algn="l" defTabSz="914400" rtl="0" eaLnBrk="1" latinLnBrk="0" hangingPunct="1">
+      <a:defRPr sz="1200" kern="1200">
+        <a:solidFill>
+          <a:schemeClr val="tx1"/>
+        </a:solidFill>
+        <a:latin typeface="+mn-lt"/>
+        <a:ea typeface="+mn-ea"/>
+        <a:cs typeface="+mn-cs"/>
+      </a:defRPr>
+    </a:lvl7pPr>
+    <a:lvl8pPr marL="3200400" algn="l" defTabSz="914400" rtl="0" eaLnBrk="1" latinLnBrk="0" hangingPunct="1">
+      <a:defRPr sz="1200" kern="1200">
+        <a:solidFill>
+          <a:schemeClr val="tx1"/>
+        </a:solidFill>
+        <a:latin typeface="+mn-lt"/>
+        <a:ea typeface="+mn-ea"/>
+        <a:cs typeface="+mn-cs"/>
+      </a:defRPr>
+    </a:lvl8pPr>
+    <a:lvl9pPr marL="3657600" algn="l" defTabSz="914400" rtl="0" eaLnBrk="1" latinLnBrk="0" hangingPunct="1">
+      <a:defRPr sz="1200" kern="1200">
+        <a:solidFill>
+          <a:schemeClr val="tx1"/>
+        </a:solidFill>
+        <a:latin typeface="+mn-lt"/>
+        <a:ea typeface="+mn-ea"/>
+        <a:cs typeface="+mn-cs"/>
+      </a:defRPr>
+    </a:lvl9pPr>
+  </p:notesStyle>
+</p:notesMaster>
+</file>
+
+<file path=ppt/notesSlides/notesSlide1.xml><?xml version="1.0" encoding="utf-8"?>
+<p:notes xmlns:a="http://schemas.openxmlformats.org/drawingml/2006/main" xmlns:r="http://schemas.openxmlformats.org/officeDocument/2006/relationships" xmlns:p="http://schemas.openxmlformats.org/presentationml/2006/main">
+  <p:cSld>
+    <p:spTree>
+      <p:nvGrpSpPr>
+        <p:cNvPr id="1" name=""/>
+        <p:cNvGrpSpPr/>
+        <p:nvPr/>
+      </p:nvGrpSpPr>
+      <p:grpSpPr>
+        <a:xfrm>
+          <a:off x="0" y="0"/>
+          <a:ext cx="0" cy="0"/>
+          <a:chOff x="0" y="0"/>
+          <a:chExt cx="0" cy="0"/>
+        </a:xfrm>
+      </p:grpSpPr>
+      <p:sp>
+        <p:nvSpPr>
+          <p:cNvPr id="2" name="Slide Image Placeholder 1"/>
+          <p:cNvSpPr>
+            <a:spLocks noGrp="1" noRot="1" noChangeAspect="1"/>
+          </p:cNvSpPr>
+          <p:nvPr>
+            <p:ph type="sldImg"/>
+          </p:nvPr>
+        </p:nvSpPr>
+        <p:spPr/>
+        <p:txBody>
+          <a:bodyPr/>
+          <a:lstStyle/>
+          <a:p>
+            <a:endParaRPr lang="en-IN"/>
+          </a:p>
+        </p:txBody>
+      </p:sp>
+      <p:sp>
+        <p:nvSpPr>
+          <p:cNvPr id="3" name="Notes Placeholder 2"/>
+          <p:cNvSpPr>
+            <a:spLocks noGrp="1"/>
+          </p:cNvSpPr>
+          <p:nvPr>
+            <p:ph type="body" idx="1"/>
+          </p:nvPr>
+        </p:nvSpPr>
+        <p:spPr/>
+        <p:txBody>
+          <a:bodyPr/>
+          <a:lstStyle/>
+          <a:p>
+            <a:endParaRPr lang="en-IN" dirty="0"/>
+          </a:p>
+        </p:txBody>
+      </p:sp>
+      <p:sp>
+        <p:nvSpPr>
+          <p:cNvPr id="4" name="Slide Number Placeholder 3"/>
+          <p:cNvSpPr>
+            <a:spLocks noGrp="1"/>
+          </p:cNvSpPr>
+          <p:nvPr>
+            <p:ph type="sldNum" sz="quarter" idx="5"/>
+          </p:nvPr>
+        </p:nvSpPr>
+        <p:spPr/>
+        <p:txBody>
+          <a:bodyPr/>
+          <a:lstStyle/>
+          <a:p>
+            <a:fld id="{A2F262E5-3DE5-4F74-AE01-FD6D51646C18}" type="slidenum">
+              <a:rPr lang="en-IN" smtClean="0"/>
+              <a:t>4</a:t>
+            </a:fld>
+            <a:endParaRPr lang="en-IN"/>
+          </a:p>
+        </p:txBody>
+      </p:sp>
+    </p:spTree>
+    <p:extLst>
+      <p:ext uri="{BB962C8B-B14F-4D97-AF65-F5344CB8AC3E}">
+        <p14:creationId xmlns:p14="http://schemas.microsoft.com/office/powerpoint/2010/main" val="3168954699"/>
+      </p:ext>
+    </p:extLst>
+  </p:cSld>
+  <p:clrMapOvr>
+    <a:masterClrMapping/>
+  </p:clrMapOvr>
+</p:notes>
 </file>
 
 <file path=ppt/slideLayouts/slideLayout1.xml><?xml version="1.0" encoding="utf-8"?>
@@ -9326,7 +6916,7 @@
         </p:nvSpPr>
         <p:spPr>
           <a:xfrm>
-            <a:off x="1045028" y="3017522"/>
+            <a:off x="838200" y="2843780"/>
             <a:ext cx="11149017" cy="3124658"/>
           </a:xfrm>
         </p:spPr>
@@ -9340,19 +6930,27 @@
               <a:buNone/>
             </a:pPr>
             <a:r>
-              <a:rPr lang="en-US" sz="2400" i="1">
+              <a:rPr lang="en-US" sz="2400" i="1" dirty="0">
                 <a:latin typeface="Book Antiqua"/>
                 <a:ea typeface="+mn-lt"/>
                 <a:cs typeface="+mn-lt"/>
               </a:rPr>
-              <a:t>                                                                                               "Predict. Prevent. Optimize."</a:t>
+              <a:t>                                                                                          </a:t>
+            </a:r>
+            <a:r>
+              <a:rPr lang="en-US" sz="2400" b="1" i="1" dirty="0">
+                <a:latin typeface="Book Antiqua"/>
+                <a:ea typeface="+mn-lt"/>
+                <a:cs typeface="+mn-lt"/>
+              </a:rPr>
+              <a:t>"Predict. Prevent. Optimize."</a:t>
             </a:r>
           </a:p>
           <a:p>
             <a:pPr marL="0" indent="0">
               <a:buNone/>
             </a:pPr>
-            <a:endParaRPr lang="en-US" sz="2400">
+            <a:endParaRPr lang="en-US" sz="2400" dirty="0">
               <a:latin typeface="Aptos"/>
             </a:endParaRPr>
           </a:p>
@@ -9360,7 +6958,7 @@
             <a:pPr marL="0" indent="0">
               <a:buNone/>
             </a:pPr>
-            <a:endParaRPr lang="en-US" sz="2400">
+            <a:endParaRPr lang="en-US" sz="2400" dirty="0">
               <a:latin typeface="Aptos"/>
             </a:endParaRPr>
           </a:p>
@@ -9369,22 +6967,28 @@
               <a:buNone/>
             </a:pPr>
             <a:r>
-              <a:rPr lang="en-US" sz="2400" b="1">
+              <a:rPr lang="en-US" sz="2400" b="1" dirty="0">
                 <a:latin typeface="Bookman Old Style"/>
               </a:rPr>
               <a:t>TEAM NAME</a:t>
             </a:r>
             <a:r>
-              <a:rPr lang="en-US" sz="2400">
+              <a:rPr lang="en-US" sz="2400" dirty="0">
                 <a:latin typeface="Bookman Old Style"/>
               </a:rPr>
               <a:t>:- ''</a:t>
             </a:r>
             <a:r>
-              <a:rPr lang="en-US" sz="2400" i="1">
+              <a:rPr lang="en-US" sz="2400" i="1" dirty="0" err="1">
                 <a:latin typeface="Bookman Old Style"/>
               </a:rPr>
-              <a:t>Code Blooded''</a:t>
+              <a:t>CodeBlooded</a:t>
+            </a:r>
+            <a:r>
+              <a:rPr lang="en-US" sz="2400" i="1" dirty="0">
+                <a:latin typeface="Bookman Old Style"/>
+              </a:rPr>
+              <a:t>''</a:t>
             </a:r>
           </a:p>
           <a:p>
@@ -9392,19 +6996,19 @@
               <a:buNone/>
             </a:pPr>
             <a:r>
-              <a:rPr lang="en-US" sz="2400" b="1">
+              <a:rPr lang="en-US" sz="2400" b="1" dirty="0">
                 <a:latin typeface="Bookman Old Style"/>
               </a:rPr>
               <a:t>EVENT</a:t>
             </a:r>
             <a:r>
-              <a:rPr lang="en-US" sz="2400">
+              <a:rPr lang="en-US" sz="2400" dirty="0">
                 <a:latin typeface="Bookman Old Style"/>
               </a:rPr>
               <a:t>:-  </a:t>
             </a:r>
             <a:r>
-              <a:rPr lang="en-US" sz="2400" i="1">
+              <a:rPr lang="en-US" sz="2400" i="1" dirty="0">
                 <a:latin typeface="Bookman Old Style"/>
               </a:rPr>
               <a:t>HACKANOVA 2026</a:t>
@@ -9415,19 +7019,19 @@
               <a:buNone/>
             </a:pPr>
             <a:r>
-              <a:rPr lang="en-US" sz="2400" b="1">
+              <a:rPr lang="en-US" sz="2400" b="1" dirty="0">
                 <a:latin typeface="Bookman Old Style"/>
               </a:rPr>
               <a:t>TEAM NUMBER</a:t>
             </a:r>
             <a:r>
-              <a:rPr lang="en-US" sz="2400">
+              <a:rPr lang="en-US" sz="2400" dirty="0">
                 <a:latin typeface="Bookman Old Style"/>
               </a:rPr>
               <a:t>:-</a:t>
             </a:r>
             <a:r>
-              <a:rPr lang="en-US" sz="2400" i="1">
+              <a:rPr lang="en-US" sz="2400" i="1" dirty="0">
                 <a:latin typeface="Bookman Old Style"/>
               </a:rPr>
               <a:t> 33</a:t>
@@ -9793,6 +7397,37 @@
           </a:p>
         </p:txBody>
       </p:sp>
+      <p:pic>
+        <p:nvPicPr>
+          <p:cNvPr id="7" name="Picture 6">
+            <a:extLst>
+              <a:ext uri="{FF2B5EF4-FFF2-40B4-BE49-F238E27FC236}">
+                <a16:creationId xmlns:a16="http://schemas.microsoft.com/office/drawing/2014/main" id="{512CFAD3-5DE7-7A85-967C-8A212907C233}"/>
+              </a:ext>
+            </a:extLst>
+          </p:cNvPr>
+          <p:cNvPicPr>
+            <a:picLocks noChangeAspect="1"/>
+          </p:cNvPicPr>
+          <p:nvPr/>
+        </p:nvPicPr>
+        <p:blipFill>
+          <a:blip r:embed="rId2"/>
+          <a:srcRect t="28508" b="26530"/>
+          <a:stretch>
+            <a:fillRect/>
+          </a:stretch>
+        </p:blipFill>
+        <p:spPr>
+          <a:xfrm>
+            <a:off x="640079" y="2736068"/>
+            <a:ext cx="3258137" cy="1173749"/>
+          </a:xfrm>
+          <a:prstGeom prst="rect">
+            <a:avLst/>
+          </a:prstGeom>
+        </p:spPr>
+      </p:pic>
     </p:spTree>
     <p:extLst>
       <p:ext uri="{BB962C8B-B14F-4D97-AF65-F5344CB8AC3E}">
@@ -9836,7 +7471,7 @@
           <p:nvPr>
             <p:extLst>
               <p:ext uri="{D42A27DB-BD31-4B8C-83A1-F6EECF244321}">
-                <p14:modId xmlns:p14="http://schemas.microsoft.com/office/powerpoint/2010/main" val="4104310945"/>
+                <p14:modId xmlns:p14="http://schemas.microsoft.com/office/powerpoint/2010/main" val="3962779915"/>
               </p:ext>
             </p:extLst>
           </p:nvPr>
@@ -10257,472 +7892,6 @@
           <a:chExt cx="0" cy="0"/>
         </a:xfrm>
       </p:grpSpPr>
-      <p:graphicFrame>
-        <p:nvGraphicFramePr>
-          <p:cNvPr id="7" name="Diagram 6">
-            <a:extLst>
-              <a:ext uri="{FF2B5EF4-FFF2-40B4-BE49-F238E27FC236}">
-                <a16:creationId xmlns:a16="http://schemas.microsoft.com/office/drawing/2014/main" id="{584B84FA-48E0-DC03-608A-AFFD980E41AC}"/>
-              </a:ext>
-            </a:extLst>
-          </p:cNvPr>
-          <p:cNvGraphicFramePr/>
-          <p:nvPr>
-            <p:extLst>
-              <p:ext uri="{D42A27DB-BD31-4B8C-83A1-F6EECF244321}">
-                <p14:modId xmlns:p14="http://schemas.microsoft.com/office/powerpoint/2010/main" val="2780571085"/>
-              </p:ext>
-            </p:extLst>
-          </p:nvPr>
-        </p:nvGraphicFramePr>
-        <p:xfrm>
-          <a:off x="435128" y="1427882"/>
-          <a:ext cx="11333585" cy="5003998"/>
-        </p:xfrm>
-        <a:graphic>
-          <a:graphicData uri="http://schemas.openxmlformats.org/drawingml/2006/diagram">
-            <dgm:relIds xmlns:dgm="http://schemas.openxmlformats.org/drawingml/2006/diagram" xmlns:r="http://schemas.openxmlformats.org/officeDocument/2006/relationships" r:dm="rId2" r:lo="rId3" r:qs="rId4" r:cs="rId5"/>
-          </a:graphicData>
-        </a:graphic>
-      </p:graphicFrame>
-      <p:sp>
-        <p:nvSpPr>
-          <p:cNvPr id="79" name="TextBox 78">
-            <a:extLst>
-              <a:ext uri="{FF2B5EF4-FFF2-40B4-BE49-F238E27FC236}">
-                <a16:creationId xmlns:a16="http://schemas.microsoft.com/office/drawing/2014/main" id="{C26CD79D-AE28-21F3-DE74-A63D40C7F7EB}"/>
-              </a:ext>
-            </a:extLst>
-          </p:cNvPr>
-          <p:cNvSpPr txBox="1"/>
-          <p:nvPr/>
-        </p:nvSpPr>
-        <p:spPr>
-          <a:xfrm>
-            <a:off x="1671750" y="430403"/>
-            <a:ext cx="9192638" cy="707886"/>
-          </a:xfrm>
-          <a:prstGeom prst="rect">
-            <a:avLst/>
-          </a:prstGeom>
-          <a:noFill/>
-        </p:spPr>
-        <p:txBody>
-          <a:bodyPr rot="0" spcFirstLastPara="0" vertOverflow="overflow" horzOverflow="overflow" vert="horz" wrap="square" lIns="91440" tIns="45720" rIns="91440" bIns="45720" numCol="1" spcCol="0" rtlCol="0" fromWordArt="0" anchor="t" anchorCtr="0" forceAA="0" compatLnSpc="1">
-            <a:prstTxWarp prst="textNoShape">
-              <a:avLst/>
-            </a:prstTxWarp>
-            <a:spAutoFit/>
-          </a:bodyPr>
-          <a:lstStyle/>
-          <a:p>
-            <a:pPr algn="ctr"/>
-            <a:r>
-              <a:rPr lang="en-US" sz="4000" b="1">
-                <a:latin typeface="Bookman Old Style"/>
-              </a:rPr>
-              <a:t>TARGET USERS</a:t>
-            </a:r>
-          </a:p>
-        </p:txBody>
-      </p:sp>
-      <p:sp>
-        <p:nvSpPr>
-          <p:cNvPr id="84" name="Half Frame 83">
-            <a:extLst>
-              <a:ext uri="{FF2B5EF4-FFF2-40B4-BE49-F238E27FC236}">
-                <a16:creationId xmlns:a16="http://schemas.microsoft.com/office/drawing/2014/main" id="{9B931377-5539-F906-4371-ECEA05C90463}"/>
-              </a:ext>
-            </a:extLst>
-          </p:cNvPr>
-          <p:cNvSpPr/>
-          <p:nvPr/>
-        </p:nvSpPr>
-        <p:spPr>
-          <a:xfrm>
-            <a:off x="958" y="4473"/>
-            <a:ext cx="880533" cy="897466"/>
-          </a:xfrm>
-          <a:prstGeom prst="halfFrame">
-            <a:avLst/>
-          </a:prstGeom>
-          <a:solidFill>
-            <a:srgbClr val="0070C0"/>
-          </a:solidFill>
-          <a:ln>
-            <a:solidFill>
-              <a:srgbClr val="4472C4"/>
-            </a:solidFill>
-          </a:ln>
-        </p:spPr>
-        <p:style>
-          <a:lnRef idx="2">
-            <a:schemeClr val="accent1">
-              <a:shade val="15000"/>
-            </a:schemeClr>
-          </a:lnRef>
-          <a:fillRef idx="1">
-            <a:schemeClr val="accent1"/>
-          </a:fillRef>
-          <a:effectRef idx="0">
-            <a:schemeClr val="accent1"/>
-          </a:effectRef>
-          <a:fontRef idx="minor">
-            <a:schemeClr val="lt1"/>
-          </a:fontRef>
-        </p:style>
-        <p:txBody>
-          <a:bodyPr rtlCol="0" anchor="ctr"/>
-          <a:lstStyle>
-            <a:defPPr>
-              <a:defRPr lang="en-US"/>
-            </a:defPPr>
-            <a:lvl1pPr marL="0" algn="l" defTabSz="914400" rtl="0" eaLnBrk="1" latinLnBrk="0" hangingPunct="1">
-              <a:defRPr sz="1800" kern="1200">
-                <a:solidFill>
-                  <a:schemeClr val="lt1"/>
-                </a:solidFill>
-                <a:latin typeface="+mn-lt"/>
-                <a:ea typeface="+mn-ea"/>
-                <a:cs typeface="+mn-cs"/>
-              </a:defRPr>
-            </a:lvl1pPr>
-            <a:lvl2pPr marL="457200" algn="l" defTabSz="914400" rtl="0" eaLnBrk="1" latinLnBrk="0" hangingPunct="1">
-              <a:defRPr sz="1800" kern="1200">
-                <a:solidFill>
-                  <a:schemeClr val="lt1"/>
-                </a:solidFill>
-                <a:latin typeface="+mn-lt"/>
-                <a:ea typeface="+mn-ea"/>
-                <a:cs typeface="+mn-cs"/>
-              </a:defRPr>
-            </a:lvl2pPr>
-            <a:lvl3pPr marL="914400" algn="l" defTabSz="914400" rtl="0" eaLnBrk="1" latinLnBrk="0" hangingPunct="1">
-              <a:defRPr sz="1800" kern="1200">
-                <a:solidFill>
-                  <a:schemeClr val="lt1"/>
-                </a:solidFill>
-                <a:latin typeface="+mn-lt"/>
-                <a:ea typeface="+mn-ea"/>
-                <a:cs typeface="+mn-cs"/>
-              </a:defRPr>
-            </a:lvl3pPr>
-            <a:lvl4pPr marL="1371600" algn="l" defTabSz="914400" rtl="0" eaLnBrk="1" latinLnBrk="0" hangingPunct="1">
-              <a:defRPr sz="1800" kern="1200">
-                <a:solidFill>
-                  <a:schemeClr val="lt1"/>
-                </a:solidFill>
-                <a:latin typeface="+mn-lt"/>
-                <a:ea typeface="+mn-ea"/>
-                <a:cs typeface="+mn-cs"/>
-              </a:defRPr>
-            </a:lvl4pPr>
-            <a:lvl5pPr marL="1828800" algn="l" defTabSz="914400" rtl="0" eaLnBrk="1" latinLnBrk="0" hangingPunct="1">
-              <a:defRPr sz="1800" kern="1200">
-                <a:solidFill>
-                  <a:schemeClr val="lt1"/>
-                </a:solidFill>
-                <a:latin typeface="+mn-lt"/>
-                <a:ea typeface="+mn-ea"/>
-                <a:cs typeface="+mn-cs"/>
-              </a:defRPr>
-            </a:lvl5pPr>
-            <a:lvl6pPr marL="2286000" algn="l" defTabSz="914400" rtl="0" eaLnBrk="1" latinLnBrk="0" hangingPunct="1">
-              <a:defRPr sz="1800" kern="1200">
-                <a:solidFill>
-                  <a:schemeClr val="lt1"/>
-                </a:solidFill>
-                <a:latin typeface="+mn-lt"/>
-                <a:ea typeface="+mn-ea"/>
-                <a:cs typeface="+mn-cs"/>
-              </a:defRPr>
-            </a:lvl6pPr>
-            <a:lvl7pPr marL="2743200" algn="l" defTabSz="914400" rtl="0" eaLnBrk="1" latinLnBrk="0" hangingPunct="1">
-              <a:defRPr sz="1800" kern="1200">
-                <a:solidFill>
-                  <a:schemeClr val="lt1"/>
-                </a:solidFill>
-                <a:latin typeface="+mn-lt"/>
-                <a:ea typeface="+mn-ea"/>
-                <a:cs typeface="+mn-cs"/>
-              </a:defRPr>
-            </a:lvl7pPr>
-            <a:lvl8pPr marL="3200400" algn="l" defTabSz="914400" rtl="0" eaLnBrk="1" latinLnBrk="0" hangingPunct="1">
-              <a:defRPr sz="1800" kern="1200">
-                <a:solidFill>
-                  <a:schemeClr val="lt1"/>
-                </a:solidFill>
-                <a:latin typeface="+mn-lt"/>
-                <a:ea typeface="+mn-ea"/>
-                <a:cs typeface="+mn-cs"/>
-              </a:defRPr>
-            </a:lvl8pPr>
-            <a:lvl9pPr marL="3657600" algn="l" defTabSz="914400" rtl="0" eaLnBrk="1" latinLnBrk="0" hangingPunct="1">
-              <a:defRPr sz="1800" kern="1200">
-                <a:solidFill>
-                  <a:schemeClr val="lt1"/>
-                </a:solidFill>
-                <a:latin typeface="+mn-lt"/>
-                <a:ea typeface="+mn-ea"/>
-                <a:cs typeface="+mn-cs"/>
-              </a:defRPr>
-            </a:lvl9pPr>
-          </a:lstStyle>
-          <a:p>
-            <a:pPr algn="ctr"/>
-            <a:endParaRPr lang="en-US">
-              <a:solidFill>
-                <a:schemeClr val="tx1"/>
-              </a:solidFill>
-            </a:endParaRPr>
-          </a:p>
-        </p:txBody>
-      </p:sp>
-      <p:sp>
-        <p:nvSpPr>
-          <p:cNvPr id="85" name="Half Frame 84">
-            <a:extLst>
-              <a:ext uri="{FF2B5EF4-FFF2-40B4-BE49-F238E27FC236}">
-                <a16:creationId xmlns:a16="http://schemas.microsoft.com/office/drawing/2014/main" id="{1136D0D3-A1D9-659C-D6DC-DC225FAA1CBB}"/>
-              </a:ext>
-            </a:extLst>
-          </p:cNvPr>
-          <p:cNvSpPr/>
-          <p:nvPr/>
-        </p:nvSpPr>
-        <p:spPr>
-          <a:xfrm rot="10800000">
-            <a:off x="11400632" y="5968439"/>
-            <a:ext cx="797485" cy="890783"/>
-          </a:xfrm>
-          <a:prstGeom prst="halfFrame">
-            <a:avLst/>
-          </a:prstGeom>
-          <a:solidFill>
-            <a:schemeClr val="accent4">
-              <a:lumMod val="75000"/>
-            </a:schemeClr>
-          </a:solidFill>
-          <a:ln>
-            <a:solidFill>
-              <a:srgbClr val="4472C4"/>
-            </a:solidFill>
-          </a:ln>
-        </p:spPr>
-        <p:style>
-          <a:lnRef idx="2">
-            <a:schemeClr val="accent1">
-              <a:shade val="15000"/>
-            </a:schemeClr>
-          </a:lnRef>
-          <a:fillRef idx="1">
-            <a:schemeClr val="accent1"/>
-          </a:fillRef>
-          <a:effectRef idx="0">
-            <a:schemeClr val="accent1"/>
-          </a:effectRef>
-          <a:fontRef idx="minor">
-            <a:schemeClr val="lt1"/>
-          </a:fontRef>
-        </p:style>
-        <p:txBody>
-          <a:bodyPr rtlCol="0" anchor="ctr"/>
-          <a:lstStyle>
-            <a:defPPr>
-              <a:defRPr lang="en-US"/>
-            </a:defPPr>
-            <a:lvl1pPr marL="0" algn="l" defTabSz="914400" rtl="0" eaLnBrk="1" latinLnBrk="0" hangingPunct="1">
-              <a:defRPr sz="1800" kern="1200">
-                <a:solidFill>
-                  <a:schemeClr val="lt1"/>
-                </a:solidFill>
-                <a:latin typeface="+mn-lt"/>
-                <a:ea typeface="+mn-ea"/>
-                <a:cs typeface="+mn-cs"/>
-              </a:defRPr>
-            </a:lvl1pPr>
-            <a:lvl2pPr marL="457200" algn="l" defTabSz="914400" rtl="0" eaLnBrk="1" latinLnBrk="0" hangingPunct="1">
-              <a:defRPr sz="1800" kern="1200">
-                <a:solidFill>
-                  <a:schemeClr val="lt1"/>
-                </a:solidFill>
-                <a:latin typeface="+mn-lt"/>
-                <a:ea typeface="+mn-ea"/>
-                <a:cs typeface="+mn-cs"/>
-              </a:defRPr>
-            </a:lvl2pPr>
-            <a:lvl3pPr marL="914400" algn="l" defTabSz="914400" rtl="0" eaLnBrk="1" latinLnBrk="0" hangingPunct="1">
-              <a:defRPr sz="1800" kern="1200">
-                <a:solidFill>
-                  <a:schemeClr val="lt1"/>
-                </a:solidFill>
-                <a:latin typeface="+mn-lt"/>
-                <a:ea typeface="+mn-ea"/>
-                <a:cs typeface="+mn-cs"/>
-              </a:defRPr>
-            </a:lvl3pPr>
-            <a:lvl4pPr marL="1371600" algn="l" defTabSz="914400" rtl="0" eaLnBrk="1" latinLnBrk="0" hangingPunct="1">
-              <a:defRPr sz="1800" kern="1200">
-                <a:solidFill>
-                  <a:schemeClr val="lt1"/>
-                </a:solidFill>
-                <a:latin typeface="+mn-lt"/>
-                <a:ea typeface="+mn-ea"/>
-                <a:cs typeface="+mn-cs"/>
-              </a:defRPr>
-            </a:lvl4pPr>
-            <a:lvl5pPr marL="1828800" algn="l" defTabSz="914400" rtl="0" eaLnBrk="1" latinLnBrk="0" hangingPunct="1">
-              <a:defRPr sz="1800" kern="1200">
-                <a:solidFill>
-                  <a:schemeClr val="lt1"/>
-                </a:solidFill>
-                <a:latin typeface="+mn-lt"/>
-                <a:ea typeface="+mn-ea"/>
-                <a:cs typeface="+mn-cs"/>
-              </a:defRPr>
-            </a:lvl5pPr>
-            <a:lvl6pPr marL="2286000" algn="l" defTabSz="914400" rtl="0" eaLnBrk="1" latinLnBrk="0" hangingPunct="1">
-              <a:defRPr sz="1800" kern="1200">
-                <a:solidFill>
-                  <a:schemeClr val="lt1"/>
-                </a:solidFill>
-                <a:latin typeface="+mn-lt"/>
-                <a:ea typeface="+mn-ea"/>
-                <a:cs typeface="+mn-cs"/>
-              </a:defRPr>
-            </a:lvl6pPr>
-            <a:lvl7pPr marL="2743200" algn="l" defTabSz="914400" rtl="0" eaLnBrk="1" latinLnBrk="0" hangingPunct="1">
-              <a:defRPr sz="1800" kern="1200">
-                <a:solidFill>
-                  <a:schemeClr val="lt1"/>
-                </a:solidFill>
-                <a:latin typeface="+mn-lt"/>
-                <a:ea typeface="+mn-ea"/>
-                <a:cs typeface="+mn-cs"/>
-              </a:defRPr>
-            </a:lvl7pPr>
-            <a:lvl8pPr marL="3200400" algn="l" defTabSz="914400" rtl="0" eaLnBrk="1" latinLnBrk="0" hangingPunct="1">
-              <a:defRPr sz="1800" kern="1200">
-                <a:solidFill>
-                  <a:schemeClr val="lt1"/>
-                </a:solidFill>
-                <a:latin typeface="+mn-lt"/>
-                <a:ea typeface="+mn-ea"/>
-                <a:cs typeface="+mn-cs"/>
-              </a:defRPr>
-            </a:lvl8pPr>
-            <a:lvl9pPr marL="3657600" algn="l" defTabSz="914400" rtl="0" eaLnBrk="1" latinLnBrk="0" hangingPunct="1">
-              <a:defRPr sz="1800" kern="1200">
-                <a:solidFill>
-                  <a:schemeClr val="lt1"/>
-                </a:solidFill>
-                <a:latin typeface="+mn-lt"/>
-                <a:ea typeface="+mn-ea"/>
-                <a:cs typeface="+mn-cs"/>
-              </a:defRPr>
-            </a:lvl9pPr>
-          </a:lstStyle>
-          <a:p>
-            <a:pPr algn="ctr"/>
-            <a:endParaRPr lang="en-US">
-              <a:solidFill>
-                <a:schemeClr val="tx1"/>
-              </a:solidFill>
-            </a:endParaRPr>
-          </a:p>
-        </p:txBody>
-      </p:sp>
-    </p:spTree>
-    <p:extLst>
-      <p:ext uri="{BB962C8B-B14F-4D97-AF65-F5344CB8AC3E}">
-        <p14:creationId xmlns:p14="http://schemas.microsoft.com/office/powerpoint/2010/main" val="2150483066"/>
-      </p:ext>
-    </p:extLst>
-  </p:cSld>
-  <p:clrMapOvr>
-    <a:masterClrMapping/>
-  </p:clrMapOvr>
-</p:sld>
-</file>
-
-<file path=ppt/slides/slide4.xml><?xml version="1.0" encoding="utf-8"?>
-<p:sld xmlns:a="http://schemas.openxmlformats.org/drawingml/2006/main" xmlns:r="http://schemas.openxmlformats.org/officeDocument/2006/relationships" xmlns:p="http://schemas.openxmlformats.org/presentationml/2006/main">
-  <p:cSld>
-    <p:spTree>
-      <p:nvGrpSpPr>
-        <p:cNvPr id="1" name=""/>
-        <p:cNvGrpSpPr/>
-        <p:nvPr/>
-      </p:nvGrpSpPr>
-      <p:grpSpPr>
-        <a:xfrm>
-          <a:off x="0" y="0"/>
-          <a:ext cx="0" cy="0"/>
-          <a:chOff x="0" y="0"/>
-          <a:chExt cx="0" cy="0"/>
-        </a:xfrm>
-      </p:grpSpPr>
-      <p:pic>
-        <p:nvPicPr>
-          <p:cNvPr id="7" name="Picture 6" descr="A screenshot of a computer&#10;&#10;AI-generated content may be incorrect.">
-            <a:extLst>
-              <a:ext uri="{FF2B5EF4-FFF2-40B4-BE49-F238E27FC236}">
-                <a16:creationId xmlns:a16="http://schemas.microsoft.com/office/drawing/2014/main" id="{E4149A2F-D24C-0D3A-DEF4-292AE0DE11CF}"/>
-              </a:ext>
-            </a:extLst>
-          </p:cNvPr>
-          <p:cNvPicPr>
-            <a:picLocks noChangeAspect="1"/>
-          </p:cNvPicPr>
-          <p:nvPr/>
-        </p:nvPicPr>
-        <p:blipFill>
-          <a:blip r:embed="rId2"/>
-          <a:srcRect l="31995" t="24991" r="6966" b="13445"/>
-          <a:stretch>
-            <a:fillRect/>
-          </a:stretch>
-        </p:blipFill>
-        <p:spPr>
-          <a:xfrm>
-            <a:off x="158152" y="15430"/>
-            <a:ext cx="12028264" cy="6836662"/>
-          </a:xfrm>
-          <a:prstGeom prst="rect">
-            <a:avLst/>
-          </a:prstGeom>
-        </p:spPr>
-      </p:pic>
-    </p:spTree>
-    <p:extLst>
-      <p:ext uri="{BB962C8B-B14F-4D97-AF65-F5344CB8AC3E}">
-        <p14:creationId xmlns:p14="http://schemas.microsoft.com/office/powerpoint/2010/main" val="4283674349"/>
-      </p:ext>
-    </p:extLst>
-  </p:cSld>
-  <p:clrMapOvr>
-    <a:masterClrMapping/>
-  </p:clrMapOvr>
-</p:sld>
-</file>
-
-<file path=ppt/slides/slide5.xml><?xml version="1.0" encoding="utf-8"?>
-<p:sld xmlns:a="http://schemas.openxmlformats.org/drawingml/2006/main" xmlns:r="http://schemas.openxmlformats.org/officeDocument/2006/relationships" xmlns:p="http://schemas.openxmlformats.org/presentationml/2006/main">
-  <p:cSld>
-    <p:spTree>
-      <p:nvGrpSpPr>
-        <p:cNvPr id="1" name=""/>
-        <p:cNvGrpSpPr/>
-        <p:nvPr/>
-      </p:nvGrpSpPr>
-      <p:grpSpPr>
-        <a:xfrm>
-          <a:off x="0" y="0"/>
-          <a:ext cx="0" cy="0"/>
-          <a:chOff x="0" y="0"/>
-          <a:chExt cx="0" cy="0"/>
-        </a:xfrm>
-      </p:grpSpPr>
       <p:sp>
         <p:nvSpPr>
           <p:cNvPr id="2" name="TextBox 1">
@@ -11851,7 +9020,68 @@
 </p:sld>
 </file>
 
-<file path=ppt/slides/slide6.xml><?xml version="1.0" encoding="utf-8"?>
+<file path=ppt/slides/slide4.xml><?xml version="1.0" encoding="utf-8"?>
+<p:sld xmlns:a="http://schemas.openxmlformats.org/drawingml/2006/main" xmlns:r="http://schemas.openxmlformats.org/officeDocument/2006/relationships" xmlns:p="http://schemas.openxmlformats.org/presentationml/2006/main">
+  <p:cSld>
+    <p:spTree>
+      <p:nvGrpSpPr>
+        <p:cNvPr id="1" name=""/>
+        <p:cNvGrpSpPr/>
+        <p:nvPr/>
+      </p:nvGrpSpPr>
+      <p:grpSpPr>
+        <a:xfrm>
+          <a:off x="0" y="0"/>
+          <a:ext cx="0" cy="0"/>
+          <a:chOff x="0" y="0"/>
+          <a:chExt cx="0" cy="0"/>
+        </a:xfrm>
+      </p:grpSpPr>
+      <p:pic>
+        <p:nvPicPr>
+          <p:cNvPr id="7" name="Picture 6" descr="A screenshot of a computer&#10;&#10;AI-generated content may be incorrect.">
+            <a:extLst>
+              <a:ext uri="{FF2B5EF4-FFF2-40B4-BE49-F238E27FC236}">
+                <a16:creationId xmlns:a16="http://schemas.microsoft.com/office/drawing/2014/main" id="{E4149A2F-D24C-0D3A-DEF4-292AE0DE11CF}"/>
+              </a:ext>
+            </a:extLst>
+          </p:cNvPr>
+          <p:cNvPicPr>
+            <a:picLocks noChangeAspect="1"/>
+          </p:cNvPicPr>
+          <p:nvPr/>
+        </p:nvPicPr>
+        <p:blipFill>
+          <a:blip r:embed="rId3"/>
+          <a:srcRect l="31995" t="24991" r="6966" b="13445"/>
+          <a:stretch>
+            <a:fillRect/>
+          </a:stretch>
+        </p:blipFill>
+        <p:spPr>
+          <a:xfrm>
+            <a:off x="158152" y="15430"/>
+            <a:ext cx="12028264" cy="6836662"/>
+          </a:xfrm>
+          <a:prstGeom prst="rect">
+            <a:avLst/>
+          </a:prstGeom>
+        </p:spPr>
+      </p:pic>
+    </p:spTree>
+    <p:extLst>
+      <p:ext uri="{BB962C8B-B14F-4D97-AF65-F5344CB8AC3E}">
+        <p14:creationId xmlns:p14="http://schemas.microsoft.com/office/powerpoint/2010/main" val="4283674349"/>
+      </p:ext>
+    </p:extLst>
+  </p:cSld>
+  <p:clrMapOvr>
+    <a:masterClrMapping/>
+  </p:clrMapOvr>
+</p:sld>
+</file>
+
+<file path=ppt/slides/slide5.xml><?xml version="1.0" encoding="utf-8"?>
 <p:sld xmlns:a="http://schemas.openxmlformats.org/drawingml/2006/main" xmlns:r="http://schemas.openxmlformats.org/officeDocument/2006/relationships" xmlns:p="http://schemas.openxmlformats.org/presentationml/2006/main">
   <p:cSld>
     <p:spTree>
@@ -11944,7 +9174,7 @@
         </p:blipFill>
         <p:spPr>
           <a:xfrm>
-            <a:off x="-3903" y="20131"/>
+            <a:off x="0" y="0"/>
             <a:ext cx="12458599" cy="7047778"/>
           </a:xfrm>
           <a:prstGeom prst="rect">
@@ -12271,7 +9501,7 @@
 </p:sld>
 </file>
 
-<file path=ppt/slides/slide7.xml><?xml version="1.0" encoding="utf-8"?>
+<file path=ppt/slides/slide6.xml><?xml version="1.0" encoding="utf-8"?>
 <p:sld xmlns:a="http://schemas.openxmlformats.org/drawingml/2006/main" xmlns:r="http://schemas.openxmlformats.org/officeDocument/2006/relationships" xmlns:p="http://schemas.openxmlformats.org/presentationml/2006/main">
   <p:cSld>
     <p:spTree>
@@ -12333,7 +9563,7 @@
           <p:nvPr>
             <p:extLst>
               <p:ext uri="{D42A27DB-BD31-4B8C-83A1-F6EECF244321}">
-                <p14:modId xmlns:p14="http://schemas.microsoft.com/office/powerpoint/2010/main" val="3621544512"/>
+                <p14:modId xmlns:p14="http://schemas.microsoft.com/office/powerpoint/2010/main" val="605452484"/>
               </p:ext>
             </p:extLst>
           </p:nvPr>
@@ -12367,12 +9597,12 @@
                         <a:buNone/>
                       </a:pPr>
                       <a:r>
-                        <a:rPr lang="en-US" sz="2000" b="1" i="0" u="none" strike="noStrike" noProof="0">
+                        <a:rPr lang="en-US" sz="2000" b="1" i="0" u="none" strike="noStrike" noProof="0" dirty="0">
                           <a:latin typeface="Bookman Old Style"/>
                         </a:rPr>
-                        <a:t>Feasibility</a:t>
+                        <a:t>    Feasibility</a:t>
                       </a:r>
-                      <a:endParaRPr lang="en-US" sz="2000" b="0" i="0" u="none" strike="noStrike" noProof="0"/>
+                      <a:endParaRPr lang="en-US" sz="2000" b="0" i="0" u="none" strike="noStrike" noProof="0" dirty="0"/>
                     </a:p>
                   </a:txBody>
                   <a:tcPr/>
@@ -12419,12 +9649,12 @@
                         <a:buNone/>
                       </a:pPr>
                       <a:r>
-                        <a:rPr lang="en-US" sz="1800" b="0" i="0" u="none" strike="noStrike" noProof="0">
+                        <a:rPr lang="en-US" sz="1800" b="0" i="0" u="none" strike="noStrike" noProof="0" dirty="0">
                           <a:latin typeface="Aptos"/>
                         </a:rPr>
                         <a:t>Runs on standard hardware (no high-end setup needed)</a:t>
                       </a:r>
-                      <a:endParaRPr lang="en-US"/>
+                      <a:endParaRPr lang="en-US" dirty="0"/>
                     </a:p>
                   </a:txBody>
                   <a:tcPr/>
@@ -12445,12 +9675,12 @@
                         <a:buNone/>
                       </a:pPr>
                       <a:r>
-                        <a:rPr lang="en-US" sz="1800" b="0" i="0" u="none" strike="noStrike" noProof="0">
+                        <a:rPr lang="en-US" sz="1800" b="0" i="0" u="none" strike="noStrike" noProof="0" dirty="0">
                           <a:latin typeface="Aptos"/>
                         </a:rPr>
                         <a:t>Compatible with existing traffic data sources (manual, sensors, CCTV)</a:t>
                       </a:r>
-                      <a:endParaRPr lang="en-US"/>
+                      <a:endParaRPr lang="en-US" dirty="0"/>
                     </a:p>
                   </a:txBody>
                   <a:tcPr/>
@@ -12471,12 +9701,12 @@
                         <a:buNone/>
                       </a:pPr>
                       <a:r>
-                        <a:rPr lang="en-US" sz="1800" b="0" i="0" u="none" strike="noStrike" noProof="0">
+                        <a:rPr lang="en-US" sz="1800" b="0" i="0" u="none" strike="noStrike" noProof="0" dirty="0">
                           <a:latin typeface="Aptos"/>
                         </a:rPr>
                         <a:t>ML model improves using historical data</a:t>
                       </a:r>
-                      <a:endParaRPr lang="en-US"/>
+                      <a:endParaRPr lang="en-US" dirty="0"/>
                     </a:p>
                   </a:txBody>
                   <a:tcPr/>
@@ -12760,7 +9990,7 @@
         </p:blipFill>
         <p:spPr>
           <a:xfrm>
-            <a:off x="8104676" y="375138"/>
+            <a:off x="6502879" y="357953"/>
             <a:ext cx="390525" cy="457200"/>
           </a:xfrm>
           <a:prstGeom prst="rect">
@@ -12822,7 +10052,7 @@
 </p:sld>
 </file>
 
-<file path=ppt/slides/slide8.xml><?xml version="1.0" encoding="utf-8"?>
+<file path=ppt/slides/slide7.xml><?xml version="1.0" encoding="utf-8"?>
 <p:sld xmlns:a="http://schemas.openxmlformats.org/drawingml/2006/main" xmlns:r="http://schemas.openxmlformats.org/officeDocument/2006/relationships" xmlns:p="http://schemas.openxmlformats.org/presentationml/2006/main">
   <p:cSld>
     <p:spTree>
@@ -12839,54 +10069,57 @@
           <a:chExt cx="0" cy="0"/>
         </a:xfrm>
       </p:grpSpPr>
-      <p:sp>
-        <p:nvSpPr>
-          <p:cNvPr id="5" name="TextBox 4">
+      <p:pic>
+        <p:nvPicPr>
+          <p:cNvPr id="1026" name="Picture 2" descr="Thankyou Icon Blue Stock Illustration 452908279 | Shutterstock">
             <a:extLst>
               <a:ext uri="{FF2B5EF4-FFF2-40B4-BE49-F238E27FC236}">
-                <a16:creationId xmlns:a16="http://schemas.microsoft.com/office/drawing/2014/main" id="{C38BC40C-3E6C-D5B4-9671-439301AEAFA4}"/>
+                <a16:creationId xmlns:a16="http://schemas.microsoft.com/office/drawing/2014/main" id="{C2562267-26E4-F210-2F2B-2948ADCF98BD}"/>
               </a:ext>
             </a:extLst>
           </p:cNvPr>
-          <p:cNvSpPr txBox="1"/>
+          <p:cNvPicPr>
+            <a:picLocks noChangeAspect="1" noChangeArrowheads="1"/>
+          </p:cNvPicPr>
           <p:nvPr/>
-        </p:nvSpPr>
-        <p:spPr>
+        </p:nvPicPr>
+        <p:blipFill rotWithShape="1">
+          <a:blip r:embed="rId2">
+            <a:extLst>
+              <a:ext uri="{28A0092B-C50C-407E-A947-70E740481C1C}">
+                <a14:useLocalDpi xmlns:a14="http://schemas.microsoft.com/office/drawing/2010/main" val="0"/>
+              </a:ext>
+            </a:extLst>
+          </a:blip>
+          <a:srcRect b="8617"/>
+          <a:stretch>
+            <a:fillRect/>
+          </a:stretch>
+        </p:blipFill>
+        <p:spPr bwMode="auto">
           <a:xfrm>
-            <a:off x="4536514" y="2382052"/>
-            <a:ext cx="3386632" cy="707886"/>
+            <a:off x="2666232" y="1348248"/>
+            <a:ext cx="6635084" cy="3457689"/>
           </a:xfrm>
           <a:prstGeom prst="rect">
             <a:avLst/>
           </a:prstGeom>
           <a:noFill/>
+          <a:extLst>
+            <a:ext uri="{909E8E84-426E-40DD-AFC4-6F175D3DCCD1}">
+              <a14:hiddenFill xmlns:a14="http://schemas.microsoft.com/office/drawing/2010/main">
+                <a:solidFill>
+                  <a:srgbClr val="FFFFFF"/>
+                </a:solidFill>
+              </a14:hiddenFill>
+            </a:ext>
+          </a:extLst>
         </p:spPr>
-        <p:txBody>
-          <a:bodyPr rot="0" spcFirstLastPara="0" vertOverflow="overflow" horzOverflow="overflow" vert="horz" wrap="square" lIns="91440" tIns="45720" rIns="91440" bIns="45720" numCol="1" spcCol="0" rtlCol="0" fromWordArt="0" anchor="t" anchorCtr="0" forceAA="0" compatLnSpc="1">
-            <a:prstTxWarp prst="textNoShape">
-              <a:avLst/>
-            </a:prstTxWarp>
-            <a:spAutoFit/>
-          </a:bodyPr>
-          <a:lstStyle/>
-          <a:p>
-            <a:pPr algn="ctr"/>
-            <a:r>
-              <a:rPr lang="en-US" sz="4000" b="1" dirty="0">
-                <a:latin typeface="Bookman Old Style"/>
-              </a:rPr>
-              <a:t>THANKYOU</a:t>
-            </a:r>
-            <a:endParaRPr lang="en-US" b="1">
-              <a:latin typeface="Bookman Old Style"/>
-            </a:endParaRPr>
-          </a:p>
-        </p:txBody>
-      </p:sp>
+      </p:pic>
     </p:spTree>
     <p:extLst>
       <p:ext uri="{BB962C8B-B14F-4D97-AF65-F5344CB8AC3E}">
-        <p14:creationId xmlns:p14="http://schemas.microsoft.com/office/powerpoint/2010/main" val="3806177057"/>
+        <p14:creationId xmlns:p14="http://schemas.microsoft.com/office/powerpoint/2010/main" val="1598717217"/>
       </p:ext>
     </p:extLst>
   </p:cSld>
@@ -13175,4 +10408,319 @@
     </a:ext>
   </a:extLst>
 </a:theme>
+</file>
+
+<file path=ppt/theme/theme2.xml><?xml version="1.0" encoding="utf-8"?>
+<a:theme xmlns:a="http://schemas.openxmlformats.org/drawingml/2006/main" name="Office Theme">
+  <a:themeElements>
+    <a:clrScheme name="Office">
+      <a:dk1>
+        <a:sysClr val="windowText" lastClr="000000"/>
+      </a:dk1>
+      <a:lt1>
+        <a:sysClr val="window" lastClr="FFFFFF"/>
+      </a:lt1>
+      <a:dk2>
+        <a:srgbClr val="0E2841"/>
+      </a:dk2>
+      <a:lt2>
+        <a:srgbClr val="E8E8E8"/>
+      </a:lt2>
+      <a:accent1>
+        <a:srgbClr val="156082"/>
+      </a:accent1>
+      <a:accent2>
+        <a:srgbClr val="E97132"/>
+      </a:accent2>
+      <a:accent3>
+        <a:srgbClr val="196B24"/>
+      </a:accent3>
+      <a:accent4>
+        <a:srgbClr val="0F9ED5"/>
+      </a:accent4>
+      <a:accent5>
+        <a:srgbClr val="A02B93"/>
+      </a:accent5>
+      <a:accent6>
+        <a:srgbClr val="4EA72E"/>
+      </a:accent6>
+      <a:hlink>
+        <a:srgbClr val="467886"/>
+      </a:hlink>
+      <a:folHlink>
+        <a:srgbClr val="96607D"/>
+      </a:folHlink>
+    </a:clrScheme>
+    <a:fontScheme name="Office">
+      <a:majorFont>
+        <a:latin typeface="Aptos Display" panose="02110004020202020204"/>
+        <a:ea typeface=""/>
+        <a:cs typeface=""/>
+        <a:font script="Jpan" typeface="游ゴシック Light"/>
+        <a:font script="Hang" typeface="맑은 고딕"/>
+        <a:font script="Hans" typeface="等线 Light"/>
+        <a:font script="Hant" typeface="新細明體"/>
+        <a:font script="Arab" typeface="Times New Roman"/>
+        <a:font script="Hebr" typeface="Times New Roman"/>
+        <a:font script="Thai" typeface="Angsana New"/>
+        <a:font script="Ethi" typeface="Nyala"/>
+        <a:font script="Beng" typeface="Vrinda"/>
+        <a:font script="Gujr" typeface="Shruti"/>
+        <a:font script="Khmr" typeface="MoolBoran"/>
+        <a:font script="Knda" typeface="Tunga"/>
+        <a:font script="Guru" typeface="Raavi"/>
+        <a:font script="Cans" typeface="Euphemia"/>
+        <a:font script="Cher" typeface="Plantagenet Cherokee"/>
+        <a:font script="Yiii" typeface="Microsoft Yi Baiti"/>
+        <a:font script="Tibt" typeface="Microsoft Himalaya"/>
+        <a:font script="Thaa" typeface="MV Boli"/>
+        <a:font script="Deva" typeface="Mangal"/>
+        <a:font script="Telu" typeface="Gautami"/>
+        <a:font script="Taml" typeface="Latha"/>
+        <a:font script="Syrc" typeface="Estrangelo Edessa"/>
+        <a:font script="Orya" typeface="Kalinga"/>
+        <a:font script="Mlym" typeface="Kartika"/>
+        <a:font script="Laoo" typeface="DokChampa"/>
+        <a:font script="Sinh" typeface="Iskoola Pota"/>
+        <a:font script="Mong" typeface="Mongolian Baiti"/>
+        <a:font script="Viet" typeface="Times New Roman"/>
+        <a:font script="Uigh" typeface="Microsoft Uighur"/>
+        <a:font script="Geor" typeface="Sylfaen"/>
+        <a:font script="Armn" typeface="Arial"/>
+        <a:font script="Bugi" typeface="Leelawadee UI"/>
+        <a:font script="Bopo" typeface="Microsoft JhengHei"/>
+        <a:font script="Java" typeface="Javanese Text"/>
+        <a:font script="Lisu" typeface="Segoe UI"/>
+        <a:font script="Mymr" typeface="Myanmar Text"/>
+        <a:font script="Nkoo" typeface="Ebrima"/>
+        <a:font script="Olck" typeface="Nirmala UI"/>
+        <a:font script="Osma" typeface="Ebrima"/>
+        <a:font script="Phag" typeface="Phagspa"/>
+        <a:font script="Syrn" typeface="Estrangelo Edessa"/>
+        <a:font script="Syrj" typeface="Estrangelo Edessa"/>
+        <a:font script="Syre" typeface="Estrangelo Edessa"/>
+        <a:font script="Sora" typeface="Nirmala UI"/>
+        <a:font script="Tale" typeface="Microsoft Tai Le"/>
+        <a:font script="Talu" typeface="Microsoft New Tai Lue"/>
+        <a:font script="Tfng" typeface="Ebrima"/>
+      </a:majorFont>
+      <a:minorFont>
+        <a:latin typeface="Aptos" panose="02110004020202020204"/>
+        <a:ea typeface=""/>
+        <a:cs typeface=""/>
+        <a:font script="Jpan" typeface="游ゴシック"/>
+        <a:font script="Hang" typeface="맑은 고딕"/>
+        <a:font script="Hans" typeface="等线"/>
+        <a:font script="Hant" typeface="新細明體"/>
+        <a:font script="Arab" typeface="Arial"/>
+        <a:font script="Hebr" typeface="Arial"/>
+        <a:font script="Thai" typeface="Cordia New"/>
+        <a:font script="Ethi" typeface="Nyala"/>
+        <a:font script="Beng" typeface="Vrinda"/>
+        <a:font script="Gujr" typeface="Shruti"/>
+        <a:font script="Khmr" typeface="DaunPenh"/>
+        <a:font script="Knda" typeface="Tunga"/>
+        <a:font script="Guru" typeface="Raavi"/>
+        <a:font script="Cans" typeface="Euphemia"/>
+        <a:font script="Cher" typeface="Plantagenet Cherokee"/>
+        <a:font script="Yiii" typeface="Microsoft Yi Baiti"/>
+        <a:font script="Tibt" typeface="Microsoft Himalaya"/>
+        <a:font script="Thaa" typeface="MV Boli"/>
+        <a:font script="Deva" typeface="Mangal"/>
+        <a:font script="Telu" typeface="Gautami"/>
+        <a:font script="Taml" typeface="Latha"/>
+        <a:font script="Syrc" typeface="Estrangelo Edessa"/>
+        <a:font script="Orya" typeface="Kalinga"/>
+        <a:font script="Mlym" typeface="Kartika"/>
+        <a:font script="Laoo" typeface="DokChampa"/>
+        <a:font script="Sinh" typeface="Iskoola Pota"/>
+        <a:font script="Mong" typeface="Mongolian Baiti"/>
+        <a:font script="Viet" typeface="Arial"/>
+        <a:font script="Uigh" typeface="Microsoft Uighur"/>
+        <a:font script="Geor" typeface="Sylfaen"/>
+        <a:font script="Armn" typeface="Arial"/>
+        <a:font script="Bugi" typeface="Leelawadee UI"/>
+        <a:font script="Bopo" typeface="Microsoft JhengHei"/>
+        <a:font script="Java" typeface="Javanese Text"/>
+        <a:font script="Lisu" typeface="Segoe UI"/>
+        <a:font script="Mymr" typeface="Myanmar Text"/>
+        <a:font script="Nkoo" typeface="Ebrima"/>
+        <a:font script="Olck" typeface="Nirmala UI"/>
+        <a:font script="Osma" typeface="Ebrima"/>
+        <a:font script="Phag" typeface="Phagspa"/>
+        <a:font script="Syrn" typeface="Estrangelo Edessa"/>
+        <a:font script="Syrj" typeface="Estrangelo Edessa"/>
+        <a:font script="Syre" typeface="Estrangelo Edessa"/>
+        <a:font script="Sora" typeface="Nirmala UI"/>
+        <a:font script="Tale" typeface="Microsoft Tai Le"/>
+        <a:font script="Talu" typeface="Microsoft New Tai Lue"/>
+        <a:font script="Tfng" typeface="Ebrima"/>
+      </a:minorFont>
+    </a:fontScheme>
+    <a:fmtScheme name="Office">
+      <a:fillStyleLst>
+        <a:solidFill>
+          <a:schemeClr val="phClr"/>
+        </a:solidFill>
+        <a:gradFill rotWithShape="1">
+          <a:gsLst>
+            <a:gs pos="0">
+              <a:schemeClr val="phClr">
+                <a:lumMod val="110000"/>
+                <a:satMod val="105000"/>
+                <a:tint val="67000"/>
+              </a:schemeClr>
+            </a:gs>
+            <a:gs pos="50000">
+              <a:schemeClr val="phClr">
+                <a:lumMod val="105000"/>
+                <a:satMod val="103000"/>
+                <a:tint val="73000"/>
+              </a:schemeClr>
+            </a:gs>
+            <a:gs pos="100000">
+              <a:schemeClr val="phClr">
+                <a:lumMod val="105000"/>
+                <a:satMod val="109000"/>
+                <a:tint val="81000"/>
+              </a:schemeClr>
+            </a:gs>
+          </a:gsLst>
+          <a:lin ang="5400000" scaled="0"/>
+        </a:gradFill>
+        <a:gradFill rotWithShape="1">
+          <a:gsLst>
+            <a:gs pos="0">
+              <a:schemeClr val="phClr">
+                <a:satMod val="103000"/>
+                <a:lumMod val="102000"/>
+                <a:tint val="94000"/>
+              </a:schemeClr>
+            </a:gs>
+            <a:gs pos="50000">
+              <a:schemeClr val="phClr">
+                <a:satMod val="110000"/>
+                <a:lumMod val="100000"/>
+                <a:shade val="100000"/>
+              </a:schemeClr>
+            </a:gs>
+            <a:gs pos="100000">
+              <a:schemeClr val="phClr">
+                <a:lumMod val="99000"/>
+                <a:satMod val="120000"/>
+                <a:shade val="78000"/>
+              </a:schemeClr>
+            </a:gs>
+          </a:gsLst>
+          <a:lin ang="5400000" scaled="0"/>
+        </a:gradFill>
+      </a:fillStyleLst>
+      <a:lnStyleLst>
+        <a:ln w="12700" cap="flat" cmpd="sng" algn="ctr">
+          <a:solidFill>
+            <a:schemeClr val="phClr"/>
+          </a:solidFill>
+          <a:prstDash val="solid"/>
+          <a:miter lim="800000"/>
+        </a:ln>
+        <a:ln w="19050" cap="flat" cmpd="sng" algn="ctr">
+          <a:solidFill>
+            <a:schemeClr val="phClr"/>
+          </a:solidFill>
+          <a:prstDash val="solid"/>
+          <a:miter lim="800000"/>
+        </a:ln>
+        <a:ln w="25400" cap="flat" cmpd="sng" algn="ctr">
+          <a:solidFill>
+            <a:schemeClr val="phClr"/>
+          </a:solidFill>
+          <a:prstDash val="solid"/>
+          <a:miter lim="800000"/>
+        </a:ln>
+      </a:lnStyleLst>
+      <a:effectStyleLst>
+        <a:effectStyle>
+          <a:effectLst/>
+        </a:effectStyle>
+        <a:effectStyle>
+          <a:effectLst/>
+        </a:effectStyle>
+        <a:effectStyle>
+          <a:effectLst>
+            <a:outerShdw blurRad="57150" dist="19050" dir="5400000" algn="ctr" rotWithShape="0">
+              <a:srgbClr val="000000">
+                <a:alpha val="63000"/>
+              </a:srgbClr>
+            </a:outerShdw>
+          </a:effectLst>
+        </a:effectStyle>
+      </a:effectStyleLst>
+      <a:bgFillStyleLst>
+        <a:solidFill>
+          <a:schemeClr val="phClr"/>
+        </a:solidFill>
+        <a:solidFill>
+          <a:schemeClr val="phClr">
+            <a:tint val="95000"/>
+            <a:satMod val="170000"/>
+          </a:schemeClr>
+        </a:solidFill>
+        <a:gradFill rotWithShape="1">
+          <a:gsLst>
+            <a:gs pos="0">
+              <a:schemeClr val="phClr">
+                <a:tint val="93000"/>
+                <a:satMod val="150000"/>
+                <a:shade val="98000"/>
+                <a:lumMod val="102000"/>
+              </a:schemeClr>
+            </a:gs>
+            <a:gs pos="50000">
+              <a:schemeClr val="phClr">
+                <a:tint val="98000"/>
+                <a:satMod val="130000"/>
+                <a:shade val="90000"/>
+                <a:lumMod val="103000"/>
+              </a:schemeClr>
+            </a:gs>
+            <a:gs pos="100000">
+              <a:schemeClr val="phClr">
+                <a:shade val="63000"/>
+                <a:satMod val="120000"/>
+              </a:schemeClr>
+            </a:gs>
+          </a:gsLst>
+          <a:lin ang="5400000" scaled="0"/>
+        </a:gradFill>
+      </a:bgFillStyleLst>
+    </a:fmtScheme>
+  </a:themeElements>
+  <a:objectDefaults>
+    <a:lnDef>
+      <a:spPr/>
+      <a:bodyPr/>
+      <a:lstStyle/>
+      <a:style>
+        <a:lnRef idx="2">
+          <a:schemeClr val="accent1"/>
+        </a:lnRef>
+        <a:fillRef idx="0">
+          <a:schemeClr val="accent1"/>
+        </a:fillRef>
+        <a:effectRef idx="1">
+          <a:schemeClr val="accent1"/>
+        </a:effectRef>
+        <a:fontRef idx="minor">
+          <a:schemeClr val="tx1"/>
+        </a:fontRef>
+      </a:style>
+    </a:lnDef>
+  </a:objectDefaults>
+  <a:extraClrSchemeLst/>
+  <a:extLst>
+    <a:ext uri="{05A4C25C-085E-4340-85A3-A5531E510DB2}">
+      <thm15:themeFamily xmlns:thm15="http://schemas.microsoft.com/office/thememl/2012/main" name="Office Theme" id="{2E142A2C-CD16-42D6-873A-C26D2A0506FA}" vid="{1BDDFF52-6CD6-40A5-AB3C-68EB2F1E4D0A}"/>
+    </a:ext>
+  </a:extLst>
+</a:theme>
 </file>